--- a/AzureDataCatalog/Azure Data Catalog Short Set.pptx
+++ b/AzureDataCatalog/Azure Data Catalog Short Set.pptx
@@ -5439,6 +5439,106 @@
           </a:prstGeom>
         </p:spPr>
       </p:pic>
+      <p:sp>
+        <p:nvSpPr>
+          <p:cNvPr id="2" name="Rectangle 1">
+            <a:extLst>
+              <a:ext uri="{FF2B5EF4-FFF2-40B4-BE49-F238E27FC236}">
+                <a16:creationId xmlns:a16="http://schemas.microsoft.com/office/drawing/2014/main" id="{A96DE41C-0F03-48E5-9865-C28051E7FD35}"/>
+              </a:ext>
+            </a:extLst>
+          </p:cNvPr>
+          <p:cNvSpPr/>
+          <p:nvPr/>
+        </p:nvSpPr>
+        <p:spPr>
+          <a:xfrm>
+            <a:off x="503238" y="5974050"/>
+            <a:ext cx="6560292" cy="369332"/>
+          </a:xfrm>
+          <a:prstGeom prst="rect">
+            <a:avLst/>
+          </a:prstGeom>
+        </p:spPr>
+        <p:txBody>
+          <a:bodyPr wrap="square">
+            <a:spAutoFit/>
+          </a:bodyPr>
+          <a:lstStyle/>
+          <a:p>
+            <a:r>
+              <a:rPr lang="en-US" dirty="0">
+                <a:solidFill>
+                  <a:schemeClr val="bg1"/>
+                </a:solidFill>
+                <a:highlight>
+                  <a:srgbClr val="EFEFEF"/>
+                </a:highlight>
+                <a:hlinkClick r:id="rId5"/>
+              </a:rPr>
+              <a:t>https://github.com/bcafferky/shared/tree/master/AzureDataCatalog</a:t>
+            </a:r>
+            <a:endParaRPr lang="en-US" dirty="0">
+              <a:solidFill>
+                <a:schemeClr val="bg1"/>
+              </a:solidFill>
+              <a:highlight>
+                <a:srgbClr val="EFEFEF"/>
+              </a:highlight>
+            </a:endParaRPr>
+          </a:p>
+        </p:txBody>
+      </p:sp>
+      <p:sp>
+        <p:nvSpPr>
+          <p:cNvPr id="5" name="Rectangle 4">
+            <a:extLst>
+              <a:ext uri="{FF2B5EF4-FFF2-40B4-BE49-F238E27FC236}">
+                <a16:creationId xmlns:a16="http://schemas.microsoft.com/office/drawing/2014/main" id="{204CC851-0657-48EC-9072-392023640277}"/>
+              </a:ext>
+            </a:extLst>
+          </p:cNvPr>
+          <p:cNvSpPr/>
+          <p:nvPr/>
+        </p:nvSpPr>
+        <p:spPr>
+          <a:xfrm>
+            <a:off x="503238" y="6373666"/>
+            <a:ext cx="3643241" cy="369332"/>
+          </a:xfrm>
+          <a:prstGeom prst="rect">
+            <a:avLst/>
+          </a:prstGeom>
+        </p:spPr>
+        <p:txBody>
+          <a:bodyPr wrap="none">
+            <a:spAutoFit/>
+          </a:bodyPr>
+          <a:lstStyle/>
+          <a:p>
+            <a:r>
+              <a:rPr lang="en-US" dirty="0">
+                <a:solidFill>
+                  <a:schemeClr val="bg1"/>
+                </a:solidFill>
+                <a:highlight>
+                  <a:srgbClr val="EFEFEF"/>
+                </a:highlight>
+                <a:hlinkClick r:id="rId6"/>
+              </a:rPr>
+              <a:t>https://github.com/bcafferky/shared</a:t>
+            </a:r>
+            <a:endParaRPr lang="en-US" dirty="0">
+              <a:solidFill>
+                <a:schemeClr val="bg1"/>
+              </a:solidFill>
+              <a:highlight>
+                <a:srgbClr val="EFEFEF"/>
+              </a:highlight>
+            </a:endParaRPr>
+          </a:p>
+        </p:txBody>
+      </p:sp>
     </p:spTree>
     <p:extLst>
       <p:ext uri="{BB962C8B-B14F-4D97-AF65-F5344CB8AC3E}">
@@ -16522,6 +16622,15 @@
 
 <file path=customXml/item1.xml><?xml version="1.0" encoding="utf-8"?>
 <?mso-contentType ?>
+<FormTemplates xmlns="http://schemas.microsoft.com/sharepoint/v3/contenttype/forms">
+  <Display>DocumentLibraryForm</Display>
+  <Edit>DocumentLibraryForm</Edit>
+  <New>DocumentLibraryForm</New>
+</FormTemplates>
+</file>
+
+<file path=customXml/item2.xml><?xml version="1.0" encoding="utf-8"?>
+<?mso-contentType ?>
 <spe:Receivers xmlns:spe="http://schemas.microsoft.com/sharepoint/events">
   <Receiver>
     <Name>Document ID Generator</Name>
@@ -16570,226 +16679,9 @@
 </spe:Receivers>
 </file>
 
-<file path=customXml/item2.xml><?xml version="1.0" encoding="utf-8"?>
+<file path=customXml/item3.xml><?xml version="1.0" encoding="utf-8"?>
 <?mso-contentType ?>
-<FormTemplates xmlns="http://schemas.microsoft.com/sharepoint/v3/contenttype/forms">
-  <Display>DocumentLibraryForm</Display>
-  <Edit>DocumentLibraryForm</Edit>
-  <New>DocumentLibraryForm</New>
-</FormTemplates>
-</file>
-
-<file path=customXml/item3.xml><?xml version="1.0" encoding="utf-8"?>
-<p:properties xmlns:p="http://schemas.microsoft.com/office/2006/metadata/properties" xmlns:xsi="http://www.w3.org/2001/XMLSchema-instance" xmlns:pc="http://schemas.microsoft.com/office/infopath/2007/PartnerControls">
-  <documentManagement>
-    <_dlc_DocId xmlns="230e9df3-be65-4c73-a93b-d1236ebd677e">G01KC-99682991-10208</_dlc_DocId>
-    <_dlc_DocIdUrl xmlns="230e9df3-be65-4c73-a93b-d1236ebd677e">
-      <Url>https://microsoft.sharepoint.com/sites/Infopedia_G01KC/_layouts/15/DocIdRedir.aspx?ID=G01KC-99682991-10208</Url>
-      <Description>G01KC-99682991-10208</Description>
-    </_dlc_DocIdUrl>
-    <DocumentDescription xmlns="230e9df3-be65-4c73-a93b-d1236ebd677e">200-Level customer facing deck for the MSFT field to help support customer conversations covering the core capabilities, the value and be benefits of the Azure Data Catalog, an enterprise-wide metadata catalog enabling self-service data source discovery</DocumentDescription>
-    <ef109fd36bcf4bcd9dd945731030600b xmlns="230e9df3-be65-4c73-a93b-d1236ebd677e">
-      <Terms xmlns="http://schemas.microsoft.com/office/infopath/2007/PartnerControls"/>
-    </ef109fd36bcf4bcd9dd945731030600b>
-    <i1b478372f814787abd313030b81fcb2 xmlns="230e9df3-be65-4c73-a93b-d1236ebd677e">
-      <Terms xmlns="http://schemas.microsoft.com/office/infopath/2007/PartnerControls"/>
-    </i1b478372f814787abd313030b81fcb2>
-    <ReportOwner xmlns="http://schemas.microsoft.com/sharepoint/v3">
-      <UserInfo>
-        <DisplayName/>
-        <AccountId xsi:nil="true"/>
-        <AccountType/>
-      </UserInfo>
-    </ReportOwner>
-    <hd9637eefc984b85b6097c6374e15725 xmlns="230e9df3-be65-4c73-a93b-d1236ebd677e">
-      <Terms xmlns="http://schemas.microsoft.com/office/infopath/2007/PartnerControls">
-        <TermInfo xmlns="http://schemas.microsoft.com/office/infopath/2007/PartnerControls">
-          <TermName xmlns="http://schemas.microsoft.com/office/infopath/2007/PartnerControls">product information</TermName>
-          <TermId xmlns="http://schemas.microsoft.com/office/infopath/2007/PartnerControls">a62e948d-5e4b-4b97-9627-6d1d79eb3f6c</TermId>
-        </TermInfo>
-        <TermInfo xmlns="http://schemas.microsoft.com/office/infopath/2007/PartnerControls">
-          <TermName xmlns="http://schemas.microsoft.com/office/infopath/2007/PartnerControls">feedback requests</TermName>
-          <TermId xmlns="http://schemas.microsoft.com/office/infopath/2007/PartnerControls">00ce1828-98a3-430e-af54-eda270e1be04</TermId>
-        </TermInfo>
-      </Terms>
-    </hd9637eefc984b85b6097c6374e15725>
-    <k21a64daf20d4502b2796a1c6b8ce6c8 xmlns="230e9df3-be65-4c73-a93b-d1236ebd677e">
-      <Terms xmlns="http://schemas.microsoft.com/office/infopath/2007/PartnerControls">
-        <TermInfo xmlns="http://schemas.microsoft.com/office/infopath/2007/PartnerControls">
-          <TermName xmlns="http://schemas.microsoft.com/office/infopath/2007/PartnerControls">telecommunications industry</TermName>
-          <TermId xmlns="http://schemas.microsoft.com/office/infopath/2007/PartnerControls">a3c8e82b-7663-445f-a09f-a59105ac1d80</TermId>
-        </TermInfo>
-        <TermInfo xmlns="http://schemas.microsoft.com/office/infopath/2007/PartnerControls">
-          <TermName xmlns="http://schemas.microsoft.com/office/infopath/2007/PartnerControls">industries</TermName>
-          <TermId xmlns="http://schemas.microsoft.com/office/infopath/2007/PartnerControls">3e19349d-0f97-4bdd-98f7-34f9b5ced943</TermId>
-        </TermInfo>
-      </Terms>
-    </k21a64daf20d4502b2796a1c6b8ce6c8>
-    <Coowner xmlns="230e9df3-be65-4c73-a93b-d1236ebd677e">
-      <UserInfo>
-        <DisplayName>i:0#.f|membership|v-anmarv@microsoft.com</DisplayName>
-        <AccountId>45</AccountId>
-        <AccountType/>
-      </UserInfo>
-      <UserInfo>
-        <DisplayName>i:0#.f|membership|v-danaja@microsoft.com</DisplayName>
-        <AccountId>176</AccountId>
-        <AccountType/>
-      </UserInfo>
-      <UserInfo>
-        <DisplayName>i:0#.f|membership|jstrauss@microsoft.com</DisplayName>
-        <AccountId>11717</AccountId>
-        <AccountType/>
-      </UserInfo>
-    </Coowner>
-    <Thumbnail1 xmlns="230e9df3-be65-4c73-a93b-d1236ebd677e">
-      <Url>https://microsoft.sharepoint.com/sites/Infopedia_G01KC/Media/Thumbnails/KC02-23-68682/AAProductIntro.JPG</Url>
-      <Description>https://microsoft.sharepoint.com/sites/Infopedia_G01KC/Media/Thumbnails/KC02-23-68682/AAProductIntro.JPG</Description>
-    </Thumbnail1>
-    <TaxKeywordTaxHTField xmlns="230e9df3-be65-4c73-a93b-d1236ebd677e">
-      <Terms xmlns="http://schemas.microsoft.com/office/infopath/2007/PartnerControls"/>
-    </TaxKeywordTaxHTField>
-    <ContentID xmlns="230e9df3-be65-4c73-a93b-d1236ebd677e">KC02-23-75332</ContentID>
-    <PublishDate xmlns="230E9DF3-BE65-4C73-A93B-D1236EBD677E" xsi:nil="true"/>
-    <b4224c12c78d42ea9b214de0badf8358 xmlns="230e9df3-be65-4c73-a93b-d1236ebd677e">
-      <Terms xmlns="http://schemas.microsoft.com/office/infopath/2007/PartnerControls"/>
-    </b4224c12c78d42ea9b214de0badf8358>
-    <GenericText2 xmlns="230e9df3-be65-4c73-a93b-d1236ebd677e">G01KC-1-5843</GenericText2>
-    <Owner xmlns="230e9df3-be65-4c73-a93b-d1236ebd677e">
-      <UserInfo>
-        <DisplayName>Ann Bachrach</DisplayName>
-        <AccountId>125</AccountId>
-        <AccountType/>
-      </UserInfo>
-    </Owner>
-    <k20e0dfa74bf4e44818db03027b0ccd8 xmlns="230e9df3-be65-4c73-a93b-d1236ebd677e">
-      <Terms xmlns="http://schemas.microsoft.com/office/infopath/2007/PartnerControls"/>
-    </k20e0dfa74bf4e44818db03027b0ccd8>
-    <eb54ac91059940029a3cc8a4ff5af673 xmlns="230e9df3-be65-4c73-a93b-d1236ebd677e">
-      <Terms xmlns="http://schemas.microsoft.com/office/infopath/2007/PartnerControls">
-        <TermInfo xmlns="http://schemas.microsoft.com/office/infopath/2007/PartnerControls">
-          <TermName xmlns="http://schemas.microsoft.com/office/infopath/2007/PartnerControls">Cloud and Enterprise</TermName>
-          <TermId xmlns="http://schemas.microsoft.com/office/infopath/2007/PartnerControls">adc2fe87-c79a-4ded-a449-3f86b954069d</TermId>
-        </TermInfo>
-        <TermInfo xmlns="http://schemas.microsoft.com/office/infopath/2007/PartnerControls">
-          <TermName xmlns="http://schemas.microsoft.com/office/infopath/2007/PartnerControls">Microsoft Azure Domain</TermName>
-          <TermId xmlns="http://schemas.microsoft.com/office/infopath/2007/PartnerControls">d600a391-d529-4311-892b-2c05c1ab2538</TermId>
-        </TermInfo>
-        <TermInfo xmlns="http://schemas.microsoft.com/office/infopath/2007/PartnerControls">
-          <TermName xmlns="http://schemas.microsoft.com/office/infopath/2007/PartnerControls">Enterprise and Partner Group</TermName>
-          <TermId xmlns="http://schemas.microsoft.com/office/infopath/2007/PartnerControls">b6e10940-8c6c-40cf-9dc4-c224c7da837a</TermId>
-        </TermInfo>
-        <TermInfo xmlns="http://schemas.microsoft.com/office/infopath/2007/PartnerControls">
-          <TermName xmlns="http://schemas.microsoft.com/office/infopath/2007/PartnerControls">Demonstrations Domain</TermName>
-          <TermId xmlns="http://schemas.microsoft.com/office/infopath/2007/PartnerControls">ace27c3b-cb70-4e97-b22d-11bf78e968cd</TermId>
-        </TermInfo>
-        <TermInfo xmlns="http://schemas.microsoft.com/office/infopath/2007/PartnerControls">
-          <TermName xmlns="http://schemas.microsoft.com/office/infopath/2007/PartnerControls">Worldwide Readiness</TermName>
-          <TermId xmlns="http://schemas.microsoft.com/office/infopath/2007/PartnerControls">c6595b84-b463-470a-bb46-2a47364645be</TermId>
-        </TermInfo>
-      </Terms>
-    </eb54ac91059940029a3cc8a4ff5af673>
-    <PublishingPageContent xmlns="http://schemas.microsoft.com/sharepoint/v3" xsi:nil="true"/>
-    <l3c3ea61849e4288a8acc49bb5388e8c xmlns="230e9df3-be65-4c73-a93b-d1236ebd677e">
-      <Terms xmlns="http://schemas.microsoft.com/office/infopath/2007/PartnerControls">
-        <TermInfo xmlns="http://schemas.microsoft.com/office/infopath/2007/PartnerControls">
-          <TermName xmlns="http://schemas.microsoft.com/office/infopath/2007/PartnerControls">Microsoft Azure Marketing</TermName>
-          <TermId xmlns="http://schemas.microsoft.com/office/infopath/2007/PartnerControls">0958c357-5252-473f-8b4e-42f27525a99d</TermId>
-        </TermInfo>
-      </Terms>
-    </l3c3ea61849e4288a8acc49bb5388e8c>
-    <GenericHTML1 xmlns="230e9df3-be65-4c73-a93b-d1236ebd677e" xsi:nil="true"/>
-    <mb88723863e1404388ba3733387d48df xmlns="230e9df3-be65-4c73-a93b-d1236ebd677e">
-      <Terms xmlns="http://schemas.microsoft.com/office/infopath/2007/PartnerControls"/>
-    </mb88723863e1404388ba3733387d48df>
-    <od9986d31974458fb3007746ec0bce5f xmlns="230e9df3-be65-4c73-a93b-d1236ebd677e">
-      <Terms xmlns="http://schemas.microsoft.com/office/infopath/2007/PartnerControls"/>
-    </od9986d31974458fb3007746ec0bce5f>
-    <ApplyWorkflowRules xmlns="230E9DF3-BE65-4C73-A93B-D1236EBD677E">Yes</ApplyWorkflowRules>
-    <bf80e81150e248c48aa8cffdf0021a1f xmlns="230e9df3-be65-4c73-a93b-d1236ebd677e">
-      <Terms xmlns="http://schemas.microsoft.com/office/infopath/2007/PartnerControls">
-        <TermInfo xmlns="http://schemas.microsoft.com/office/infopath/2007/PartnerControls">
-          <TermName xmlns="http://schemas.microsoft.com/office/infopath/2007/PartnerControls">Microsoft Azure</TermName>
-          <TermId xmlns="http://schemas.microsoft.com/office/infopath/2007/PartnerControls">669a3112-5edf-444b-a003-630063601f07</TermId>
-        </TermInfo>
-      </Terms>
-    </bf80e81150e248c48aa8cffdf0021a1f>
-    <kf34bcdc8fc34e479d3f94c6210e8e27 xmlns="230e9df3-be65-4c73-a93b-d1236ebd677e">
-      <Terms xmlns="http://schemas.microsoft.com/office/infopath/2007/PartnerControls"/>
-    </kf34bcdc8fc34e479d3f94c6210e8e27>
-    <TaxCatchAll xmlns="230e9df3-be65-4c73-a93b-d1236ebd677e">
-      <Value>36</Value>
-      <Value>216</Value>
-      <Value>31</Value>
-      <Value>29</Value>
-      <Value>324</Value>
-      <Value>26</Value>
-      <Value>14</Value>
-      <Value>61</Value>
-      <Value>21</Value>
-      <Value>20</Value>
-      <Value>351</Value>
-      <Value>128</Value>
-      <Value>88</Value>
-      <Value>231</Value>
-      <Value>747</Value>
-      <Value>374</Value>
-    </TaxCatchAll>
-    <m6c7b4717b6346e6a075a59dd47eac69 xmlns="230e9df3-be65-4c73-a93b-d1236ebd677e">
-      <Terms xmlns="http://schemas.microsoft.com/office/infopath/2007/PartnerControls">
-        <TermInfo xmlns="http://schemas.microsoft.com/office/infopath/2007/PartnerControls">
-          <TermName xmlns="http://schemas.microsoft.com/office/infopath/2007/PartnerControls">features</TermName>
-          <TermId xmlns="http://schemas.microsoft.com/office/infopath/2007/PartnerControls">94b87768-f145-4764-adbd-fec700e47348</TermId>
-        </TermInfo>
-      </Terms>
-    </m6c7b4717b6346e6a075a59dd47eac69>
-    <m6d26e40ac264097a006193f92232ece xmlns="230e9df3-be65-4c73-a93b-d1236ebd677e">
-      <Terms xmlns="http://schemas.microsoft.com/office/infopath/2007/PartnerControls">
-        <TermInfo xmlns="http://schemas.microsoft.com/office/infopath/2007/PartnerControls">
-          <TermName xmlns="http://schemas.microsoft.com/office/infopath/2007/PartnerControls">200</TermName>
-          <TermId xmlns="http://schemas.microsoft.com/office/infopath/2007/PartnerControls">855c9113-a119-44e7-b3de-bccffe25ed46</TermId>
-        </TermInfo>
-      </Terms>
-    </m6d26e40ac264097a006193f92232ece>
-    <Blog_x0020_Name xmlns="230e9df3-be65-4c73-a93b-d1236ebd677e" xsi:nil="true"/>
-    <i0d941ee1e744ffea7aeee9924c91cbb xmlns="230e9df3-be65-4c73-a93b-d1236ebd677e">
-      <Terms xmlns="http://schemas.microsoft.com/office/infopath/2007/PartnerControls">
-        <TermInfo xmlns="http://schemas.microsoft.com/office/infopath/2007/PartnerControls">
-          <TermName xmlns="http://schemas.microsoft.com/office/infopath/2007/PartnerControls">machine learning</TermName>
-          <TermId xmlns="http://schemas.microsoft.com/office/infopath/2007/PartnerControls">912b89bd-3197-4d37-838b-dea3c299099a</TermId>
-        </TermInfo>
-        <TermInfo xmlns="http://schemas.microsoft.com/office/infopath/2007/PartnerControls">
-          <TermName xmlns="http://schemas.microsoft.com/office/infopath/2007/PartnerControls">business intelligence</TermName>
-          <TermId xmlns="http://schemas.microsoft.com/office/infopath/2007/PartnerControls">e1f9659f-bde9-4479-81f9-2bc6e8ec0057</TermId>
-        </TermInfo>
-      </Terms>
-    </i0d941ee1e744ffea7aeee9924c91cbb>
-    <ec5b2ad5c27b45fb8a00a1f27c7ce1ae xmlns="230e9df3-be65-4c73-a93b-d1236ebd677e">
-      <Terms xmlns="http://schemas.microsoft.com/office/infopath/2007/PartnerControls"/>
-    </ec5b2ad5c27b45fb8a00a1f27c7ce1ae>
-    <PublishingExpirationDate xmlns="http://schemas.microsoft.com/sharepoint/v3" xsi:nil="true"/>
-    <ConfidentialityTaxHTField0 xmlns="230e9df3-be65-4c73-a93b-d1236ebd677e">
-      <Terms xmlns="http://schemas.microsoft.com/office/infopath/2007/PartnerControls">
-        <TermInfo xmlns="http://schemas.microsoft.com/office/infopath/2007/PartnerControls">
-          <TermName xmlns="http://schemas.microsoft.com/office/infopath/2007/PartnerControls">customer ready</TermName>
-          <TermId xmlns="http://schemas.microsoft.com/office/infopath/2007/PartnerControls">8986c41d-21c5-4f8f-8a12-ea4625b46858</TermId>
-        </TermInfo>
-      </Terms>
-    </ConfidentialityTaxHTField0>
-    <b60f8d2dbb984f349d80d8196897f4d3 xmlns="230e9df3-be65-4c73-a93b-d1236ebd677e">
-      <Terms xmlns="http://schemas.microsoft.com/office/infopath/2007/PartnerControls"/>
-    </b60f8d2dbb984f349d80d8196897f4d3>
-    <RatingCount xmlns="http://schemas.microsoft.com/sharepoint/v3" xsi:nil="true"/>
-    <RoutingRuleDescription xmlns="http://schemas.microsoft.com/sharepoint/v3" xsi:nil="true"/>
-    <AverageRating xmlns="http://schemas.microsoft.com/sharepoint/v3" xsi:nil="true"/>
-    <Update_x0020_Parent_x0020_Child_x0020_Relation_x0028_1_x0029_0 xmlns="b3bc04a5-d503-43b1-b98c-a8cf663329d9">
-      <Url xsi:nil="true"/>
-      <Description xsi:nil="true"/>
-    </Update_x0020_Parent_x0020_Child_x0020_Relation_x0028_1_x0029_0>
-    <_ip_UnifiedCompliancePolicyUIAction xmlns="http://schemas.microsoft.com/sharepoint/v3" xsi:nil="true"/>
-    <_ip_UnifiedCompliancePolicyProperties xmlns="http://schemas.microsoft.com/sharepoint/v3" xsi:nil="true"/>
-  </documentManagement>
-</p:properties>
+<SharedContentType xmlns="Microsoft.SharePoint.Taxonomy.ContentTypeSync" SourceId="e385fb40-52d4-4fae-9c5b-3e8ff8a5878e" ContentTypeId="0x0101000E4CB7077FEE4FF7AE86D4A500EEC7800300F96E2758736AEF45AFCE0C190C2A9DEC" PreviousValue="false"/>
 </file>
 
 <file path=customXml/item4.xml><?xml version="1.0" encoding="utf-8"?>
@@ -17331,11 +17223,227 @@
 </file>
 
 <file path=customXml/item5.xml><?xml version="1.0" encoding="utf-8"?>
-<?mso-contentType ?>
-<SharedContentType xmlns="Microsoft.SharePoint.Taxonomy.ContentTypeSync" SourceId="e385fb40-52d4-4fae-9c5b-3e8ff8a5878e" ContentTypeId="0x0101000E4CB7077FEE4FF7AE86D4A500EEC7800300F96E2758736AEF45AFCE0C190C2A9DEC" PreviousValue="false"/>
+<p:properties xmlns:p="http://schemas.microsoft.com/office/2006/metadata/properties" xmlns:xsi="http://www.w3.org/2001/XMLSchema-instance" xmlns:pc="http://schemas.microsoft.com/office/infopath/2007/PartnerControls">
+  <documentManagement>
+    <_dlc_DocId xmlns="230e9df3-be65-4c73-a93b-d1236ebd677e">G01KC-99682991-10208</_dlc_DocId>
+    <_dlc_DocIdUrl xmlns="230e9df3-be65-4c73-a93b-d1236ebd677e">
+      <Url>https://microsoft.sharepoint.com/sites/Infopedia_G01KC/_layouts/15/DocIdRedir.aspx?ID=G01KC-99682991-10208</Url>
+      <Description>G01KC-99682991-10208</Description>
+    </_dlc_DocIdUrl>
+    <DocumentDescription xmlns="230e9df3-be65-4c73-a93b-d1236ebd677e">200-Level customer facing deck for the MSFT field to help support customer conversations covering the core capabilities, the value and be benefits of the Azure Data Catalog, an enterprise-wide metadata catalog enabling self-service data source discovery</DocumentDescription>
+    <ef109fd36bcf4bcd9dd945731030600b xmlns="230e9df3-be65-4c73-a93b-d1236ebd677e">
+      <Terms xmlns="http://schemas.microsoft.com/office/infopath/2007/PartnerControls"/>
+    </ef109fd36bcf4bcd9dd945731030600b>
+    <i1b478372f814787abd313030b81fcb2 xmlns="230e9df3-be65-4c73-a93b-d1236ebd677e">
+      <Terms xmlns="http://schemas.microsoft.com/office/infopath/2007/PartnerControls"/>
+    </i1b478372f814787abd313030b81fcb2>
+    <ReportOwner xmlns="http://schemas.microsoft.com/sharepoint/v3">
+      <UserInfo>
+        <DisplayName/>
+        <AccountId xsi:nil="true"/>
+        <AccountType/>
+      </UserInfo>
+    </ReportOwner>
+    <hd9637eefc984b85b6097c6374e15725 xmlns="230e9df3-be65-4c73-a93b-d1236ebd677e">
+      <Terms xmlns="http://schemas.microsoft.com/office/infopath/2007/PartnerControls">
+        <TermInfo xmlns="http://schemas.microsoft.com/office/infopath/2007/PartnerControls">
+          <TermName xmlns="http://schemas.microsoft.com/office/infopath/2007/PartnerControls">product information</TermName>
+          <TermId xmlns="http://schemas.microsoft.com/office/infopath/2007/PartnerControls">a62e948d-5e4b-4b97-9627-6d1d79eb3f6c</TermId>
+        </TermInfo>
+        <TermInfo xmlns="http://schemas.microsoft.com/office/infopath/2007/PartnerControls">
+          <TermName xmlns="http://schemas.microsoft.com/office/infopath/2007/PartnerControls">feedback requests</TermName>
+          <TermId xmlns="http://schemas.microsoft.com/office/infopath/2007/PartnerControls">00ce1828-98a3-430e-af54-eda270e1be04</TermId>
+        </TermInfo>
+      </Terms>
+    </hd9637eefc984b85b6097c6374e15725>
+    <k21a64daf20d4502b2796a1c6b8ce6c8 xmlns="230e9df3-be65-4c73-a93b-d1236ebd677e">
+      <Terms xmlns="http://schemas.microsoft.com/office/infopath/2007/PartnerControls">
+        <TermInfo xmlns="http://schemas.microsoft.com/office/infopath/2007/PartnerControls">
+          <TermName xmlns="http://schemas.microsoft.com/office/infopath/2007/PartnerControls">telecommunications industry</TermName>
+          <TermId xmlns="http://schemas.microsoft.com/office/infopath/2007/PartnerControls">a3c8e82b-7663-445f-a09f-a59105ac1d80</TermId>
+        </TermInfo>
+        <TermInfo xmlns="http://schemas.microsoft.com/office/infopath/2007/PartnerControls">
+          <TermName xmlns="http://schemas.microsoft.com/office/infopath/2007/PartnerControls">industries</TermName>
+          <TermId xmlns="http://schemas.microsoft.com/office/infopath/2007/PartnerControls">3e19349d-0f97-4bdd-98f7-34f9b5ced943</TermId>
+        </TermInfo>
+      </Terms>
+    </k21a64daf20d4502b2796a1c6b8ce6c8>
+    <Coowner xmlns="230e9df3-be65-4c73-a93b-d1236ebd677e">
+      <UserInfo>
+        <DisplayName>i:0#.f|membership|v-anmarv@microsoft.com</DisplayName>
+        <AccountId>45</AccountId>
+        <AccountType/>
+      </UserInfo>
+      <UserInfo>
+        <DisplayName>i:0#.f|membership|v-danaja@microsoft.com</DisplayName>
+        <AccountId>176</AccountId>
+        <AccountType/>
+      </UserInfo>
+      <UserInfo>
+        <DisplayName>i:0#.f|membership|jstrauss@microsoft.com</DisplayName>
+        <AccountId>11717</AccountId>
+        <AccountType/>
+      </UserInfo>
+    </Coowner>
+    <Thumbnail1 xmlns="230e9df3-be65-4c73-a93b-d1236ebd677e">
+      <Url>https://microsoft.sharepoint.com/sites/Infopedia_G01KC/Media/Thumbnails/KC02-23-68682/AAProductIntro.JPG</Url>
+      <Description>https://microsoft.sharepoint.com/sites/Infopedia_G01KC/Media/Thumbnails/KC02-23-68682/AAProductIntro.JPG</Description>
+    </Thumbnail1>
+    <TaxKeywordTaxHTField xmlns="230e9df3-be65-4c73-a93b-d1236ebd677e">
+      <Terms xmlns="http://schemas.microsoft.com/office/infopath/2007/PartnerControls"/>
+    </TaxKeywordTaxHTField>
+    <ContentID xmlns="230e9df3-be65-4c73-a93b-d1236ebd677e">KC02-23-75332</ContentID>
+    <PublishDate xmlns="230E9DF3-BE65-4C73-A93B-D1236EBD677E" xsi:nil="true"/>
+    <b4224c12c78d42ea9b214de0badf8358 xmlns="230e9df3-be65-4c73-a93b-d1236ebd677e">
+      <Terms xmlns="http://schemas.microsoft.com/office/infopath/2007/PartnerControls"/>
+    </b4224c12c78d42ea9b214de0badf8358>
+    <GenericText2 xmlns="230e9df3-be65-4c73-a93b-d1236ebd677e">G01KC-1-5843</GenericText2>
+    <Owner xmlns="230e9df3-be65-4c73-a93b-d1236ebd677e">
+      <UserInfo>
+        <DisplayName>Ann Bachrach</DisplayName>
+        <AccountId>125</AccountId>
+        <AccountType/>
+      </UserInfo>
+    </Owner>
+    <k20e0dfa74bf4e44818db03027b0ccd8 xmlns="230e9df3-be65-4c73-a93b-d1236ebd677e">
+      <Terms xmlns="http://schemas.microsoft.com/office/infopath/2007/PartnerControls"/>
+    </k20e0dfa74bf4e44818db03027b0ccd8>
+    <eb54ac91059940029a3cc8a4ff5af673 xmlns="230e9df3-be65-4c73-a93b-d1236ebd677e">
+      <Terms xmlns="http://schemas.microsoft.com/office/infopath/2007/PartnerControls">
+        <TermInfo xmlns="http://schemas.microsoft.com/office/infopath/2007/PartnerControls">
+          <TermName xmlns="http://schemas.microsoft.com/office/infopath/2007/PartnerControls">Cloud and Enterprise</TermName>
+          <TermId xmlns="http://schemas.microsoft.com/office/infopath/2007/PartnerControls">adc2fe87-c79a-4ded-a449-3f86b954069d</TermId>
+        </TermInfo>
+        <TermInfo xmlns="http://schemas.microsoft.com/office/infopath/2007/PartnerControls">
+          <TermName xmlns="http://schemas.microsoft.com/office/infopath/2007/PartnerControls">Microsoft Azure Domain</TermName>
+          <TermId xmlns="http://schemas.microsoft.com/office/infopath/2007/PartnerControls">d600a391-d529-4311-892b-2c05c1ab2538</TermId>
+        </TermInfo>
+        <TermInfo xmlns="http://schemas.microsoft.com/office/infopath/2007/PartnerControls">
+          <TermName xmlns="http://schemas.microsoft.com/office/infopath/2007/PartnerControls">Enterprise and Partner Group</TermName>
+          <TermId xmlns="http://schemas.microsoft.com/office/infopath/2007/PartnerControls">b6e10940-8c6c-40cf-9dc4-c224c7da837a</TermId>
+        </TermInfo>
+        <TermInfo xmlns="http://schemas.microsoft.com/office/infopath/2007/PartnerControls">
+          <TermName xmlns="http://schemas.microsoft.com/office/infopath/2007/PartnerControls">Demonstrations Domain</TermName>
+          <TermId xmlns="http://schemas.microsoft.com/office/infopath/2007/PartnerControls">ace27c3b-cb70-4e97-b22d-11bf78e968cd</TermId>
+        </TermInfo>
+        <TermInfo xmlns="http://schemas.microsoft.com/office/infopath/2007/PartnerControls">
+          <TermName xmlns="http://schemas.microsoft.com/office/infopath/2007/PartnerControls">Worldwide Readiness</TermName>
+          <TermId xmlns="http://schemas.microsoft.com/office/infopath/2007/PartnerControls">c6595b84-b463-470a-bb46-2a47364645be</TermId>
+        </TermInfo>
+      </Terms>
+    </eb54ac91059940029a3cc8a4ff5af673>
+    <PublishingPageContent xmlns="http://schemas.microsoft.com/sharepoint/v3" xsi:nil="true"/>
+    <l3c3ea61849e4288a8acc49bb5388e8c xmlns="230e9df3-be65-4c73-a93b-d1236ebd677e">
+      <Terms xmlns="http://schemas.microsoft.com/office/infopath/2007/PartnerControls">
+        <TermInfo xmlns="http://schemas.microsoft.com/office/infopath/2007/PartnerControls">
+          <TermName xmlns="http://schemas.microsoft.com/office/infopath/2007/PartnerControls">Microsoft Azure Marketing</TermName>
+          <TermId xmlns="http://schemas.microsoft.com/office/infopath/2007/PartnerControls">0958c357-5252-473f-8b4e-42f27525a99d</TermId>
+        </TermInfo>
+      </Terms>
+    </l3c3ea61849e4288a8acc49bb5388e8c>
+    <GenericHTML1 xmlns="230e9df3-be65-4c73-a93b-d1236ebd677e" xsi:nil="true"/>
+    <mb88723863e1404388ba3733387d48df xmlns="230e9df3-be65-4c73-a93b-d1236ebd677e">
+      <Terms xmlns="http://schemas.microsoft.com/office/infopath/2007/PartnerControls"/>
+    </mb88723863e1404388ba3733387d48df>
+    <od9986d31974458fb3007746ec0bce5f xmlns="230e9df3-be65-4c73-a93b-d1236ebd677e">
+      <Terms xmlns="http://schemas.microsoft.com/office/infopath/2007/PartnerControls"/>
+    </od9986d31974458fb3007746ec0bce5f>
+    <ApplyWorkflowRules xmlns="230E9DF3-BE65-4C73-A93B-D1236EBD677E">Yes</ApplyWorkflowRules>
+    <bf80e81150e248c48aa8cffdf0021a1f xmlns="230e9df3-be65-4c73-a93b-d1236ebd677e">
+      <Terms xmlns="http://schemas.microsoft.com/office/infopath/2007/PartnerControls">
+        <TermInfo xmlns="http://schemas.microsoft.com/office/infopath/2007/PartnerControls">
+          <TermName xmlns="http://schemas.microsoft.com/office/infopath/2007/PartnerControls">Microsoft Azure</TermName>
+          <TermId xmlns="http://schemas.microsoft.com/office/infopath/2007/PartnerControls">669a3112-5edf-444b-a003-630063601f07</TermId>
+        </TermInfo>
+      </Terms>
+    </bf80e81150e248c48aa8cffdf0021a1f>
+    <kf34bcdc8fc34e479d3f94c6210e8e27 xmlns="230e9df3-be65-4c73-a93b-d1236ebd677e">
+      <Terms xmlns="http://schemas.microsoft.com/office/infopath/2007/PartnerControls"/>
+    </kf34bcdc8fc34e479d3f94c6210e8e27>
+    <TaxCatchAll xmlns="230e9df3-be65-4c73-a93b-d1236ebd677e">
+      <Value>36</Value>
+      <Value>216</Value>
+      <Value>31</Value>
+      <Value>29</Value>
+      <Value>324</Value>
+      <Value>26</Value>
+      <Value>14</Value>
+      <Value>61</Value>
+      <Value>21</Value>
+      <Value>20</Value>
+      <Value>351</Value>
+      <Value>128</Value>
+      <Value>88</Value>
+      <Value>231</Value>
+      <Value>747</Value>
+      <Value>374</Value>
+    </TaxCatchAll>
+    <m6c7b4717b6346e6a075a59dd47eac69 xmlns="230e9df3-be65-4c73-a93b-d1236ebd677e">
+      <Terms xmlns="http://schemas.microsoft.com/office/infopath/2007/PartnerControls">
+        <TermInfo xmlns="http://schemas.microsoft.com/office/infopath/2007/PartnerControls">
+          <TermName xmlns="http://schemas.microsoft.com/office/infopath/2007/PartnerControls">features</TermName>
+          <TermId xmlns="http://schemas.microsoft.com/office/infopath/2007/PartnerControls">94b87768-f145-4764-adbd-fec700e47348</TermId>
+        </TermInfo>
+      </Terms>
+    </m6c7b4717b6346e6a075a59dd47eac69>
+    <m6d26e40ac264097a006193f92232ece xmlns="230e9df3-be65-4c73-a93b-d1236ebd677e">
+      <Terms xmlns="http://schemas.microsoft.com/office/infopath/2007/PartnerControls">
+        <TermInfo xmlns="http://schemas.microsoft.com/office/infopath/2007/PartnerControls">
+          <TermName xmlns="http://schemas.microsoft.com/office/infopath/2007/PartnerControls">200</TermName>
+          <TermId xmlns="http://schemas.microsoft.com/office/infopath/2007/PartnerControls">855c9113-a119-44e7-b3de-bccffe25ed46</TermId>
+        </TermInfo>
+      </Terms>
+    </m6d26e40ac264097a006193f92232ece>
+    <Blog_x0020_Name xmlns="230e9df3-be65-4c73-a93b-d1236ebd677e" xsi:nil="true"/>
+    <i0d941ee1e744ffea7aeee9924c91cbb xmlns="230e9df3-be65-4c73-a93b-d1236ebd677e">
+      <Terms xmlns="http://schemas.microsoft.com/office/infopath/2007/PartnerControls">
+        <TermInfo xmlns="http://schemas.microsoft.com/office/infopath/2007/PartnerControls">
+          <TermName xmlns="http://schemas.microsoft.com/office/infopath/2007/PartnerControls">machine learning</TermName>
+          <TermId xmlns="http://schemas.microsoft.com/office/infopath/2007/PartnerControls">912b89bd-3197-4d37-838b-dea3c299099a</TermId>
+        </TermInfo>
+        <TermInfo xmlns="http://schemas.microsoft.com/office/infopath/2007/PartnerControls">
+          <TermName xmlns="http://schemas.microsoft.com/office/infopath/2007/PartnerControls">business intelligence</TermName>
+          <TermId xmlns="http://schemas.microsoft.com/office/infopath/2007/PartnerControls">e1f9659f-bde9-4479-81f9-2bc6e8ec0057</TermId>
+        </TermInfo>
+      </Terms>
+    </i0d941ee1e744ffea7aeee9924c91cbb>
+    <ec5b2ad5c27b45fb8a00a1f27c7ce1ae xmlns="230e9df3-be65-4c73-a93b-d1236ebd677e">
+      <Terms xmlns="http://schemas.microsoft.com/office/infopath/2007/PartnerControls"/>
+    </ec5b2ad5c27b45fb8a00a1f27c7ce1ae>
+    <PublishingExpirationDate xmlns="http://schemas.microsoft.com/sharepoint/v3" xsi:nil="true"/>
+    <ConfidentialityTaxHTField0 xmlns="230e9df3-be65-4c73-a93b-d1236ebd677e">
+      <Terms xmlns="http://schemas.microsoft.com/office/infopath/2007/PartnerControls">
+        <TermInfo xmlns="http://schemas.microsoft.com/office/infopath/2007/PartnerControls">
+          <TermName xmlns="http://schemas.microsoft.com/office/infopath/2007/PartnerControls">customer ready</TermName>
+          <TermId xmlns="http://schemas.microsoft.com/office/infopath/2007/PartnerControls">8986c41d-21c5-4f8f-8a12-ea4625b46858</TermId>
+        </TermInfo>
+      </Terms>
+    </ConfidentialityTaxHTField0>
+    <b60f8d2dbb984f349d80d8196897f4d3 xmlns="230e9df3-be65-4c73-a93b-d1236ebd677e">
+      <Terms xmlns="http://schemas.microsoft.com/office/infopath/2007/PartnerControls"/>
+    </b60f8d2dbb984f349d80d8196897f4d3>
+    <RatingCount xmlns="http://schemas.microsoft.com/sharepoint/v3" xsi:nil="true"/>
+    <RoutingRuleDescription xmlns="http://schemas.microsoft.com/sharepoint/v3" xsi:nil="true"/>
+    <AverageRating xmlns="http://schemas.microsoft.com/sharepoint/v3" xsi:nil="true"/>
+    <Update_x0020_Parent_x0020_Child_x0020_Relation_x0028_1_x0029_0 xmlns="b3bc04a5-d503-43b1-b98c-a8cf663329d9">
+      <Url xsi:nil="true"/>
+      <Description xsi:nil="true"/>
+    </Update_x0020_Parent_x0020_Child_x0020_Relation_x0028_1_x0029_0>
+    <_ip_UnifiedCompliancePolicyUIAction xmlns="http://schemas.microsoft.com/sharepoint/v3" xsi:nil="true"/>
+    <_ip_UnifiedCompliancePolicyProperties xmlns="http://schemas.microsoft.com/sharepoint/v3" xsi:nil="true"/>
+  </documentManagement>
+</p:properties>
 </file>
 
 <file path=customXml/itemProps1.xml><?xml version="1.0" encoding="utf-8"?>
+<ds:datastoreItem xmlns:ds="http://schemas.openxmlformats.org/officeDocument/2006/customXml" ds:itemID="{9BBAABFE-C010-4D26-AF7C-4B797E4E37A6}">
+  <ds:schemaRefs>
+    <ds:schemaRef ds:uri="http://schemas.microsoft.com/sharepoint/v3/contenttype/forms"/>
+  </ds:schemaRefs>
+</ds:datastoreItem>
+</file>
+
+<file path=customXml/itemProps2.xml><?xml version="1.0" encoding="utf-8"?>
 <ds:datastoreItem xmlns:ds="http://schemas.openxmlformats.org/officeDocument/2006/customXml" ds:itemID="{BC556691-3246-4178-B49E-6AED78309FE5}">
   <ds:schemaRefs>
     <ds:schemaRef ds:uri="http://schemas.microsoft.com/sharepoint/events"/>
@@ -17343,30 +17451,10 @@
 </ds:datastoreItem>
 </file>
 
-<file path=customXml/itemProps2.xml><?xml version="1.0" encoding="utf-8"?>
-<ds:datastoreItem xmlns:ds="http://schemas.openxmlformats.org/officeDocument/2006/customXml" ds:itemID="{9BBAABFE-C010-4D26-AF7C-4B797E4E37A6}">
+<file path=customXml/itemProps3.xml><?xml version="1.0" encoding="utf-8"?>
+<ds:datastoreItem xmlns:ds="http://schemas.openxmlformats.org/officeDocument/2006/customXml" ds:itemID="{5EFA9455-7754-48C0-AFB4-05F6947FC70C}">
   <ds:schemaRefs>
-    <ds:schemaRef ds:uri="http://schemas.microsoft.com/sharepoint/v3/contenttype/forms"/>
-  </ds:schemaRefs>
-</ds:datastoreItem>
-</file>
-
-<file path=customXml/itemProps3.xml><?xml version="1.0" encoding="utf-8"?>
-<ds:datastoreItem xmlns:ds="http://schemas.openxmlformats.org/officeDocument/2006/customXml" ds:itemID="{84A66DE7-A69D-432C-BB29-032CCB19F769}">
-  <ds:schemaRefs>
-    <ds:schemaRef ds:uri="http://schemas.microsoft.com/office/infopath/2007/PartnerControls"/>
-    <ds:schemaRef ds:uri="http://schemas.microsoft.com/sharepoint/v3"/>
-    <ds:schemaRef ds:uri="http://purl.org/dc/terms/"/>
-    <ds:schemaRef ds:uri="http://schemas.microsoft.com/office/2006/documentManagement/types"/>
-    <ds:schemaRef ds:uri="http://schemas.openxmlformats.org/package/2006/metadata/core-properties"/>
-    <ds:schemaRef ds:uri="230e9df3-be65-4c73-a93b-d1236ebd677e"/>
-    <ds:schemaRef ds:uri="2478d1b8-79bf-461f-b8e8-704d21601f1a"/>
-    <ds:schemaRef ds:uri="http://purl.org/dc/elements/1.1/"/>
-    <ds:schemaRef ds:uri="http://schemas.microsoft.com/office/2006/metadata/properties"/>
-    <ds:schemaRef ds:uri="b3bc04a5-d503-43b1-b98c-a8cf663329d9"/>
-    <ds:schemaRef ds:uri="230E9DF3-BE65-4C73-A93B-D1236EBD677E"/>
-    <ds:schemaRef ds:uri="http://www.w3.org/XML/1998/namespace"/>
-    <ds:schemaRef ds:uri="http://purl.org/dc/dcmitype/"/>
+    <ds:schemaRef ds:uri="Microsoft.SharePoint.Taxonomy.ContentTypeSync"/>
   </ds:schemaRefs>
 </ds:datastoreItem>
 </file>
@@ -17394,9 +17482,21 @@
 </file>
 
 <file path=customXml/itemProps5.xml><?xml version="1.0" encoding="utf-8"?>
-<ds:datastoreItem xmlns:ds="http://schemas.openxmlformats.org/officeDocument/2006/customXml" ds:itemID="{5EFA9455-7754-48C0-AFB4-05F6947FC70C}">
+<ds:datastoreItem xmlns:ds="http://schemas.openxmlformats.org/officeDocument/2006/customXml" ds:itemID="{84A66DE7-A69D-432C-BB29-032CCB19F769}">
   <ds:schemaRefs>
-    <ds:schemaRef ds:uri="Microsoft.SharePoint.Taxonomy.ContentTypeSync"/>
+    <ds:schemaRef ds:uri="http://schemas.microsoft.com/office/infopath/2007/PartnerControls"/>
+    <ds:schemaRef ds:uri="http://schemas.microsoft.com/sharepoint/v3"/>
+    <ds:schemaRef ds:uri="http://purl.org/dc/terms/"/>
+    <ds:schemaRef ds:uri="http://schemas.microsoft.com/office/2006/documentManagement/types"/>
+    <ds:schemaRef ds:uri="http://schemas.openxmlformats.org/package/2006/metadata/core-properties"/>
+    <ds:schemaRef ds:uri="230e9df3-be65-4c73-a93b-d1236ebd677e"/>
+    <ds:schemaRef ds:uri="2478d1b8-79bf-461f-b8e8-704d21601f1a"/>
+    <ds:schemaRef ds:uri="http://purl.org/dc/elements/1.1/"/>
+    <ds:schemaRef ds:uri="http://schemas.microsoft.com/office/2006/metadata/properties"/>
+    <ds:schemaRef ds:uri="b3bc04a5-d503-43b1-b98c-a8cf663329d9"/>
+    <ds:schemaRef ds:uri="230E9DF3-BE65-4C73-A93B-D1236EBD677E"/>
+    <ds:schemaRef ds:uri="http://www.w3.org/XML/1998/namespace"/>
+    <ds:schemaRef ds:uri="http://purl.org/dc/dcmitype/"/>
   </ds:schemaRefs>
 </ds:datastoreItem>
 </file>
--- a/AzureDataCatalog/Azure Data Catalog Short Set.pptx
+++ b/AzureDataCatalog/Azure Data Catalog Short Set.pptx
@@ -14816,7 +14816,7 @@
         </p:nvSpPr>
         <p:spPr>
           <a:xfrm>
-            <a:off x="5209020" y="3392701"/>
+            <a:off x="5318077" y="3367534"/>
             <a:ext cx="1415772" cy="646331"/>
           </a:xfrm>
           <a:prstGeom prst="rect">
@@ -14840,6 +14840,57 @@
               </a:rPr>
               <a:t>Demo</a:t>
             </a:r>
+          </a:p>
+        </p:txBody>
+      </p:sp>
+      <p:sp>
+        <p:nvSpPr>
+          <p:cNvPr id="2" name="Rectangle 1">
+            <a:hlinkClick r:id="rId3"/>
+            <a:extLst>
+              <a:ext uri="{FF2B5EF4-FFF2-40B4-BE49-F238E27FC236}">
+                <a16:creationId xmlns:a16="http://schemas.microsoft.com/office/drawing/2014/main" id="{D8B3874E-3E85-4692-9540-3AABD11E5FA8}"/>
+              </a:ext>
+            </a:extLst>
+          </p:cNvPr>
+          <p:cNvSpPr/>
+          <p:nvPr/>
+        </p:nvSpPr>
+        <p:spPr>
+          <a:xfrm>
+            <a:off x="3658963" y="5450639"/>
+            <a:ext cx="5612306" cy="369332"/>
+          </a:xfrm>
+          <a:prstGeom prst="rect">
+            <a:avLst/>
+          </a:prstGeom>
+        </p:spPr>
+        <p:txBody>
+          <a:bodyPr wrap="none">
+            <a:spAutoFit/>
+          </a:bodyPr>
+          <a:lstStyle/>
+          <a:p>
+            <a:r>
+              <a:rPr lang="en-US" dirty="0">
+                <a:solidFill>
+                  <a:schemeClr val="bg1"/>
+                </a:solidFill>
+                <a:highlight>
+                  <a:srgbClr val="DEDEDE"/>
+                </a:highlight>
+                <a:hlinkClick r:id="rId3"/>
+              </a:rPr>
+              <a:t>https://azure.microsoft.com/en-us/services/data-catalog/</a:t>
+            </a:r>
+            <a:endParaRPr lang="en-US" dirty="0">
+              <a:solidFill>
+                <a:schemeClr val="bg1"/>
+              </a:solidFill>
+              <a:highlight>
+                <a:srgbClr val="DEDEDE"/>
+              </a:highlight>
+            </a:endParaRPr>
           </a:p>
         </p:txBody>
       </p:sp>
@@ -16622,15 +16673,6 @@
 
 <file path=customXml/item1.xml><?xml version="1.0" encoding="utf-8"?>
 <?mso-contentType ?>
-<FormTemplates xmlns="http://schemas.microsoft.com/sharepoint/v3/contenttype/forms">
-  <Display>DocumentLibraryForm</Display>
-  <Edit>DocumentLibraryForm</Edit>
-  <New>DocumentLibraryForm</New>
-</FormTemplates>
-</file>
-
-<file path=customXml/item2.xml><?xml version="1.0" encoding="utf-8"?>
-<?mso-contentType ?>
 <spe:Receivers xmlns:spe="http://schemas.microsoft.com/sharepoint/events">
   <Receiver>
     <Name>Document ID Generator</Name>
@@ -16679,9 +16721,226 @@
 </spe:Receivers>
 </file>
 
+<file path=customXml/item2.xml><?xml version="1.0" encoding="utf-8"?>
+<?mso-contentType ?>
+<FormTemplates xmlns="http://schemas.microsoft.com/sharepoint/v3/contenttype/forms">
+  <Display>DocumentLibraryForm</Display>
+  <Edit>DocumentLibraryForm</Edit>
+  <New>DocumentLibraryForm</New>
+</FormTemplates>
+</file>
+
 <file path=customXml/item3.xml><?xml version="1.0" encoding="utf-8"?>
-<?mso-contentType ?>
-<SharedContentType xmlns="Microsoft.SharePoint.Taxonomy.ContentTypeSync" SourceId="e385fb40-52d4-4fae-9c5b-3e8ff8a5878e" ContentTypeId="0x0101000E4CB7077FEE4FF7AE86D4A500EEC7800300F96E2758736AEF45AFCE0C190C2A9DEC" PreviousValue="false"/>
+<p:properties xmlns:p="http://schemas.microsoft.com/office/2006/metadata/properties" xmlns:xsi="http://www.w3.org/2001/XMLSchema-instance" xmlns:pc="http://schemas.microsoft.com/office/infopath/2007/PartnerControls">
+  <documentManagement>
+    <_dlc_DocId xmlns="230e9df3-be65-4c73-a93b-d1236ebd677e">G01KC-99682991-10208</_dlc_DocId>
+    <_dlc_DocIdUrl xmlns="230e9df3-be65-4c73-a93b-d1236ebd677e">
+      <Url>https://microsoft.sharepoint.com/sites/Infopedia_G01KC/_layouts/15/DocIdRedir.aspx?ID=G01KC-99682991-10208</Url>
+      <Description>G01KC-99682991-10208</Description>
+    </_dlc_DocIdUrl>
+    <DocumentDescription xmlns="230e9df3-be65-4c73-a93b-d1236ebd677e">200-Level customer facing deck for the MSFT field to help support customer conversations covering the core capabilities, the value and be benefits of the Azure Data Catalog, an enterprise-wide metadata catalog enabling self-service data source discovery</DocumentDescription>
+    <ef109fd36bcf4bcd9dd945731030600b xmlns="230e9df3-be65-4c73-a93b-d1236ebd677e">
+      <Terms xmlns="http://schemas.microsoft.com/office/infopath/2007/PartnerControls"/>
+    </ef109fd36bcf4bcd9dd945731030600b>
+    <i1b478372f814787abd313030b81fcb2 xmlns="230e9df3-be65-4c73-a93b-d1236ebd677e">
+      <Terms xmlns="http://schemas.microsoft.com/office/infopath/2007/PartnerControls"/>
+    </i1b478372f814787abd313030b81fcb2>
+    <ReportOwner xmlns="http://schemas.microsoft.com/sharepoint/v3">
+      <UserInfo>
+        <DisplayName/>
+        <AccountId xsi:nil="true"/>
+        <AccountType/>
+      </UserInfo>
+    </ReportOwner>
+    <hd9637eefc984b85b6097c6374e15725 xmlns="230e9df3-be65-4c73-a93b-d1236ebd677e">
+      <Terms xmlns="http://schemas.microsoft.com/office/infopath/2007/PartnerControls">
+        <TermInfo xmlns="http://schemas.microsoft.com/office/infopath/2007/PartnerControls">
+          <TermName xmlns="http://schemas.microsoft.com/office/infopath/2007/PartnerControls">product information</TermName>
+          <TermId xmlns="http://schemas.microsoft.com/office/infopath/2007/PartnerControls">a62e948d-5e4b-4b97-9627-6d1d79eb3f6c</TermId>
+        </TermInfo>
+        <TermInfo xmlns="http://schemas.microsoft.com/office/infopath/2007/PartnerControls">
+          <TermName xmlns="http://schemas.microsoft.com/office/infopath/2007/PartnerControls">feedback requests</TermName>
+          <TermId xmlns="http://schemas.microsoft.com/office/infopath/2007/PartnerControls">00ce1828-98a3-430e-af54-eda270e1be04</TermId>
+        </TermInfo>
+      </Terms>
+    </hd9637eefc984b85b6097c6374e15725>
+    <k21a64daf20d4502b2796a1c6b8ce6c8 xmlns="230e9df3-be65-4c73-a93b-d1236ebd677e">
+      <Terms xmlns="http://schemas.microsoft.com/office/infopath/2007/PartnerControls">
+        <TermInfo xmlns="http://schemas.microsoft.com/office/infopath/2007/PartnerControls">
+          <TermName xmlns="http://schemas.microsoft.com/office/infopath/2007/PartnerControls">telecommunications industry</TermName>
+          <TermId xmlns="http://schemas.microsoft.com/office/infopath/2007/PartnerControls">a3c8e82b-7663-445f-a09f-a59105ac1d80</TermId>
+        </TermInfo>
+        <TermInfo xmlns="http://schemas.microsoft.com/office/infopath/2007/PartnerControls">
+          <TermName xmlns="http://schemas.microsoft.com/office/infopath/2007/PartnerControls">industries</TermName>
+          <TermId xmlns="http://schemas.microsoft.com/office/infopath/2007/PartnerControls">3e19349d-0f97-4bdd-98f7-34f9b5ced943</TermId>
+        </TermInfo>
+      </Terms>
+    </k21a64daf20d4502b2796a1c6b8ce6c8>
+    <Coowner xmlns="230e9df3-be65-4c73-a93b-d1236ebd677e">
+      <UserInfo>
+        <DisplayName>i:0#.f|membership|v-anmarv@microsoft.com</DisplayName>
+        <AccountId>45</AccountId>
+        <AccountType/>
+      </UserInfo>
+      <UserInfo>
+        <DisplayName>i:0#.f|membership|v-danaja@microsoft.com</DisplayName>
+        <AccountId>176</AccountId>
+        <AccountType/>
+      </UserInfo>
+      <UserInfo>
+        <DisplayName>i:0#.f|membership|jstrauss@microsoft.com</DisplayName>
+        <AccountId>11717</AccountId>
+        <AccountType/>
+      </UserInfo>
+    </Coowner>
+    <Thumbnail1 xmlns="230e9df3-be65-4c73-a93b-d1236ebd677e">
+      <Url>https://microsoft.sharepoint.com/sites/Infopedia_G01KC/Media/Thumbnails/KC02-23-68682/AAProductIntro.JPG</Url>
+      <Description>https://microsoft.sharepoint.com/sites/Infopedia_G01KC/Media/Thumbnails/KC02-23-68682/AAProductIntro.JPG</Description>
+    </Thumbnail1>
+    <TaxKeywordTaxHTField xmlns="230e9df3-be65-4c73-a93b-d1236ebd677e">
+      <Terms xmlns="http://schemas.microsoft.com/office/infopath/2007/PartnerControls"/>
+    </TaxKeywordTaxHTField>
+    <ContentID xmlns="230e9df3-be65-4c73-a93b-d1236ebd677e">KC02-23-75332</ContentID>
+    <PublishDate xmlns="230E9DF3-BE65-4C73-A93B-D1236EBD677E" xsi:nil="true"/>
+    <b4224c12c78d42ea9b214de0badf8358 xmlns="230e9df3-be65-4c73-a93b-d1236ebd677e">
+      <Terms xmlns="http://schemas.microsoft.com/office/infopath/2007/PartnerControls"/>
+    </b4224c12c78d42ea9b214de0badf8358>
+    <GenericText2 xmlns="230e9df3-be65-4c73-a93b-d1236ebd677e">G01KC-1-5843</GenericText2>
+    <Owner xmlns="230e9df3-be65-4c73-a93b-d1236ebd677e">
+      <UserInfo>
+        <DisplayName>Ann Bachrach</DisplayName>
+        <AccountId>125</AccountId>
+        <AccountType/>
+      </UserInfo>
+    </Owner>
+    <k20e0dfa74bf4e44818db03027b0ccd8 xmlns="230e9df3-be65-4c73-a93b-d1236ebd677e">
+      <Terms xmlns="http://schemas.microsoft.com/office/infopath/2007/PartnerControls"/>
+    </k20e0dfa74bf4e44818db03027b0ccd8>
+    <eb54ac91059940029a3cc8a4ff5af673 xmlns="230e9df3-be65-4c73-a93b-d1236ebd677e">
+      <Terms xmlns="http://schemas.microsoft.com/office/infopath/2007/PartnerControls">
+        <TermInfo xmlns="http://schemas.microsoft.com/office/infopath/2007/PartnerControls">
+          <TermName xmlns="http://schemas.microsoft.com/office/infopath/2007/PartnerControls">Cloud and Enterprise</TermName>
+          <TermId xmlns="http://schemas.microsoft.com/office/infopath/2007/PartnerControls">adc2fe87-c79a-4ded-a449-3f86b954069d</TermId>
+        </TermInfo>
+        <TermInfo xmlns="http://schemas.microsoft.com/office/infopath/2007/PartnerControls">
+          <TermName xmlns="http://schemas.microsoft.com/office/infopath/2007/PartnerControls">Microsoft Azure Domain</TermName>
+          <TermId xmlns="http://schemas.microsoft.com/office/infopath/2007/PartnerControls">d600a391-d529-4311-892b-2c05c1ab2538</TermId>
+        </TermInfo>
+        <TermInfo xmlns="http://schemas.microsoft.com/office/infopath/2007/PartnerControls">
+          <TermName xmlns="http://schemas.microsoft.com/office/infopath/2007/PartnerControls">Enterprise and Partner Group</TermName>
+          <TermId xmlns="http://schemas.microsoft.com/office/infopath/2007/PartnerControls">b6e10940-8c6c-40cf-9dc4-c224c7da837a</TermId>
+        </TermInfo>
+        <TermInfo xmlns="http://schemas.microsoft.com/office/infopath/2007/PartnerControls">
+          <TermName xmlns="http://schemas.microsoft.com/office/infopath/2007/PartnerControls">Demonstrations Domain</TermName>
+          <TermId xmlns="http://schemas.microsoft.com/office/infopath/2007/PartnerControls">ace27c3b-cb70-4e97-b22d-11bf78e968cd</TermId>
+        </TermInfo>
+        <TermInfo xmlns="http://schemas.microsoft.com/office/infopath/2007/PartnerControls">
+          <TermName xmlns="http://schemas.microsoft.com/office/infopath/2007/PartnerControls">Worldwide Readiness</TermName>
+          <TermId xmlns="http://schemas.microsoft.com/office/infopath/2007/PartnerControls">c6595b84-b463-470a-bb46-2a47364645be</TermId>
+        </TermInfo>
+      </Terms>
+    </eb54ac91059940029a3cc8a4ff5af673>
+    <PublishingPageContent xmlns="http://schemas.microsoft.com/sharepoint/v3" xsi:nil="true"/>
+    <l3c3ea61849e4288a8acc49bb5388e8c xmlns="230e9df3-be65-4c73-a93b-d1236ebd677e">
+      <Terms xmlns="http://schemas.microsoft.com/office/infopath/2007/PartnerControls">
+        <TermInfo xmlns="http://schemas.microsoft.com/office/infopath/2007/PartnerControls">
+          <TermName xmlns="http://schemas.microsoft.com/office/infopath/2007/PartnerControls">Microsoft Azure Marketing</TermName>
+          <TermId xmlns="http://schemas.microsoft.com/office/infopath/2007/PartnerControls">0958c357-5252-473f-8b4e-42f27525a99d</TermId>
+        </TermInfo>
+      </Terms>
+    </l3c3ea61849e4288a8acc49bb5388e8c>
+    <GenericHTML1 xmlns="230e9df3-be65-4c73-a93b-d1236ebd677e" xsi:nil="true"/>
+    <mb88723863e1404388ba3733387d48df xmlns="230e9df3-be65-4c73-a93b-d1236ebd677e">
+      <Terms xmlns="http://schemas.microsoft.com/office/infopath/2007/PartnerControls"/>
+    </mb88723863e1404388ba3733387d48df>
+    <od9986d31974458fb3007746ec0bce5f xmlns="230e9df3-be65-4c73-a93b-d1236ebd677e">
+      <Terms xmlns="http://schemas.microsoft.com/office/infopath/2007/PartnerControls"/>
+    </od9986d31974458fb3007746ec0bce5f>
+    <ApplyWorkflowRules xmlns="230E9DF3-BE65-4C73-A93B-D1236EBD677E">Yes</ApplyWorkflowRules>
+    <bf80e81150e248c48aa8cffdf0021a1f xmlns="230e9df3-be65-4c73-a93b-d1236ebd677e">
+      <Terms xmlns="http://schemas.microsoft.com/office/infopath/2007/PartnerControls">
+        <TermInfo xmlns="http://schemas.microsoft.com/office/infopath/2007/PartnerControls">
+          <TermName xmlns="http://schemas.microsoft.com/office/infopath/2007/PartnerControls">Microsoft Azure</TermName>
+          <TermId xmlns="http://schemas.microsoft.com/office/infopath/2007/PartnerControls">669a3112-5edf-444b-a003-630063601f07</TermId>
+        </TermInfo>
+      </Terms>
+    </bf80e81150e248c48aa8cffdf0021a1f>
+    <kf34bcdc8fc34e479d3f94c6210e8e27 xmlns="230e9df3-be65-4c73-a93b-d1236ebd677e">
+      <Terms xmlns="http://schemas.microsoft.com/office/infopath/2007/PartnerControls"/>
+    </kf34bcdc8fc34e479d3f94c6210e8e27>
+    <TaxCatchAll xmlns="230e9df3-be65-4c73-a93b-d1236ebd677e">
+      <Value>36</Value>
+      <Value>216</Value>
+      <Value>31</Value>
+      <Value>29</Value>
+      <Value>324</Value>
+      <Value>26</Value>
+      <Value>14</Value>
+      <Value>61</Value>
+      <Value>21</Value>
+      <Value>20</Value>
+      <Value>351</Value>
+      <Value>128</Value>
+      <Value>88</Value>
+      <Value>231</Value>
+      <Value>747</Value>
+      <Value>374</Value>
+    </TaxCatchAll>
+    <m6c7b4717b6346e6a075a59dd47eac69 xmlns="230e9df3-be65-4c73-a93b-d1236ebd677e">
+      <Terms xmlns="http://schemas.microsoft.com/office/infopath/2007/PartnerControls">
+        <TermInfo xmlns="http://schemas.microsoft.com/office/infopath/2007/PartnerControls">
+          <TermName xmlns="http://schemas.microsoft.com/office/infopath/2007/PartnerControls">features</TermName>
+          <TermId xmlns="http://schemas.microsoft.com/office/infopath/2007/PartnerControls">94b87768-f145-4764-adbd-fec700e47348</TermId>
+        </TermInfo>
+      </Terms>
+    </m6c7b4717b6346e6a075a59dd47eac69>
+    <m6d26e40ac264097a006193f92232ece xmlns="230e9df3-be65-4c73-a93b-d1236ebd677e">
+      <Terms xmlns="http://schemas.microsoft.com/office/infopath/2007/PartnerControls">
+        <TermInfo xmlns="http://schemas.microsoft.com/office/infopath/2007/PartnerControls">
+          <TermName xmlns="http://schemas.microsoft.com/office/infopath/2007/PartnerControls">200</TermName>
+          <TermId xmlns="http://schemas.microsoft.com/office/infopath/2007/PartnerControls">855c9113-a119-44e7-b3de-bccffe25ed46</TermId>
+        </TermInfo>
+      </Terms>
+    </m6d26e40ac264097a006193f92232ece>
+    <Blog_x0020_Name xmlns="230e9df3-be65-4c73-a93b-d1236ebd677e" xsi:nil="true"/>
+    <i0d941ee1e744ffea7aeee9924c91cbb xmlns="230e9df3-be65-4c73-a93b-d1236ebd677e">
+      <Terms xmlns="http://schemas.microsoft.com/office/infopath/2007/PartnerControls">
+        <TermInfo xmlns="http://schemas.microsoft.com/office/infopath/2007/PartnerControls">
+          <TermName xmlns="http://schemas.microsoft.com/office/infopath/2007/PartnerControls">machine learning</TermName>
+          <TermId xmlns="http://schemas.microsoft.com/office/infopath/2007/PartnerControls">912b89bd-3197-4d37-838b-dea3c299099a</TermId>
+        </TermInfo>
+        <TermInfo xmlns="http://schemas.microsoft.com/office/infopath/2007/PartnerControls">
+          <TermName xmlns="http://schemas.microsoft.com/office/infopath/2007/PartnerControls">business intelligence</TermName>
+          <TermId xmlns="http://schemas.microsoft.com/office/infopath/2007/PartnerControls">e1f9659f-bde9-4479-81f9-2bc6e8ec0057</TermId>
+        </TermInfo>
+      </Terms>
+    </i0d941ee1e744ffea7aeee9924c91cbb>
+    <ec5b2ad5c27b45fb8a00a1f27c7ce1ae xmlns="230e9df3-be65-4c73-a93b-d1236ebd677e">
+      <Terms xmlns="http://schemas.microsoft.com/office/infopath/2007/PartnerControls"/>
+    </ec5b2ad5c27b45fb8a00a1f27c7ce1ae>
+    <PublishingExpirationDate xmlns="http://schemas.microsoft.com/sharepoint/v3" xsi:nil="true"/>
+    <ConfidentialityTaxHTField0 xmlns="230e9df3-be65-4c73-a93b-d1236ebd677e">
+      <Terms xmlns="http://schemas.microsoft.com/office/infopath/2007/PartnerControls">
+        <TermInfo xmlns="http://schemas.microsoft.com/office/infopath/2007/PartnerControls">
+          <TermName xmlns="http://schemas.microsoft.com/office/infopath/2007/PartnerControls">customer ready</TermName>
+          <TermId xmlns="http://schemas.microsoft.com/office/infopath/2007/PartnerControls">8986c41d-21c5-4f8f-8a12-ea4625b46858</TermId>
+        </TermInfo>
+      </Terms>
+    </ConfidentialityTaxHTField0>
+    <b60f8d2dbb984f349d80d8196897f4d3 xmlns="230e9df3-be65-4c73-a93b-d1236ebd677e">
+      <Terms xmlns="http://schemas.microsoft.com/office/infopath/2007/PartnerControls"/>
+    </b60f8d2dbb984f349d80d8196897f4d3>
+    <RatingCount xmlns="http://schemas.microsoft.com/sharepoint/v3" xsi:nil="true"/>
+    <RoutingRuleDescription xmlns="http://schemas.microsoft.com/sharepoint/v3" xsi:nil="true"/>
+    <AverageRating xmlns="http://schemas.microsoft.com/sharepoint/v3" xsi:nil="true"/>
+    <Update_x0020_Parent_x0020_Child_x0020_Relation_x0028_1_x0029_0 xmlns="b3bc04a5-d503-43b1-b98c-a8cf663329d9">
+      <Url xsi:nil="true"/>
+      <Description xsi:nil="true"/>
+    </Update_x0020_Parent_x0020_Child_x0020_Relation_x0028_1_x0029_0>
+    <_ip_UnifiedCompliancePolicyUIAction xmlns="http://schemas.microsoft.com/sharepoint/v3" xsi:nil="true"/>
+    <_ip_UnifiedCompliancePolicyProperties xmlns="http://schemas.microsoft.com/sharepoint/v3" xsi:nil="true"/>
+  </documentManagement>
+</p:properties>
 </file>
 
 <file path=customXml/item4.xml><?xml version="1.0" encoding="utf-8"?>
@@ -17223,219 +17482,19 @@
 </file>
 
 <file path=customXml/item5.xml><?xml version="1.0" encoding="utf-8"?>
-<p:properties xmlns:p="http://schemas.microsoft.com/office/2006/metadata/properties" xmlns:xsi="http://www.w3.org/2001/XMLSchema-instance" xmlns:pc="http://schemas.microsoft.com/office/infopath/2007/PartnerControls">
-  <documentManagement>
-    <_dlc_DocId xmlns="230e9df3-be65-4c73-a93b-d1236ebd677e">G01KC-99682991-10208</_dlc_DocId>
-    <_dlc_DocIdUrl xmlns="230e9df3-be65-4c73-a93b-d1236ebd677e">
-      <Url>https://microsoft.sharepoint.com/sites/Infopedia_G01KC/_layouts/15/DocIdRedir.aspx?ID=G01KC-99682991-10208</Url>
-      <Description>G01KC-99682991-10208</Description>
-    </_dlc_DocIdUrl>
-    <DocumentDescription xmlns="230e9df3-be65-4c73-a93b-d1236ebd677e">200-Level customer facing deck for the MSFT field to help support customer conversations covering the core capabilities, the value and be benefits of the Azure Data Catalog, an enterprise-wide metadata catalog enabling self-service data source discovery</DocumentDescription>
-    <ef109fd36bcf4bcd9dd945731030600b xmlns="230e9df3-be65-4c73-a93b-d1236ebd677e">
-      <Terms xmlns="http://schemas.microsoft.com/office/infopath/2007/PartnerControls"/>
-    </ef109fd36bcf4bcd9dd945731030600b>
-    <i1b478372f814787abd313030b81fcb2 xmlns="230e9df3-be65-4c73-a93b-d1236ebd677e">
-      <Terms xmlns="http://schemas.microsoft.com/office/infopath/2007/PartnerControls"/>
-    </i1b478372f814787abd313030b81fcb2>
-    <ReportOwner xmlns="http://schemas.microsoft.com/sharepoint/v3">
-      <UserInfo>
-        <DisplayName/>
-        <AccountId xsi:nil="true"/>
-        <AccountType/>
-      </UserInfo>
-    </ReportOwner>
-    <hd9637eefc984b85b6097c6374e15725 xmlns="230e9df3-be65-4c73-a93b-d1236ebd677e">
-      <Terms xmlns="http://schemas.microsoft.com/office/infopath/2007/PartnerControls">
-        <TermInfo xmlns="http://schemas.microsoft.com/office/infopath/2007/PartnerControls">
-          <TermName xmlns="http://schemas.microsoft.com/office/infopath/2007/PartnerControls">product information</TermName>
-          <TermId xmlns="http://schemas.microsoft.com/office/infopath/2007/PartnerControls">a62e948d-5e4b-4b97-9627-6d1d79eb3f6c</TermId>
-        </TermInfo>
-        <TermInfo xmlns="http://schemas.microsoft.com/office/infopath/2007/PartnerControls">
-          <TermName xmlns="http://schemas.microsoft.com/office/infopath/2007/PartnerControls">feedback requests</TermName>
-          <TermId xmlns="http://schemas.microsoft.com/office/infopath/2007/PartnerControls">00ce1828-98a3-430e-af54-eda270e1be04</TermId>
-        </TermInfo>
-      </Terms>
-    </hd9637eefc984b85b6097c6374e15725>
-    <k21a64daf20d4502b2796a1c6b8ce6c8 xmlns="230e9df3-be65-4c73-a93b-d1236ebd677e">
-      <Terms xmlns="http://schemas.microsoft.com/office/infopath/2007/PartnerControls">
-        <TermInfo xmlns="http://schemas.microsoft.com/office/infopath/2007/PartnerControls">
-          <TermName xmlns="http://schemas.microsoft.com/office/infopath/2007/PartnerControls">telecommunications industry</TermName>
-          <TermId xmlns="http://schemas.microsoft.com/office/infopath/2007/PartnerControls">a3c8e82b-7663-445f-a09f-a59105ac1d80</TermId>
-        </TermInfo>
-        <TermInfo xmlns="http://schemas.microsoft.com/office/infopath/2007/PartnerControls">
-          <TermName xmlns="http://schemas.microsoft.com/office/infopath/2007/PartnerControls">industries</TermName>
-          <TermId xmlns="http://schemas.microsoft.com/office/infopath/2007/PartnerControls">3e19349d-0f97-4bdd-98f7-34f9b5ced943</TermId>
-        </TermInfo>
-      </Terms>
-    </k21a64daf20d4502b2796a1c6b8ce6c8>
-    <Coowner xmlns="230e9df3-be65-4c73-a93b-d1236ebd677e">
-      <UserInfo>
-        <DisplayName>i:0#.f|membership|v-anmarv@microsoft.com</DisplayName>
-        <AccountId>45</AccountId>
-        <AccountType/>
-      </UserInfo>
-      <UserInfo>
-        <DisplayName>i:0#.f|membership|v-danaja@microsoft.com</DisplayName>
-        <AccountId>176</AccountId>
-        <AccountType/>
-      </UserInfo>
-      <UserInfo>
-        <DisplayName>i:0#.f|membership|jstrauss@microsoft.com</DisplayName>
-        <AccountId>11717</AccountId>
-        <AccountType/>
-      </UserInfo>
-    </Coowner>
-    <Thumbnail1 xmlns="230e9df3-be65-4c73-a93b-d1236ebd677e">
-      <Url>https://microsoft.sharepoint.com/sites/Infopedia_G01KC/Media/Thumbnails/KC02-23-68682/AAProductIntro.JPG</Url>
-      <Description>https://microsoft.sharepoint.com/sites/Infopedia_G01KC/Media/Thumbnails/KC02-23-68682/AAProductIntro.JPG</Description>
-    </Thumbnail1>
-    <TaxKeywordTaxHTField xmlns="230e9df3-be65-4c73-a93b-d1236ebd677e">
-      <Terms xmlns="http://schemas.microsoft.com/office/infopath/2007/PartnerControls"/>
-    </TaxKeywordTaxHTField>
-    <ContentID xmlns="230e9df3-be65-4c73-a93b-d1236ebd677e">KC02-23-75332</ContentID>
-    <PublishDate xmlns="230E9DF3-BE65-4C73-A93B-D1236EBD677E" xsi:nil="true"/>
-    <b4224c12c78d42ea9b214de0badf8358 xmlns="230e9df3-be65-4c73-a93b-d1236ebd677e">
-      <Terms xmlns="http://schemas.microsoft.com/office/infopath/2007/PartnerControls"/>
-    </b4224c12c78d42ea9b214de0badf8358>
-    <GenericText2 xmlns="230e9df3-be65-4c73-a93b-d1236ebd677e">G01KC-1-5843</GenericText2>
-    <Owner xmlns="230e9df3-be65-4c73-a93b-d1236ebd677e">
-      <UserInfo>
-        <DisplayName>Ann Bachrach</DisplayName>
-        <AccountId>125</AccountId>
-        <AccountType/>
-      </UserInfo>
-    </Owner>
-    <k20e0dfa74bf4e44818db03027b0ccd8 xmlns="230e9df3-be65-4c73-a93b-d1236ebd677e">
-      <Terms xmlns="http://schemas.microsoft.com/office/infopath/2007/PartnerControls"/>
-    </k20e0dfa74bf4e44818db03027b0ccd8>
-    <eb54ac91059940029a3cc8a4ff5af673 xmlns="230e9df3-be65-4c73-a93b-d1236ebd677e">
-      <Terms xmlns="http://schemas.microsoft.com/office/infopath/2007/PartnerControls">
-        <TermInfo xmlns="http://schemas.microsoft.com/office/infopath/2007/PartnerControls">
-          <TermName xmlns="http://schemas.microsoft.com/office/infopath/2007/PartnerControls">Cloud and Enterprise</TermName>
-          <TermId xmlns="http://schemas.microsoft.com/office/infopath/2007/PartnerControls">adc2fe87-c79a-4ded-a449-3f86b954069d</TermId>
-        </TermInfo>
-        <TermInfo xmlns="http://schemas.microsoft.com/office/infopath/2007/PartnerControls">
-          <TermName xmlns="http://schemas.microsoft.com/office/infopath/2007/PartnerControls">Microsoft Azure Domain</TermName>
-          <TermId xmlns="http://schemas.microsoft.com/office/infopath/2007/PartnerControls">d600a391-d529-4311-892b-2c05c1ab2538</TermId>
-        </TermInfo>
-        <TermInfo xmlns="http://schemas.microsoft.com/office/infopath/2007/PartnerControls">
-          <TermName xmlns="http://schemas.microsoft.com/office/infopath/2007/PartnerControls">Enterprise and Partner Group</TermName>
-          <TermId xmlns="http://schemas.microsoft.com/office/infopath/2007/PartnerControls">b6e10940-8c6c-40cf-9dc4-c224c7da837a</TermId>
-        </TermInfo>
-        <TermInfo xmlns="http://schemas.microsoft.com/office/infopath/2007/PartnerControls">
-          <TermName xmlns="http://schemas.microsoft.com/office/infopath/2007/PartnerControls">Demonstrations Domain</TermName>
-          <TermId xmlns="http://schemas.microsoft.com/office/infopath/2007/PartnerControls">ace27c3b-cb70-4e97-b22d-11bf78e968cd</TermId>
-        </TermInfo>
-        <TermInfo xmlns="http://schemas.microsoft.com/office/infopath/2007/PartnerControls">
-          <TermName xmlns="http://schemas.microsoft.com/office/infopath/2007/PartnerControls">Worldwide Readiness</TermName>
-          <TermId xmlns="http://schemas.microsoft.com/office/infopath/2007/PartnerControls">c6595b84-b463-470a-bb46-2a47364645be</TermId>
-        </TermInfo>
-      </Terms>
-    </eb54ac91059940029a3cc8a4ff5af673>
-    <PublishingPageContent xmlns="http://schemas.microsoft.com/sharepoint/v3" xsi:nil="true"/>
-    <l3c3ea61849e4288a8acc49bb5388e8c xmlns="230e9df3-be65-4c73-a93b-d1236ebd677e">
-      <Terms xmlns="http://schemas.microsoft.com/office/infopath/2007/PartnerControls">
-        <TermInfo xmlns="http://schemas.microsoft.com/office/infopath/2007/PartnerControls">
-          <TermName xmlns="http://schemas.microsoft.com/office/infopath/2007/PartnerControls">Microsoft Azure Marketing</TermName>
-          <TermId xmlns="http://schemas.microsoft.com/office/infopath/2007/PartnerControls">0958c357-5252-473f-8b4e-42f27525a99d</TermId>
-        </TermInfo>
-      </Terms>
-    </l3c3ea61849e4288a8acc49bb5388e8c>
-    <GenericHTML1 xmlns="230e9df3-be65-4c73-a93b-d1236ebd677e" xsi:nil="true"/>
-    <mb88723863e1404388ba3733387d48df xmlns="230e9df3-be65-4c73-a93b-d1236ebd677e">
-      <Terms xmlns="http://schemas.microsoft.com/office/infopath/2007/PartnerControls"/>
-    </mb88723863e1404388ba3733387d48df>
-    <od9986d31974458fb3007746ec0bce5f xmlns="230e9df3-be65-4c73-a93b-d1236ebd677e">
-      <Terms xmlns="http://schemas.microsoft.com/office/infopath/2007/PartnerControls"/>
-    </od9986d31974458fb3007746ec0bce5f>
-    <ApplyWorkflowRules xmlns="230E9DF3-BE65-4C73-A93B-D1236EBD677E">Yes</ApplyWorkflowRules>
-    <bf80e81150e248c48aa8cffdf0021a1f xmlns="230e9df3-be65-4c73-a93b-d1236ebd677e">
-      <Terms xmlns="http://schemas.microsoft.com/office/infopath/2007/PartnerControls">
-        <TermInfo xmlns="http://schemas.microsoft.com/office/infopath/2007/PartnerControls">
-          <TermName xmlns="http://schemas.microsoft.com/office/infopath/2007/PartnerControls">Microsoft Azure</TermName>
-          <TermId xmlns="http://schemas.microsoft.com/office/infopath/2007/PartnerControls">669a3112-5edf-444b-a003-630063601f07</TermId>
-        </TermInfo>
-      </Terms>
-    </bf80e81150e248c48aa8cffdf0021a1f>
-    <kf34bcdc8fc34e479d3f94c6210e8e27 xmlns="230e9df3-be65-4c73-a93b-d1236ebd677e">
-      <Terms xmlns="http://schemas.microsoft.com/office/infopath/2007/PartnerControls"/>
-    </kf34bcdc8fc34e479d3f94c6210e8e27>
-    <TaxCatchAll xmlns="230e9df3-be65-4c73-a93b-d1236ebd677e">
-      <Value>36</Value>
-      <Value>216</Value>
-      <Value>31</Value>
-      <Value>29</Value>
-      <Value>324</Value>
-      <Value>26</Value>
-      <Value>14</Value>
-      <Value>61</Value>
-      <Value>21</Value>
-      <Value>20</Value>
-      <Value>351</Value>
-      <Value>128</Value>
-      <Value>88</Value>
-      <Value>231</Value>
-      <Value>747</Value>
-      <Value>374</Value>
-    </TaxCatchAll>
-    <m6c7b4717b6346e6a075a59dd47eac69 xmlns="230e9df3-be65-4c73-a93b-d1236ebd677e">
-      <Terms xmlns="http://schemas.microsoft.com/office/infopath/2007/PartnerControls">
-        <TermInfo xmlns="http://schemas.microsoft.com/office/infopath/2007/PartnerControls">
-          <TermName xmlns="http://schemas.microsoft.com/office/infopath/2007/PartnerControls">features</TermName>
-          <TermId xmlns="http://schemas.microsoft.com/office/infopath/2007/PartnerControls">94b87768-f145-4764-adbd-fec700e47348</TermId>
-        </TermInfo>
-      </Terms>
-    </m6c7b4717b6346e6a075a59dd47eac69>
-    <m6d26e40ac264097a006193f92232ece xmlns="230e9df3-be65-4c73-a93b-d1236ebd677e">
-      <Terms xmlns="http://schemas.microsoft.com/office/infopath/2007/PartnerControls">
-        <TermInfo xmlns="http://schemas.microsoft.com/office/infopath/2007/PartnerControls">
-          <TermName xmlns="http://schemas.microsoft.com/office/infopath/2007/PartnerControls">200</TermName>
-          <TermId xmlns="http://schemas.microsoft.com/office/infopath/2007/PartnerControls">855c9113-a119-44e7-b3de-bccffe25ed46</TermId>
-        </TermInfo>
-      </Terms>
-    </m6d26e40ac264097a006193f92232ece>
-    <Blog_x0020_Name xmlns="230e9df3-be65-4c73-a93b-d1236ebd677e" xsi:nil="true"/>
-    <i0d941ee1e744ffea7aeee9924c91cbb xmlns="230e9df3-be65-4c73-a93b-d1236ebd677e">
-      <Terms xmlns="http://schemas.microsoft.com/office/infopath/2007/PartnerControls">
-        <TermInfo xmlns="http://schemas.microsoft.com/office/infopath/2007/PartnerControls">
-          <TermName xmlns="http://schemas.microsoft.com/office/infopath/2007/PartnerControls">machine learning</TermName>
-          <TermId xmlns="http://schemas.microsoft.com/office/infopath/2007/PartnerControls">912b89bd-3197-4d37-838b-dea3c299099a</TermId>
-        </TermInfo>
-        <TermInfo xmlns="http://schemas.microsoft.com/office/infopath/2007/PartnerControls">
-          <TermName xmlns="http://schemas.microsoft.com/office/infopath/2007/PartnerControls">business intelligence</TermName>
-          <TermId xmlns="http://schemas.microsoft.com/office/infopath/2007/PartnerControls">e1f9659f-bde9-4479-81f9-2bc6e8ec0057</TermId>
-        </TermInfo>
-      </Terms>
-    </i0d941ee1e744ffea7aeee9924c91cbb>
-    <ec5b2ad5c27b45fb8a00a1f27c7ce1ae xmlns="230e9df3-be65-4c73-a93b-d1236ebd677e">
-      <Terms xmlns="http://schemas.microsoft.com/office/infopath/2007/PartnerControls"/>
-    </ec5b2ad5c27b45fb8a00a1f27c7ce1ae>
-    <PublishingExpirationDate xmlns="http://schemas.microsoft.com/sharepoint/v3" xsi:nil="true"/>
-    <ConfidentialityTaxHTField0 xmlns="230e9df3-be65-4c73-a93b-d1236ebd677e">
-      <Terms xmlns="http://schemas.microsoft.com/office/infopath/2007/PartnerControls">
-        <TermInfo xmlns="http://schemas.microsoft.com/office/infopath/2007/PartnerControls">
-          <TermName xmlns="http://schemas.microsoft.com/office/infopath/2007/PartnerControls">customer ready</TermName>
-          <TermId xmlns="http://schemas.microsoft.com/office/infopath/2007/PartnerControls">8986c41d-21c5-4f8f-8a12-ea4625b46858</TermId>
-        </TermInfo>
-      </Terms>
-    </ConfidentialityTaxHTField0>
-    <b60f8d2dbb984f349d80d8196897f4d3 xmlns="230e9df3-be65-4c73-a93b-d1236ebd677e">
-      <Terms xmlns="http://schemas.microsoft.com/office/infopath/2007/PartnerControls"/>
-    </b60f8d2dbb984f349d80d8196897f4d3>
-    <RatingCount xmlns="http://schemas.microsoft.com/sharepoint/v3" xsi:nil="true"/>
-    <RoutingRuleDescription xmlns="http://schemas.microsoft.com/sharepoint/v3" xsi:nil="true"/>
-    <AverageRating xmlns="http://schemas.microsoft.com/sharepoint/v3" xsi:nil="true"/>
-    <Update_x0020_Parent_x0020_Child_x0020_Relation_x0028_1_x0029_0 xmlns="b3bc04a5-d503-43b1-b98c-a8cf663329d9">
-      <Url xsi:nil="true"/>
-      <Description xsi:nil="true"/>
-    </Update_x0020_Parent_x0020_Child_x0020_Relation_x0028_1_x0029_0>
-    <_ip_UnifiedCompliancePolicyUIAction xmlns="http://schemas.microsoft.com/sharepoint/v3" xsi:nil="true"/>
-    <_ip_UnifiedCompliancePolicyProperties xmlns="http://schemas.microsoft.com/sharepoint/v3" xsi:nil="true"/>
-  </documentManagement>
-</p:properties>
+<?mso-contentType ?>
+<SharedContentType xmlns="Microsoft.SharePoint.Taxonomy.ContentTypeSync" SourceId="e385fb40-52d4-4fae-9c5b-3e8ff8a5878e" ContentTypeId="0x0101000E4CB7077FEE4FF7AE86D4A500EEC7800300F96E2758736AEF45AFCE0C190C2A9DEC" PreviousValue="false"/>
 </file>
 
 <file path=customXml/itemProps1.xml><?xml version="1.0" encoding="utf-8"?>
+<ds:datastoreItem xmlns:ds="http://schemas.openxmlformats.org/officeDocument/2006/customXml" ds:itemID="{BC556691-3246-4178-B49E-6AED78309FE5}">
+  <ds:schemaRefs>
+    <ds:schemaRef ds:uri="http://schemas.microsoft.com/sharepoint/events"/>
+  </ds:schemaRefs>
+</ds:datastoreItem>
+</file>
+
+<file path=customXml/itemProps2.xml><?xml version="1.0" encoding="utf-8"?>
 <ds:datastoreItem xmlns:ds="http://schemas.openxmlformats.org/officeDocument/2006/customXml" ds:itemID="{9BBAABFE-C010-4D26-AF7C-4B797E4E37A6}">
   <ds:schemaRefs>
     <ds:schemaRef ds:uri="http://schemas.microsoft.com/sharepoint/v3/contenttype/forms"/>
@@ -17443,18 +17502,22 @@
 </ds:datastoreItem>
 </file>
 
-<file path=customXml/itemProps2.xml><?xml version="1.0" encoding="utf-8"?>
-<ds:datastoreItem xmlns:ds="http://schemas.openxmlformats.org/officeDocument/2006/customXml" ds:itemID="{BC556691-3246-4178-B49E-6AED78309FE5}">
+<file path=customXml/itemProps3.xml><?xml version="1.0" encoding="utf-8"?>
+<ds:datastoreItem xmlns:ds="http://schemas.openxmlformats.org/officeDocument/2006/customXml" ds:itemID="{84A66DE7-A69D-432C-BB29-032CCB19F769}">
   <ds:schemaRefs>
-    <ds:schemaRef ds:uri="http://schemas.microsoft.com/sharepoint/events"/>
-  </ds:schemaRefs>
-</ds:datastoreItem>
-</file>
-
-<file path=customXml/itemProps3.xml><?xml version="1.0" encoding="utf-8"?>
-<ds:datastoreItem xmlns:ds="http://schemas.openxmlformats.org/officeDocument/2006/customXml" ds:itemID="{5EFA9455-7754-48C0-AFB4-05F6947FC70C}">
-  <ds:schemaRefs>
-    <ds:schemaRef ds:uri="Microsoft.SharePoint.Taxonomy.ContentTypeSync"/>
+    <ds:schemaRef ds:uri="http://schemas.microsoft.com/office/infopath/2007/PartnerControls"/>
+    <ds:schemaRef ds:uri="http://schemas.microsoft.com/sharepoint/v3"/>
+    <ds:schemaRef ds:uri="http://purl.org/dc/terms/"/>
+    <ds:schemaRef ds:uri="http://schemas.microsoft.com/office/2006/documentManagement/types"/>
+    <ds:schemaRef ds:uri="http://schemas.openxmlformats.org/package/2006/metadata/core-properties"/>
+    <ds:schemaRef ds:uri="230e9df3-be65-4c73-a93b-d1236ebd677e"/>
+    <ds:schemaRef ds:uri="2478d1b8-79bf-461f-b8e8-704d21601f1a"/>
+    <ds:schemaRef ds:uri="http://purl.org/dc/elements/1.1/"/>
+    <ds:schemaRef ds:uri="http://schemas.microsoft.com/office/2006/metadata/properties"/>
+    <ds:schemaRef ds:uri="b3bc04a5-d503-43b1-b98c-a8cf663329d9"/>
+    <ds:schemaRef ds:uri="230E9DF3-BE65-4C73-A93B-D1236EBD677E"/>
+    <ds:schemaRef ds:uri="http://www.w3.org/XML/1998/namespace"/>
+    <ds:schemaRef ds:uri="http://purl.org/dc/dcmitype/"/>
   </ds:schemaRefs>
 </ds:datastoreItem>
 </file>
@@ -17482,21 +17545,9 @@
 </file>
 
 <file path=customXml/itemProps5.xml><?xml version="1.0" encoding="utf-8"?>
-<ds:datastoreItem xmlns:ds="http://schemas.openxmlformats.org/officeDocument/2006/customXml" ds:itemID="{84A66DE7-A69D-432C-BB29-032CCB19F769}">
+<ds:datastoreItem xmlns:ds="http://schemas.openxmlformats.org/officeDocument/2006/customXml" ds:itemID="{5EFA9455-7754-48C0-AFB4-05F6947FC70C}">
   <ds:schemaRefs>
-    <ds:schemaRef ds:uri="http://schemas.microsoft.com/office/infopath/2007/PartnerControls"/>
-    <ds:schemaRef ds:uri="http://schemas.microsoft.com/sharepoint/v3"/>
-    <ds:schemaRef ds:uri="http://purl.org/dc/terms/"/>
-    <ds:schemaRef ds:uri="http://schemas.microsoft.com/office/2006/documentManagement/types"/>
-    <ds:schemaRef ds:uri="http://schemas.openxmlformats.org/package/2006/metadata/core-properties"/>
-    <ds:schemaRef ds:uri="230e9df3-be65-4c73-a93b-d1236ebd677e"/>
-    <ds:schemaRef ds:uri="2478d1b8-79bf-461f-b8e8-704d21601f1a"/>
-    <ds:schemaRef ds:uri="http://purl.org/dc/elements/1.1/"/>
-    <ds:schemaRef ds:uri="http://schemas.microsoft.com/office/2006/metadata/properties"/>
-    <ds:schemaRef ds:uri="b3bc04a5-d503-43b1-b98c-a8cf663329d9"/>
-    <ds:schemaRef ds:uri="230E9DF3-BE65-4C73-A93B-D1236EBD677E"/>
-    <ds:schemaRef ds:uri="http://www.w3.org/XML/1998/namespace"/>
-    <ds:schemaRef ds:uri="http://purl.org/dc/dcmitype/"/>
+    <ds:schemaRef ds:uri="Microsoft.SharePoint.Taxonomy.ContentTypeSync"/>
   </ds:schemaRefs>
 </ds:datastoreItem>
 </file>
--- a/AzureDataCatalog/Azure Data Catalog Short Set.pptx
+++ b/AzureDataCatalog/Azure Data Catalog Short Set.pptx
@@ -5,31 +5,32 @@
     <p:sldMasterId id="2147483661" r:id="rId6"/>
   </p:sldMasterIdLst>
   <p:notesMasterIdLst>
-    <p:notesMasterId r:id="rId29"/>
+    <p:notesMasterId r:id="rId30"/>
   </p:notesMasterIdLst>
   <p:sldIdLst>
     <p:sldId id="389" r:id="rId7"/>
-    <p:sldId id="400" r:id="rId8"/>
-    <p:sldId id="452" r:id="rId9"/>
-    <p:sldId id="475" r:id="rId10"/>
-    <p:sldId id="454" r:id="rId11"/>
-    <p:sldId id="460" r:id="rId12"/>
-    <p:sldId id="476" r:id="rId13"/>
-    <p:sldId id="477" r:id="rId14"/>
-    <p:sldId id="478" r:id="rId15"/>
-    <p:sldId id="386" r:id="rId16"/>
-    <p:sldId id="464" r:id="rId17"/>
-    <p:sldId id="465" r:id="rId18"/>
-    <p:sldId id="466" r:id="rId19"/>
-    <p:sldId id="467" r:id="rId20"/>
-    <p:sldId id="468" r:id="rId21"/>
-    <p:sldId id="469" r:id="rId22"/>
-    <p:sldId id="470" r:id="rId23"/>
-    <p:sldId id="471" r:id="rId24"/>
-    <p:sldId id="472" r:id="rId25"/>
-    <p:sldId id="473" r:id="rId26"/>
-    <p:sldId id="474" r:id="rId27"/>
-    <p:sldId id="463" r:id="rId28"/>
+    <p:sldId id="479" r:id="rId8"/>
+    <p:sldId id="400" r:id="rId9"/>
+    <p:sldId id="452" r:id="rId10"/>
+    <p:sldId id="475" r:id="rId11"/>
+    <p:sldId id="454" r:id="rId12"/>
+    <p:sldId id="460" r:id="rId13"/>
+    <p:sldId id="476" r:id="rId14"/>
+    <p:sldId id="477" r:id="rId15"/>
+    <p:sldId id="478" r:id="rId16"/>
+    <p:sldId id="386" r:id="rId17"/>
+    <p:sldId id="464" r:id="rId18"/>
+    <p:sldId id="465" r:id="rId19"/>
+    <p:sldId id="466" r:id="rId20"/>
+    <p:sldId id="467" r:id="rId21"/>
+    <p:sldId id="468" r:id="rId22"/>
+    <p:sldId id="469" r:id="rId23"/>
+    <p:sldId id="470" r:id="rId24"/>
+    <p:sldId id="471" r:id="rId25"/>
+    <p:sldId id="472" r:id="rId26"/>
+    <p:sldId id="473" r:id="rId27"/>
+    <p:sldId id="474" r:id="rId28"/>
+    <p:sldId id="463" r:id="rId29"/>
   </p:sldIdLst>
   <p:sldSz cx="12192000" cy="6858000"/>
   <p:notesSz cx="6858000" cy="9144000"/>
@@ -625,7 +626,10 @@
           <a:bodyPr/>
           <a:lstStyle/>
           <a:p>
-            <a:endParaRPr lang="en-US"/>
+            <a:r>
+              <a:rPr lang="en-US" dirty="0"/>
+              <a:t>Samples: https://azure.microsoft.com/documentation/articles/data-catalog-samples/ </a:t>
+            </a:r>
           </a:p>
         </p:txBody>
       </p:sp>
@@ -655,7 +659,7 @@
     </p:spTree>
     <p:extLst>
       <p:ext uri="{BB962C8B-B14F-4D97-AF65-F5344CB8AC3E}">
-        <p14:creationId xmlns:p14="http://schemas.microsoft.com/office/powerpoint/2010/main" val="184239444"/>
+        <p14:creationId xmlns:p14="http://schemas.microsoft.com/office/powerpoint/2010/main" val="1803912031"/>
       </p:ext>
     </p:extLst>
   </p:cSld>
@@ -739,7 +743,7 @@
     </p:spTree>
     <p:extLst>
       <p:ext uri="{BB962C8B-B14F-4D97-AF65-F5344CB8AC3E}">
-        <p14:creationId xmlns:p14="http://schemas.microsoft.com/office/powerpoint/2010/main" val="2916495390"/>
+        <p14:creationId xmlns:p14="http://schemas.microsoft.com/office/powerpoint/2010/main" val="184239444"/>
       </p:ext>
     </p:extLst>
   </p:cSld>
@@ -793,10 +797,7 @@
           <a:bodyPr/>
           <a:lstStyle/>
           <a:p>
-            <a:r>
-              <a:rPr lang="en-US" dirty="0"/>
-              <a:t>https://azure.microsoft.com/en-us/documentation/articles/data-catalog-how-to-save-pin/</a:t>
-            </a:r>
+            <a:endParaRPr lang="en-US"/>
           </a:p>
         </p:txBody>
       </p:sp>
@@ -826,7 +827,7 @@
     </p:spTree>
     <p:extLst>
       <p:ext uri="{BB962C8B-B14F-4D97-AF65-F5344CB8AC3E}">
-        <p14:creationId xmlns:p14="http://schemas.microsoft.com/office/powerpoint/2010/main" val="1641376498"/>
+        <p14:creationId xmlns:p14="http://schemas.microsoft.com/office/powerpoint/2010/main" val="2916495390"/>
       </p:ext>
     </p:extLst>
   </p:cSld>
@@ -913,7 +914,7 @@
     </p:spTree>
     <p:extLst>
       <p:ext uri="{BB962C8B-B14F-4D97-AF65-F5344CB8AC3E}">
-        <p14:creationId xmlns:p14="http://schemas.microsoft.com/office/powerpoint/2010/main" val="2660335518"/>
+        <p14:creationId xmlns:p14="http://schemas.microsoft.com/office/powerpoint/2010/main" val="1641376498"/>
       </p:ext>
     </p:extLst>
   </p:cSld>
@@ -967,7 +968,10 @@
           <a:bodyPr/>
           <a:lstStyle/>
           <a:p>
-            <a:endParaRPr lang="en-US"/>
+            <a:r>
+              <a:rPr lang="en-US" dirty="0"/>
+              <a:t>https://azure.microsoft.com/en-us/documentation/articles/data-catalog-how-to-save-pin/</a:t>
+            </a:r>
           </a:p>
         </p:txBody>
       </p:sp>
@@ -997,7 +1001,7 @@
     </p:spTree>
     <p:extLst>
       <p:ext uri="{BB962C8B-B14F-4D97-AF65-F5344CB8AC3E}">
-        <p14:creationId xmlns:p14="http://schemas.microsoft.com/office/powerpoint/2010/main" val="1072059542"/>
+        <p14:creationId xmlns:p14="http://schemas.microsoft.com/office/powerpoint/2010/main" val="2660335518"/>
       </p:ext>
     </p:extLst>
   </p:cSld>
@@ -1081,7 +1085,7 @@
     </p:spTree>
     <p:extLst>
       <p:ext uri="{BB962C8B-B14F-4D97-AF65-F5344CB8AC3E}">
-        <p14:creationId xmlns:p14="http://schemas.microsoft.com/office/powerpoint/2010/main" val="2777623731"/>
+        <p14:creationId xmlns:p14="http://schemas.microsoft.com/office/powerpoint/2010/main" val="1072059542"/>
       </p:ext>
     </p:extLst>
   </p:cSld>
@@ -1165,7 +1169,7 @@
     </p:spTree>
     <p:extLst>
       <p:ext uri="{BB962C8B-B14F-4D97-AF65-F5344CB8AC3E}">
-        <p14:creationId xmlns:p14="http://schemas.microsoft.com/office/powerpoint/2010/main" val="3022879705"/>
+        <p14:creationId xmlns:p14="http://schemas.microsoft.com/office/powerpoint/2010/main" val="2777623731"/>
       </p:ext>
     </p:extLst>
   </p:cSld>
@@ -1249,7 +1253,7 @@
     </p:spTree>
     <p:extLst>
       <p:ext uri="{BB962C8B-B14F-4D97-AF65-F5344CB8AC3E}">
-        <p14:creationId xmlns:p14="http://schemas.microsoft.com/office/powerpoint/2010/main" val="100111238"/>
+        <p14:creationId xmlns:p14="http://schemas.microsoft.com/office/powerpoint/2010/main" val="3022879705"/>
       </p:ext>
     </p:extLst>
   </p:cSld>
@@ -1333,7 +1337,7 @@
     </p:spTree>
     <p:extLst>
       <p:ext uri="{BB962C8B-B14F-4D97-AF65-F5344CB8AC3E}">
-        <p14:creationId xmlns:p14="http://schemas.microsoft.com/office/powerpoint/2010/main" val="2391204883"/>
+        <p14:creationId xmlns:p14="http://schemas.microsoft.com/office/powerpoint/2010/main" val="100111238"/>
       </p:ext>
     </p:extLst>
   </p:cSld>
@@ -1417,7 +1421,7 @@
     </p:spTree>
     <p:extLst>
       <p:ext uri="{BB962C8B-B14F-4D97-AF65-F5344CB8AC3E}">
-        <p14:creationId xmlns:p14="http://schemas.microsoft.com/office/powerpoint/2010/main" val="2622321424"/>
+        <p14:creationId xmlns:p14="http://schemas.microsoft.com/office/powerpoint/2010/main" val="2391204883"/>
       </p:ext>
     </p:extLst>
   </p:cSld>
@@ -1501,7 +1505,7 @@
     </p:spTree>
     <p:extLst>
       <p:ext uri="{BB962C8B-B14F-4D97-AF65-F5344CB8AC3E}">
-        <p14:creationId xmlns:p14="http://schemas.microsoft.com/office/powerpoint/2010/main" val="3503466815"/>
+        <p14:creationId xmlns:p14="http://schemas.microsoft.com/office/powerpoint/2010/main" val="3345481360"/>
       </p:ext>
     </p:extLst>
   </p:cSld>
@@ -1585,7 +1589,7 @@
     </p:spTree>
     <p:extLst>
       <p:ext uri="{BB962C8B-B14F-4D97-AF65-F5344CB8AC3E}">
-        <p14:creationId xmlns:p14="http://schemas.microsoft.com/office/powerpoint/2010/main" val="3238502460"/>
+        <p14:creationId xmlns:p14="http://schemas.microsoft.com/office/powerpoint/2010/main" val="2622321424"/>
       </p:ext>
     </p:extLst>
   </p:cSld>
@@ -1669,7 +1673,7 @@
     </p:spTree>
     <p:extLst>
       <p:ext uri="{BB962C8B-B14F-4D97-AF65-F5344CB8AC3E}">
-        <p14:creationId xmlns:p14="http://schemas.microsoft.com/office/powerpoint/2010/main" val="1325999652"/>
+        <p14:creationId xmlns:p14="http://schemas.microsoft.com/office/powerpoint/2010/main" val="3238502460"/>
       </p:ext>
     </p:extLst>
   </p:cSld>
@@ -1745,6 +1749,90 @@
             <a:fld id="{85DC35C4-C628-461D-A2B1-50E8EAF9F52D}" type="slidenum">
               <a:rPr lang="en-US" smtClean="0"/>
               <a:t>22</a:t>
+            </a:fld>
+            <a:endParaRPr lang="en-US"/>
+          </a:p>
+        </p:txBody>
+      </p:sp>
+    </p:spTree>
+    <p:extLst>
+      <p:ext uri="{BB962C8B-B14F-4D97-AF65-F5344CB8AC3E}">
+        <p14:creationId xmlns:p14="http://schemas.microsoft.com/office/powerpoint/2010/main" val="1325999652"/>
+      </p:ext>
+    </p:extLst>
+  </p:cSld>
+  <p:clrMapOvr>
+    <a:masterClrMapping/>
+  </p:clrMapOvr>
+</p:notes>
+</file>
+
+<file path=ppt/notesSlides/notesSlide23.xml><?xml version="1.0" encoding="utf-8"?>
+<p:notes xmlns:a="http://schemas.openxmlformats.org/drawingml/2006/main" xmlns:r="http://schemas.openxmlformats.org/officeDocument/2006/relationships" xmlns:p="http://schemas.openxmlformats.org/presentationml/2006/main">
+  <p:cSld>
+    <p:spTree>
+      <p:nvGrpSpPr>
+        <p:cNvPr id="1" name=""/>
+        <p:cNvGrpSpPr/>
+        <p:nvPr/>
+      </p:nvGrpSpPr>
+      <p:grpSpPr>
+        <a:xfrm>
+          <a:off x="0" y="0"/>
+          <a:ext cx="0" cy="0"/>
+          <a:chOff x="0" y="0"/>
+          <a:chExt cx="0" cy="0"/>
+        </a:xfrm>
+      </p:grpSpPr>
+      <p:sp>
+        <p:nvSpPr>
+          <p:cNvPr id="2" name="Slide Image Placeholder 1"/>
+          <p:cNvSpPr>
+            <a:spLocks noGrp="1" noRot="1" noChangeAspect="1"/>
+          </p:cNvSpPr>
+          <p:nvPr>
+            <p:ph type="sldImg"/>
+          </p:nvPr>
+        </p:nvSpPr>
+        <p:spPr/>
+      </p:sp>
+      <p:sp>
+        <p:nvSpPr>
+          <p:cNvPr id="3" name="Notes Placeholder 2"/>
+          <p:cNvSpPr>
+            <a:spLocks noGrp="1"/>
+          </p:cNvSpPr>
+          <p:nvPr>
+            <p:ph type="body" idx="1"/>
+          </p:nvPr>
+        </p:nvSpPr>
+        <p:spPr/>
+        <p:txBody>
+          <a:bodyPr/>
+          <a:lstStyle/>
+          <a:p>
+            <a:endParaRPr lang="en-US"/>
+          </a:p>
+        </p:txBody>
+      </p:sp>
+      <p:sp>
+        <p:nvSpPr>
+          <p:cNvPr id="4" name="Slide Number Placeholder 3"/>
+          <p:cNvSpPr>
+            <a:spLocks noGrp="1"/>
+          </p:cNvSpPr>
+          <p:nvPr>
+            <p:ph type="sldNum" sz="quarter" idx="10"/>
+          </p:nvPr>
+        </p:nvSpPr>
+        <p:spPr/>
+        <p:txBody>
+          <a:bodyPr/>
+          <a:lstStyle/>
+          <a:p>
+            <a:fld id="{85DC35C4-C628-461D-A2B1-50E8EAF9F52D}" type="slidenum">
+              <a:rPr lang="en-US" smtClean="0"/>
+              <a:t>23</a:t>
             </a:fld>
             <a:endParaRPr lang="en-US"/>
           </a:p>
@@ -1837,7 +1925,7 @@
     </p:spTree>
     <p:extLst>
       <p:ext uri="{BB962C8B-B14F-4D97-AF65-F5344CB8AC3E}">
-        <p14:creationId xmlns:p14="http://schemas.microsoft.com/office/powerpoint/2010/main" val="773866307"/>
+        <p14:creationId xmlns:p14="http://schemas.microsoft.com/office/powerpoint/2010/main" val="3503466815"/>
       </p:ext>
     </p:extLst>
   </p:cSld>
@@ -1921,7 +2009,7 @@
     </p:spTree>
     <p:extLst>
       <p:ext uri="{BB962C8B-B14F-4D97-AF65-F5344CB8AC3E}">
-        <p14:creationId xmlns:p14="http://schemas.microsoft.com/office/powerpoint/2010/main" val="3489647345"/>
+        <p14:creationId xmlns:p14="http://schemas.microsoft.com/office/powerpoint/2010/main" val="773866307"/>
       </p:ext>
     </p:extLst>
   </p:cSld>
@@ -2005,7 +2093,7 @@
     </p:spTree>
     <p:extLst>
       <p:ext uri="{BB962C8B-B14F-4D97-AF65-F5344CB8AC3E}">
-        <p14:creationId xmlns:p14="http://schemas.microsoft.com/office/powerpoint/2010/main" val="295225363"/>
+        <p14:creationId xmlns:p14="http://schemas.microsoft.com/office/powerpoint/2010/main" val="3489647345"/>
       </p:ext>
     </p:extLst>
   </p:cSld>
@@ -2089,7 +2177,7 @@
     </p:spTree>
     <p:extLst>
       <p:ext uri="{BB962C8B-B14F-4D97-AF65-F5344CB8AC3E}">
-        <p14:creationId xmlns:p14="http://schemas.microsoft.com/office/powerpoint/2010/main" val="1350592097"/>
+        <p14:creationId xmlns:p14="http://schemas.microsoft.com/office/powerpoint/2010/main" val="295225363"/>
       </p:ext>
     </p:extLst>
   </p:cSld>
@@ -2143,7 +2231,7 @@
           <a:bodyPr/>
           <a:lstStyle/>
           <a:p>
-            <a:endParaRPr lang="en-US" dirty="0"/>
+            <a:endParaRPr lang="en-US"/>
           </a:p>
         </p:txBody>
       </p:sp>
@@ -2173,7 +2261,7 @@
     </p:spTree>
     <p:extLst>
       <p:ext uri="{BB962C8B-B14F-4D97-AF65-F5344CB8AC3E}">
-        <p14:creationId xmlns:p14="http://schemas.microsoft.com/office/powerpoint/2010/main" val="3486023796"/>
+        <p14:creationId xmlns:p14="http://schemas.microsoft.com/office/powerpoint/2010/main" val="1350592097"/>
       </p:ext>
     </p:extLst>
   </p:cSld>
@@ -2227,44 +2315,6 @@
           <a:bodyPr/>
           <a:lstStyle/>
           <a:p>
-            <a:r>
-              <a:rPr lang="en-US" dirty="0"/>
-              <a:t>Paid</a:t>
-            </a:r>
-            <a:r>
-              <a:rPr lang="en-US" baseline="0" dirty="0"/>
-              <a:t> Edition Capabilities include:</a:t>
-            </a:r>
-          </a:p>
-          <a:p>
-            <a:pPr marL="171450" indent="-171450">
-              <a:buFontTx/>
-              <a:buChar char="-"/>
-            </a:pPr>
-            <a:r>
-              <a:rPr lang="en-US" baseline="0" dirty="0"/>
-              <a:t>Taking ownership of an asset</a:t>
-            </a:r>
-          </a:p>
-          <a:p>
-            <a:pPr marL="171450" indent="-171450">
-              <a:buFontTx/>
-              <a:buChar char="-"/>
-            </a:pPr>
-            <a:r>
-              <a:rPr lang="en-US" baseline="0" dirty="0"/>
-              <a:t>Asset-level authorization</a:t>
-            </a:r>
-          </a:p>
-          <a:p>
-            <a:pPr marL="171450" indent="-171450">
-              <a:buFontTx/>
-              <a:buChar char="-"/>
-            </a:pPr>
-            <a:r>
-              <a:rPr lang="en-US" baseline="0" dirty="0"/>
-              <a:t>Business Glossary	</a:t>
-            </a:r>
             <a:endParaRPr lang="en-US" dirty="0"/>
           </a:p>
         </p:txBody>
@@ -2295,7 +2345,7 @@
     </p:spTree>
     <p:extLst>
       <p:ext uri="{BB962C8B-B14F-4D97-AF65-F5344CB8AC3E}">
-        <p14:creationId xmlns:p14="http://schemas.microsoft.com/office/powerpoint/2010/main" val="373772318"/>
+        <p14:creationId xmlns:p14="http://schemas.microsoft.com/office/powerpoint/2010/main" val="3486023796"/>
       </p:ext>
     </p:extLst>
   </p:cSld>
@@ -2351,8 +2401,43 @@
           <a:p>
             <a:r>
               <a:rPr lang="en-US" dirty="0"/>
-              <a:t>Samples: https://azure.microsoft.com/documentation/articles/data-catalog-samples/ </a:t>
-            </a:r>
+              <a:t>Paid</a:t>
+            </a:r>
+            <a:r>
+              <a:rPr lang="en-US" baseline="0" dirty="0"/>
+              <a:t> Edition Capabilities include:</a:t>
+            </a:r>
+          </a:p>
+          <a:p>
+            <a:pPr marL="171450" indent="-171450">
+              <a:buFontTx/>
+              <a:buChar char="-"/>
+            </a:pPr>
+            <a:r>
+              <a:rPr lang="en-US" baseline="0" dirty="0"/>
+              <a:t>Taking ownership of an asset</a:t>
+            </a:r>
+          </a:p>
+          <a:p>
+            <a:pPr marL="171450" indent="-171450">
+              <a:buFontTx/>
+              <a:buChar char="-"/>
+            </a:pPr>
+            <a:r>
+              <a:rPr lang="en-US" baseline="0" dirty="0"/>
+              <a:t>Asset-level authorization</a:t>
+            </a:r>
+          </a:p>
+          <a:p>
+            <a:pPr marL="171450" indent="-171450">
+              <a:buFontTx/>
+              <a:buChar char="-"/>
+            </a:pPr>
+            <a:r>
+              <a:rPr lang="en-US" baseline="0" dirty="0"/>
+              <a:t>Business Glossary	</a:t>
+            </a:r>
+            <a:endParaRPr lang="en-US" dirty="0"/>
           </a:p>
         </p:txBody>
       </p:sp>
@@ -2382,7 +2467,7 @@
     </p:spTree>
     <p:extLst>
       <p:ext uri="{BB962C8B-B14F-4D97-AF65-F5344CB8AC3E}">
-        <p14:creationId xmlns:p14="http://schemas.microsoft.com/office/powerpoint/2010/main" val="1803912031"/>
+        <p14:creationId xmlns:p14="http://schemas.microsoft.com/office/powerpoint/2010/main" val="373772318"/>
       </p:ext>
     </p:extLst>
   </p:cSld>
@@ -5178,42 +5263,15 @@
           <a:chExt cx="0" cy="0"/>
         </a:xfrm>
       </p:grpSpPr>
-      <p:sp>
-        <p:nvSpPr>
-          <p:cNvPr id="4" name="TextBox 3"/>
-          <p:cNvSpPr txBox="1"/>
-          <p:nvPr/>
-        </p:nvSpPr>
-        <p:spPr>
-          <a:xfrm>
-            <a:off x="408626" y="4844619"/>
-            <a:ext cx="11140751" cy="769441"/>
-          </a:xfrm>
-          <a:prstGeom prst="rect">
-            <a:avLst/>
-          </a:prstGeom>
-          <a:noFill/>
-        </p:spPr>
-        <p:txBody>
-          <a:bodyPr wrap="square" rtlCol="0">
-            <a:spAutoFit/>
-          </a:bodyPr>
-          <a:lstStyle/>
-          <a:p>
-            <a:r>
-              <a:rPr lang="en-US" sz="4400" dirty="0">
-                <a:solidFill>
-                  <a:schemeClr val="bg1"/>
-                </a:solidFill>
-              </a:rPr>
-              <a:t>Microsoft Azure Data Catalog</a:t>
-            </a:r>
-          </a:p>
-        </p:txBody>
-      </p:sp>
       <p:pic>
         <p:nvPicPr>
-          <p:cNvPr id="3" name="Picture 2"/>
+          <p:cNvPr id="6" name="Picture 5">
+            <a:extLst>
+              <a:ext uri="{FF2B5EF4-FFF2-40B4-BE49-F238E27FC236}">
+                <a16:creationId xmlns:a16="http://schemas.microsoft.com/office/drawing/2014/main" id="{0508006E-6B02-4FEE-B2DE-0BC1087D95B3}"/>
+              </a:ext>
+            </a:extLst>
+          </p:cNvPr>
           <p:cNvPicPr>
             <a:picLocks noChangeAspect="1"/>
           </p:cNvPicPr>
@@ -5227,198 +5285,30 @@
         </p:blipFill>
         <p:spPr>
           <a:xfrm>
-            <a:off x="8025266" y="3093586"/>
-            <a:ext cx="4166734" cy="2535863"/>
+            <a:off x="0" y="719571"/>
+            <a:ext cx="10182225" cy="5086350"/>
           </a:xfrm>
           <a:prstGeom prst="rect">
             <a:avLst/>
           </a:prstGeom>
-          <a:solidFill>
-            <a:srgbClr val="2BAAE1"/>
-          </a:solidFill>
-          <a:ln>
-            <a:noFill/>
-          </a:ln>
         </p:spPr>
       </p:pic>
-      <p:sp>
-        <p:nvSpPr>
-          <p:cNvPr id="8" name="Rectangle 7"/>
-          <p:cNvSpPr/>
-          <p:nvPr/>
-        </p:nvSpPr>
-        <p:spPr>
-          <a:xfrm>
-            <a:off x="0" y="3093586"/>
-            <a:ext cx="8025266" cy="2535863"/>
-          </a:xfrm>
-          <a:prstGeom prst="rect">
-            <a:avLst/>
-          </a:prstGeom>
-          <a:solidFill>
-            <a:srgbClr val="2BAAE1"/>
-          </a:solidFill>
-          <a:ln>
-            <a:noFill/>
-          </a:ln>
-        </p:spPr>
-        <p:style>
-          <a:lnRef idx="2">
-            <a:schemeClr val="accent1">
-              <a:shade val="50000"/>
-            </a:schemeClr>
-          </a:lnRef>
-          <a:fillRef idx="1">
-            <a:schemeClr val="accent1"/>
-          </a:fillRef>
-          <a:effectRef idx="0">
-            <a:schemeClr val="accent1"/>
-          </a:effectRef>
-          <a:fontRef idx="minor">
-            <a:schemeClr val="lt1"/>
-          </a:fontRef>
-        </p:style>
-        <p:txBody>
-          <a:bodyPr rtlCol="0" anchor="ctr"/>
-          <a:lstStyle/>
-          <a:p>
-            <a:pPr algn="ctr"/>
-            <a:endParaRPr lang="en-US"/>
-          </a:p>
-        </p:txBody>
-      </p:sp>
-      <p:sp>
-        <p:nvSpPr>
-          <p:cNvPr id="9" name="TextBox 8"/>
-          <p:cNvSpPr txBox="1"/>
-          <p:nvPr/>
-        </p:nvSpPr>
-        <p:spPr>
-          <a:xfrm>
-            <a:off x="431662" y="3330465"/>
-            <a:ext cx="11140751" cy="1077218"/>
-          </a:xfrm>
-          <a:prstGeom prst="rect">
-            <a:avLst/>
-          </a:prstGeom>
-          <a:noFill/>
-        </p:spPr>
-        <p:txBody>
-          <a:bodyPr wrap="square" rtlCol="0">
-            <a:spAutoFit/>
-          </a:bodyPr>
-          <a:lstStyle/>
-          <a:p>
-            <a:r>
-              <a:rPr lang="en-US" sz="3200" i="1" dirty="0">
-                <a:solidFill>
-                  <a:schemeClr val="bg1"/>
-                </a:solidFill>
-              </a:rPr>
-              <a:t>Bryan Cafferky</a:t>
-            </a:r>
-          </a:p>
-          <a:p>
-            <a:r>
-              <a:rPr lang="en-US" sz="3200" i="1" dirty="0">
-                <a:solidFill>
-                  <a:schemeClr val="bg1"/>
-                </a:solidFill>
-              </a:rPr>
-              <a:t>Microsoft Technology </a:t>
-            </a:r>
-            <a:r>
-              <a:rPr lang="en-US" sz="3200" i="1">
-                <a:solidFill>
-                  <a:schemeClr val="bg1"/>
-                </a:solidFill>
-              </a:rPr>
-              <a:t>Solutions Professional</a:t>
-            </a:r>
-            <a:endParaRPr lang="en-US" sz="3200" i="1" dirty="0">
-              <a:solidFill>
-                <a:schemeClr val="bg1"/>
-              </a:solidFill>
-            </a:endParaRPr>
-          </a:p>
-        </p:txBody>
-      </p:sp>
-      <p:sp>
-        <p:nvSpPr>
-          <p:cNvPr id="10" name="TextBox 9"/>
-          <p:cNvSpPr txBox="1"/>
-          <p:nvPr/>
-        </p:nvSpPr>
-        <p:spPr>
-          <a:xfrm>
-            <a:off x="408626" y="1427398"/>
-            <a:ext cx="8703843" cy="830997"/>
-          </a:xfrm>
-          <a:prstGeom prst="rect">
-            <a:avLst/>
-          </a:prstGeom>
-          <a:noFill/>
-        </p:spPr>
-        <p:txBody>
-          <a:bodyPr wrap="square" rtlCol="0">
-            <a:spAutoFit/>
-          </a:bodyPr>
-          <a:lstStyle/>
-          <a:p>
-            <a:r>
-              <a:rPr lang="en-US" sz="4800" i="1" dirty="0">
-                <a:solidFill>
-                  <a:schemeClr val="bg1"/>
-                </a:solidFill>
-              </a:rPr>
-              <a:t>Introducing</a:t>
-            </a:r>
-          </a:p>
-        </p:txBody>
-      </p:sp>
-      <p:sp>
-        <p:nvSpPr>
-          <p:cNvPr id="12" name="TextBox 11"/>
-          <p:cNvSpPr txBox="1"/>
-          <p:nvPr/>
-        </p:nvSpPr>
-        <p:spPr>
-          <a:xfrm>
-            <a:off x="408626" y="2118698"/>
-            <a:ext cx="8703843" cy="830997"/>
-          </a:xfrm>
-          <a:prstGeom prst="rect">
-            <a:avLst/>
-          </a:prstGeom>
-          <a:noFill/>
-        </p:spPr>
-        <p:txBody>
-          <a:bodyPr wrap="square" rtlCol="0">
-            <a:spAutoFit/>
-          </a:bodyPr>
-          <a:lstStyle/>
-          <a:p>
-            <a:r>
-              <a:rPr lang="en-US" sz="4800" dirty="0">
-                <a:solidFill>
-                  <a:schemeClr val="bg1"/>
-                </a:solidFill>
-              </a:rPr>
-              <a:t>Microsoft Azure Data Catalog</a:t>
-            </a:r>
-          </a:p>
-        </p:txBody>
-      </p:sp>
       <p:pic>
         <p:nvPicPr>
-          <p:cNvPr id="13" name="Picture 12"/>
+          <p:cNvPr id="11" name="Picture 10" descr="A person smiling for the camera&#10;&#10;Description generated with very high confidence">
+            <a:extLst>
+              <a:ext uri="{FF2B5EF4-FFF2-40B4-BE49-F238E27FC236}">
+                <a16:creationId xmlns:a16="http://schemas.microsoft.com/office/drawing/2014/main" id="{B34044C6-C181-4A7A-B93A-7A6A6CD7E3D8}"/>
+              </a:ext>
+            </a:extLst>
+          </p:cNvPr>
           <p:cNvPicPr>
             <a:picLocks noChangeAspect="1"/>
           </p:cNvPicPr>
           <p:nvPr/>
         </p:nvPicPr>
         <p:blipFill>
-          <a:blip r:embed="rId4" cstate="print">
+          <a:blip r:embed="rId4">
             <a:extLst>
               <a:ext uri="{28A0092B-C50C-407E-A947-70E740481C1C}">
                 <a14:useLocalDpi xmlns:a14="http://schemas.microsoft.com/office/drawing/2010/main" val="0"/>
@@ -5431,114 +5321,14 @@
         </p:blipFill>
         <p:spPr>
           <a:xfrm>
-            <a:off x="11254998" y="4389524"/>
-            <a:ext cx="890930" cy="693165"/>
+            <a:off x="0" y="3986501"/>
+            <a:ext cx="1500043" cy="1500043"/>
           </a:xfrm>
           <a:prstGeom prst="rect">
             <a:avLst/>
           </a:prstGeom>
         </p:spPr>
       </p:pic>
-      <p:sp>
-        <p:nvSpPr>
-          <p:cNvPr id="2" name="Rectangle 1">
-            <a:extLst>
-              <a:ext uri="{FF2B5EF4-FFF2-40B4-BE49-F238E27FC236}">
-                <a16:creationId xmlns:a16="http://schemas.microsoft.com/office/drawing/2014/main" id="{A96DE41C-0F03-48E5-9865-C28051E7FD35}"/>
-              </a:ext>
-            </a:extLst>
-          </p:cNvPr>
-          <p:cNvSpPr/>
-          <p:nvPr/>
-        </p:nvSpPr>
-        <p:spPr>
-          <a:xfrm>
-            <a:off x="503238" y="5974050"/>
-            <a:ext cx="6560292" cy="369332"/>
-          </a:xfrm>
-          <a:prstGeom prst="rect">
-            <a:avLst/>
-          </a:prstGeom>
-        </p:spPr>
-        <p:txBody>
-          <a:bodyPr wrap="square">
-            <a:spAutoFit/>
-          </a:bodyPr>
-          <a:lstStyle/>
-          <a:p>
-            <a:r>
-              <a:rPr lang="en-US" dirty="0">
-                <a:solidFill>
-                  <a:schemeClr val="bg1"/>
-                </a:solidFill>
-                <a:highlight>
-                  <a:srgbClr val="EFEFEF"/>
-                </a:highlight>
-                <a:hlinkClick r:id="rId5"/>
-              </a:rPr>
-              <a:t>https://github.com/bcafferky/shared/tree/master/AzureDataCatalog</a:t>
-            </a:r>
-            <a:endParaRPr lang="en-US" dirty="0">
-              <a:solidFill>
-                <a:schemeClr val="bg1"/>
-              </a:solidFill>
-              <a:highlight>
-                <a:srgbClr val="EFEFEF"/>
-              </a:highlight>
-            </a:endParaRPr>
-          </a:p>
-        </p:txBody>
-      </p:sp>
-      <p:sp>
-        <p:nvSpPr>
-          <p:cNvPr id="5" name="Rectangle 4">
-            <a:extLst>
-              <a:ext uri="{FF2B5EF4-FFF2-40B4-BE49-F238E27FC236}">
-                <a16:creationId xmlns:a16="http://schemas.microsoft.com/office/drawing/2014/main" id="{204CC851-0657-48EC-9072-392023640277}"/>
-              </a:ext>
-            </a:extLst>
-          </p:cNvPr>
-          <p:cNvSpPr/>
-          <p:nvPr/>
-        </p:nvSpPr>
-        <p:spPr>
-          <a:xfrm>
-            <a:off x="503238" y="6373666"/>
-            <a:ext cx="3643241" cy="369332"/>
-          </a:xfrm>
-          <a:prstGeom prst="rect">
-            <a:avLst/>
-          </a:prstGeom>
-        </p:spPr>
-        <p:txBody>
-          <a:bodyPr wrap="none">
-            <a:spAutoFit/>
-          </a:bodyPr>
-          <a:lstStyle/>
-          <a:p>
-            <a:r>
-              <a:rPr lang="en-US" dirty="0">
-                <a:solidFill>
-                  <a:schemeClr val="bg1"/>
-                </a:solidFill>
-                <a:highlight>
-                  <a:srgbClr val="EFEFEF"/>
-                </a:highlight>
-                <a:hlinkClick r:id="rId6"/>
-              </a:rPr>
-              <a:t>https://github.com/bcafferky/shared</a:t>
-            </a:r>
-            <a:endParaRPr lang="en-US" dirty="0">
-              <a:solidFill>
-                <a:schemeClr val="bg1"/>
-              </a:solidFill>
-              <a:highlight>
-                <a:srgbClr val="EFEFEF"/>
-              </a:highlight>
-            </a:endParaRPr>
-          </a:p>
-        </p:txBody>
-      </p:sp>
     </p:spTree>
     <p:extLst>
       <p:ext uri="{BB962C8B-B14F-4D97-AF65-F5344CB8AC3E}">
@@ -5571,6 +5361,158 @@
       </p:grpSpPr>
       <p:sp>
         <p:nvSpPr>
+          <p:cNvPr id="2" name="Title 1"/>
+          <p:cNvSpPr>
+            <a:spLocks noGrp="1"/>
+          </p:cNvSpPr>
+          <p:nvPr>
+            <p:ph type="title"/>
+          </p:nvPr>
+        </p:nvSpPr>
+        <p:spPr/>
+        <p:txBody>
+          <a:bodyPr/>
+          <a:lstStyle/>
+          <a:p>
+            <a:r>
+              <a:rPr lang="en-US" dirty="0">
+                <a:solidFill>
+                  <a:srgbClr val="17489E"/>
+                </a:solidFill>
+              </a:rPr>
+              <a:t>API</a:t>
+            </a:r>
+          </a:p>
+        </p:txBody>
+      </p:sp>
+      <p:sp>
+        <p:nvSpPr>
+          <p:cNvPr id="3" name="Content Placeholder 2"/>
+          <p:cNvSpPr>
+            <a:spLocks noGrp="1"/>
+          </p:cNvSpPr>
+          <p:nvPr>
+            <p:ph sz="quarter" idx="10"/>
+          </p:nvPr>
+        </p:nvSpPr>
+        <p:spPr/>
+        <p:txBody>
+          <a:bodyPr/>
+          <a:lstStyle/>
+          <a:p>
+            <a:pPr marL="0" indent="0">
+              <a:buNone/>
+            </a:pPr>
+            <a:r>
+              <a:rPr lang="en-US" sz="2550" dirty="0">
+                <a:solidFill>
+                  <a:srgbClr val="17489E"/>
+                </a:solidFill>
+              </a:rPr>
+              <a:t>REST based API using JSON payload</a:t>
+            </a:r>
+          </a:p>
+          <a:p>
+            <a:endParaRPr lang="en-US" sz="2550" dirty="0">
+              <a:solidFill>
+                <a:srgbClr val="17489E"/>
+              </a:solidFill>
+            </a:endParaRPr>
+          </a:p>
+          <a:p>
+            <a:r>
+              <a:rPr lang="en-US" sz="2550" dirty="0">
+                <a:solidFill>
+                  <a:srgbClr val="17489E"/>
+                </a:solidFill>
+              </a:rPr>
+              <a:t>Allows Registration, Update, and Delete of assets</a:t>
+            </a:r>
+          </a:p>
+          <a:p>
+            <a:r>
+              <a:rPr lang="en-US" sz="2550" dirty="0">
+                <a:solidFill>
+                  <a:srgbClr val="17489E"/>
+                </a:solidFill>
+              </a:rPr>
+              <a:t>Allows Create, Update, Delete of annotations</a:t>
+            </a:r>
+          </a:p>
+          <a:p>
+            <a:r>
+              <a:rPr lang="en-US" sz="2550" dirty="0">
+                <a:solidFill>
+                  <a:srgbClr val="17489E"/>
+                </a:solidFill>
+              </a:rPr>
+              <a:t>Allows Rich search syntax</a:t>
+            </a:r>
+          </a:p>
+          <a:p>
+            <a:pPr lvl="1"/>
+            <a:r>
+              <a:rPr lang="en-US" sz="2354" dirty="0">
+                <a:solidFill>
+                  <a:srgbClr val="17489E"/>
+                </a:solidFill>
+              </a:rPr>
+              <a:t>Full-text search and exact match</a:t>
+            </a:r>
+          </a:p>
+          <a:p>
+            <a:pPr lvl="1"/>
+            <a:r>
+              <a:rPr lang="en-US" sz="2354" dirty="0">
+                <a:solidFill>
+                  <a:srgbClr val="17489E"/>
+                </a:solidFill>
+              </a:rPr>
+              <a:t>cross asset or scoped to a property</a:t>
+            </a:r>
+          </a:p>
+        </p:txBody>
+      </p:sp>
+    </p:spTree>
+    <p:extLst>
+      <p:ext uri="{BB962C8B-B14F-4D97-AF65-F5344CB8AC3E}">
+        <p14:creationId xmlns:p14="http://schemas.microsoft.com/office/powerpoint/2010/main" val="3874603457"/>
+      </p:ext>
+    </p:extLst>
+  </p:cSld>
+  <p:clrMapOvr>
+    <a:masterClrMapping/>
+  </p:clrMapOvr>
+  <mc:AlternateContent xmlns:mc="http://schemas.openxmlformats.org/markup-compatibility/2006" xmlns:p14="http://schemas.microsoft.com/office/powerpoint/2010/main">
+    <mc:Choice Requires="p14">
+      <p:transition p14:dur="10"/>
+    </mc:Choice>
+    <mc:Fallback xmlns="">
+      <p:transition/>
+    </mc:Fallback>
+  </mc:AlternateContent>
+</p:sld>
+</file>
+
+<file path=ppt/slides/slide11.xml><?xml version="1.0" encoding="utf-8"?>
+<p:sld xmlns:a="http://schemas.openxmlformats.org/drawingml/2006/main" xmlns:r="http://schemas.openxmlformats.org/officeDocument/2006/relationships" xmlns:p="http://schemas.openxmlformats.org/presentationml/2006/main">
+  <p:cSld>
+    <p:spTree>
+      <p:nvGrpSpPr>
+        <p:cNvPr id="1" name=""/>
+        <p:cNvGrpSpPr/>
+        <p:nvPr/>
+      </p:nvGrpSpPr>
+      <p:grpSpPr>
+        <a:xfrm>
+          <a:off x="0" y="0"/>
+          <a:ext cx="0" cy="0"/>
+          <a:chOff x="0" y="0"/>
+          <a:chExt cx="0" cy="0"/>
+        </a:xfrm>
+      </p:grpSpPr>
+      <p:sp>
+        <p:nvSpPr>
           <p:cNvPr id="12" name="Rectangle 11">
             <a:extLst>
               <a:ext uri="{FF2B5EF4-FFF2-40B4-BE49-F238E27FC236}">
@@ -5698,7 +5640,7 @@
 </p:sld>
 </file>
 
-<file path=ppt/slides/slide11.xml><?xml version="1.0" encoding="utf-8"?>
+<file path=ppt/slides/slide12.xml><?xml version="1.0" encoding="utf-8"?>
 <p:sld xmlns:a="http://schemas.openxmlformats.org/drawingml/2006/main" xmlns:r="http://schemas.openxmlformats.org/officeDocument/2006/relationships" xmlns:p="http://schemas.openxmlformats.org/presentationml/2006/main">
   <p:cSld>
     <p:spTree>
@@ -6002,7 +5944,7 @@
 </p:sld>
 </file>
 
-<file path=ppt/slides/slide12.xml><?xml version="1.0" encoding="utf-8"?>
+<file path=ppt/slides/slide13.xml><?xml version="1.0" encoding="utf-8"?>
 <p:sld xmlns:a="http://schemas.openxmlformats.org/drawingml/2006/main" xmlns:r="http://schemas.openxmlformats.org/officeDocument/2006/relationships" xmlns:p="http://schemas.openxmlformats.org/presentationml/2006/main">
   <p:cSld>
     <p:spTree>
@@ -6185,7 +6127,7 @@
 </p:sld>
 </file>
 
-<file path=ppt/slides/slide13.xml><?xml version="1.0" encoding="utf-8"?>
+<file path=ppt/slides/slide14.xml><?xml version="1.0" encoding="utf-8"?>
 <p:sld xmlns:a="http://schemas.openxmlformats.org/drawingml/2006/main" xmlns:r="http://schemas.openxmlformats.org/officeDocument/2006/relationships" xmlns:p="http://schemas.openxmlformats.org/presentationml/2006/main">
   <p:cSld>
     <p:spTree>
@@ -6336,7 +6278,7 @@
 </p:sld>
 </file>
 
-<file path=ppt/slides/slide14.xml><?xml version="1.0" encoding="utf-8"?>
+<file path=ppt/slides/slide15.xml><?xml version="1.0" encoding="utf-8"?>
 <p:sld xmlns:a="http://schemas.openxmlformats.org/drawingml/2006/main" xmlns:r="http://schemas.openxmlformats.org/officeDocument/2006/relationships" xmlns:p="http://schemas.openxmlformats.org/presentationml/2006/main">
   <p:cSld>
     <p:spTree>
@@ -6748,7 +6690,7 @@
 </p:sld>
 </file>
 
-<file path=ppt/slides/slide15.xml><?xml version="1.0" encoding="utf-8"?>
+<file path=ppt/slides/slide16.xml><?xml version="1.0" encoding="utf-8"?>
 <p:sld xmlns:a="http://schemas.openxmlformats.org/drawingml/2006/main" xmlns:r="http://schemas.openxmlformats.org/officeDocument/2006/relationships" xmlns:p="http://schemas.openxmlformats.org/presentationml/2006/main">
   <p:cSld>
     <p:spTree>
@@ -6980,7 +6922,7 @@
 </p:sld>
 </file>
 
-<file path=ppt/slides/slide16.xml><?xml version="1.0" encoding="utf-8"?>
+<file path=ppt/slides/slide17.xml><?xml version="1.0" encoding="utf-8"?>
 <p:sld xmlns:a="http://schemas.openxmlformats.org/drawingml/2006/main" xmlns:r="http://schemas.openxmlformats.org/officeDocument/2006/relationships" xmlns:p="http://schemas.openxmlformats.org/presentationml/2006/main">
   <p:cSld>
     <p:spTree>
@@ -7293,7 +7235,7 @@
 </p:sld>
 </file>
 
-<file path=ppt/slides/slide17.xml><?xml version="1.0" encoding="utf-8"?>
+<file path=ppt/slides/slide18.xml><?xml version="1.0" encoding="utf-8"?>
 <p:sld xmlns:a="http://schemas.openxmlformats.org/drawingml/2006/main" xmlns:r="http://schemas.openxmlformats.org/officeDocument/2006/relationships" xmlns:p="http://schemas.openxmlformats.org/presentationml/2006/main">
   <p:cSld>
     <p:spTree>
@@ -7534,7 +7476,7 @@
 </p:sld>
 </file>
 
-<file path=ppt/slides/slide18.xml><?xml version="1.0" encoding="utf-8"?>
+<file path=ppt/slides/slide19.xml><?xml version="1.0" encoding="utf-8"?>
 <p:sld xmlns:a="http://schemas.openxmlformats.org/drawingml/2006/main" xmlns:r="http://schemas.openxmlformats.org/officeDocument/2006/relationships" xmlns:p="http://schemas.openxmlformats.org/presentationml/2006/main">
   <p:cSld>
     <p:spTree>
@@ -7741,7 +7683,406 @@
 </p:sld>
 </file>
 
-<file path=ppt/slides/slide19.xml><?xml version="1.0" encoding="utf-8"?>
+<file path=ppt/slides/slide2.xml><?xml version="1.0" encoding="utf-8"?>
+<p:sld xmlns:a="http://schemas.openxmlformats.org/drawingml/2006/main" xmlns:r="http://schemas.openxmlformats.org/officeDocument/2006/relationships" xmlns:p="http://schemas.openxmlformats.org/presentationml/2006/main">
+  <p:cSld>
+    <p:bg>
+      <p:bgPr>
+        <a:solidFill>
+          <a:srgbClr val="17489E"/>
+        </a:solidFill>
+        <a:effectLst/>
+      </p:bgPr>
+    </p:bg>
+    <p:spTree>
+      <p:nvGrpSpPr>
+        <p:cNvPr id="1" name=""/>
+        <p:cNvGrpSpPr/>
+        <p:nvPr/>
+      </p:nvGrpSpPr>
+      <p:grpSpPr>
+        <a:xfrm>
+          <a:off x="0" y="0"/>
+          <a:ext cx="0" cy="0"/>
+          <a:chOff x="0" y="0"/>
+          <a:chExt cx="0" cy="0"/>
+        </a:xfrm>
+      </p:grpSpPr>
+      <p:sp>
+        <p:nvSpPr>
+          <p:cNvPr id="4" name="TextBox 3"/>
+          <p:cNvSpPr txBox="1"/>
+          <p:nvPr/>
+        </p:nvSpPr>
+        <p:spPr>
+          <a:xfrm>
+            <a:off x="408626" y="4844619"/>
+            <a:ext cx="11140751" cy="769441"/>
+          </a:xfrm>
+          <a:prstGeom prst="rect">
+            <a:avLst/>
+          </a:prstGeom>
+          <a:noFill/>
+        </p:spPr>
+        <p:txBody>
+          <a:bodyPr wrap="square" rtlCol="0">
+            <a:spAutoFit/>
+          </a:bodyPr>
+          <a:lstStyle/>
+          <a:p>
+            <a:r>
+              <a:rPr lang="en-US" sz="4400" dirty="0">
+                <a:solidFill>
+                  <a:schemeClr val="bg1"/>
+                </a:solidFill>
+              </a:rPr>
+              <a:t>Microsoft Azure Data Catalog</a:t>
+            </a:r>
+          </a:p>
+        </p:txBody>
+      </p:sp>
+      <p:pic>
+        <p:nvPicPr>
+          <p:cNvPr id="3" name="Picture 2"/>
+          <p:cNvPicPr>
+            <a:picLocks noChangeAspect="1"/>
+          </p:cNvPicPr>
+          <p:nvPr/>
+        </p:nvPicPr>
+        <p:blipFill>
+          <a:blip r:embed="rId3"/>
+          <a:stretch>
+            <a:fillRect/>
+          </a:stretch>
+        </p:blipFill>
+        <p:spPr>
+          <a:xfrm>
+            <a:off x="8025266" y="3093586"/>
+            <a:ext cx="4166734" cy="2535863"/>
+          </a:xfrm>
+          <a:prstGeom prst="rect">
+            <a:avLst/>
+          </a:prstGeom>
+          <a:solidFill>
+            <a:srgbClr val="2BAAE1"/>
+          </a:solidFill>
+          <a:ln>
+            <a:noFill/>
+          </a:ln>
+        </p:spPr>
+      </p:pic>
+      <p:sp>
+        <p:nvSpPr>
+          <p:cNvPr id="8" name="Rectangle 7"/>
+          <p:cNvSpPr/>
+          <p:nvPr/>
+        </p:nvSpPr>
+        <p:spPr>
+          <a:xfrm>
+            <a:off x="0" y="3093586"/>
+            <a:ext cx="8025266" cy="2535863"/>
+          </a:xfrm>
+          <a:prstGeom prst="rect">
+            <a:avLst/>
+          </a:prstGeom>
+          <a:solidFill>
+            <a:srgbClr val="2BAAE1"/>
+          </a:solidFill>
+          <a:ln>
+            <a:noFill/>
+          </a:ln>
+        </p:spPr>
+        <p:style>
+          <a:lnRef idx="2">
+            <a:schemeClr val="accent1">
+              <a:shade val="50000"/>
+            </a:schemeClr>
+          </a:lnRef>
+          <a:fillRef idx="1">
+            <a:schemeClr val="accent1"/>
+          </a:fillRef>
+          <a:effectRef idx="0">
+            <a:schemeClr val="accent1"/>
+          </a:effectRef>
+          <a:fontRef idx="minor">
+            <a:schemeClr val="lt1"/>
+          </a:fontRef>
+        </p:style>
+        <p:txBody>
+          <a:bodyPr rtlCol="0" anchor="ctr"/>
+          <a:lstStyle/>
+          <a:p>
+            <a:pPr algn="ctr"/>
+            <a:endParaRPr lang="en-US"/>
+          </a:p>
+        </p:txBody>
+      </p:sp>
+      <p:sp>
+        <p:nvSpPr>
+          <p:cNvPr id="9" name="TextBox 8"/>
+          <p:cNvSpPr txBox="1"/>
+          <p:nvPr/>
+        </p:nvSpPr>
+        <p:spPr>
+          <a:xfrm>
+            <a:off x="431662" y="3330465"/>
+            <a:ext cx="11140751" cy="1077218"/>
+          </a:xfrm>
+          <a:prstGeom prst="rect">
+            <a:avLst/>
+          </a:prstGeom>
+          <a:noFill/>
+        </p:spPr>
+        <p:txBody>
+          <a:bodyPr wrap="square" rtlCol="0">
+            <a:spAutoFit/>
+          </a:bodyPr>
+          <a:lstStyle/>
+          <a:p>
+            <a:r>
+              <a:rPr lang="en-US" sz="3200" i="1" dirty="0">
+                <a:solidFill>
+                  <a:schemeClr val="bg1"/>
+                </a:solidFill>
+              </a:rPr>
+              <a:t>Bryan Cafferky</a:t>
+            </a:r>
+          </a:p>
+          <a:p>
+            <a:r>
+              <a:rPr lang="en-US" sz="3200" i="1" dirty="0">
+                <a:solidFill>
+                  <a:schemeClr val="bg1"/>
+                </a:solidFill>
+              </a:rPr>
+              <a:t>Microsoft Technology </a:t>
+            </a:r>
+            <a:r>
+              <a:rPr lang="en-US" sz="3200" i="1">
+                <a:solidFill>
+                  <a:schemeClr val="bg1"/>
+                </a:solidFill>
+              </a:rPr>
+              <a:t>Solutions Professional</a:t>
+            </a:r>
+            <a:endParaRPr lang="en-US" sz="3200" i="1" dirty="0">
+              <a:solidFill>
+                <a:schemeClr val="bg1"/>
+              </a:solidFill>
+            </a:endParaRPr>
+          </a:p>
+        </p:txBody>
+      </p:sp>
+      <p:sp>
+        <p:nvSpPr>
+          <p:cNvPr id="10" name="TextBox 9"/>
+          <p:cNvSpPr txBox="1"/>
+          <p:nvPr/>
+        </p:nvSpPr>
+        <p:spPr>
+          <a:xfrm>
+            <a:off x="408626" y="1427398"/>
+            <a:ext cx="8703843" cy="830997"/>
+          </a:xfrm>
+          <a:prstGeom prst="rect">
+            <a:avLst/>
+          </a:prstGeom>
+          <a:noFill/>
+        </p:spPr>
+        <p:txBody>
+          <a:bodyPr wrap="square" rtlCol="0">
+            <a:spAutoFit/>
+          </a:bodyPr>
+          <a:lstStyle/>
+          <a:p>
+            <a:r>
+              <a:rPr lang="en-US" sz="4800" i="1" dirty="0">
+                <a:solidFill>
+                  <a:schemeClr val="bg1"/>
+                </a:solidFill>
+              </a:rPr>
+              <a:t>Introducing</a:t>
+            </a:r>
+          </a:p>
+        </p:txBody>
+      </p:sp>
+      <p:sp>
+        <p:nvSpPr>
+          <p:cNvPr id="12" name="TextBox 11"/>
+          <p:cNvSpPr txBox="1"/>
+          <p:nvPr/>
+        </p:nvSpPr>
+        <p:spPr>
+          <a:xfrm>
+            <a:off x="408626" y="2118698"/>
+            <a:ext cx="8703843" cy="830997"/>
+          </a:xfrm>
+          <a:prstGeom prst="rect">
+            <a:avLst/>
+          </a:prstGeom>
+          <a:noFill/>
+        </p:spPr>
+        <p:txBody>
+          <a:bodyPr wrap="square" rtlCol="0">
+            <a:spAutoFit/>
+          </a:bodyPr>
+          <a:lstStyle/>
+          <a:p>
+            <a:r>
+              <a:rPr lang="en-US" sz="4800" dirty="0">
+                <a:solidFill>
+                  <a:schemeClr val="bg1"/>
+                </a:solidFill>
+              </a:rPr>
+              <a:t>Microsoft Azure Data Catalog</a:t>
+            </a:r>
+          </a:p>
+        </p:txBody>
+      </p:sp>
+      <p:pic>
+        <p:nvPicPr>
+          <p:cNvPr id="13" name="Picture 12"/>
+          <p:cNvPicPr>
+            <a:picLocks noChangeAspect="1"/>
+          </p:cNvPicPr>
+          <p:nvPr/>
+        </p:nvPicPr>
+        <p:blipFill>
+          <a:blip r:embed="rId4" cstate="print">
+            <a:extLst>
+              <a:ext uri="{28A0092B-C50C-407E-A947-70E740481C1C}">
+                <a14:useLocalDpi xmlns:a14="http://schemas.microsoft.com/office/drawing/2010/main" val="0"/>
+              </a:ext>
+            </a:extLst>
+          </a:blip>
+          <a:stretch>
+            <a:fillRect/>
+          </a:stretch>
+        </p:blipFill>
+        <p:spPr>
+          <a:xfrm>
+            <a:off x="11254998" y="4389524"/>
+            <a:ext cx="890930" cy="693165"/>
+          </a:xfrm>
+          <a:prstGeom prst="rect">
+            <a:avLst/>
+          </a:prstGeom>
+        </p:spPr>
+      </p:pic>
+      <p:sp>
+        <p:nvSpPr>
+          <p:cNvPr id="2" name="Rectangle 1">
+            <a:extLst>
+              <a:ext uri="{FF2B5EF4-FFF2-40B4-BE49-F238E27FC236}">
+                <a16:creationId xmlns:a16="http://schemas.microsoft.com/office/drawing/2014/main" id="{A96DE41C-0F03-48E5-9865-C28051E7FD35}"/>
+              </a:ext>
+            </a:extLst>
+          </p:cNvPr>
+          <p:cNvSpPr/>
+          <p:nvPr/>
+        </p:nvSpPr>
+        <p:spPr>
+          <a:xfrm>
+            <a:off x="503238" y="5974050"/>
+            <a:ext cx="6560292" cy="369332"/>
+          </a:xfrm>
+          <a:prstGeom prst="rect">
+            <a:avLst/>
+          </a:prstGeom>
+        </p:spPr>
+        <p:txBody>
+          <a:bodyPr wrap="square">
+            <a:spAutoFit/>
+          </a:bodyPr>
+          <a:lstStyle/>
+          <a:p>
+            <a:r>
+              <a:rPr lang="en-US" dirty="0">
+                <a:solidFill>
+                  <a:schemeClr val="bg1"/>
+                </a:solidFill>
+                <a:highlight>
+                  <a:srgbClr val="EFEFEF"/>
+                </a:highlight>
+                <a:hlinkClick r:id="rId5"/>
+              </a:rPr>
+              <a:t>https://github.com/bcafferky/shared/tree/master/AzureDataCatalog</a:t>
+            </a:r>
+            <a:endParaRPr lang="en-US" dirty="0">
+              <a:solidFill>
+                <a:schemeClr val="bg1"/>
+              </a:solidFill>
+              <a:highlight>
+                <a:srgbClr val="EFEFEF"/>
+              </a:highlight>
+            </a:endParaRPr>
+          </a:p>
+        </p:txBody>
+      </p:sp>
+      <p:sp>
+        <p:nvSpPr>
+          <p:cNvPr id="5" name="Rectangle 4">
+            <a:extLst>
+              <a:ext uri="{FF2B5EF4-FFF2-40B4-BE49-F238E27FC236}">
+                <a16:creationId xmlns:a16="http://schemas.microsoft.com/office/drawing/2014/main" id="{204CC851-0657-48EC-9072-392023640277}"/>
+              </a:ext>
+            </a:extLst>
+          </p:cNvPr>
+          <p:cNvSpPr/>
+          <p:nvPr/>
+        </p:nvSpPr>
+        <p:spPr>
+          <a:xfrm>
+            <a:off x="503238" y="6373666"/>
+            <a:ext cx="3643241" cy="369332"/>
+          </a:xfrm>
+          <a:prstGeom prst="rect">
+            <a:avLst/>
+          </a:prstGeom>
+        </p:spPr>
+        <p:txBody>
+          <a:bodyPr wrap="none">
+            <a:spAutoFit/>
+          </a:bodyPr>
+          <a:lstStyle/>
+          <a:p>
+            <a:r>
+              <a:rPr lang="en-US" dirty="0">
+                <a:solidFill>
+                  <a:schemeClr val="bg1"/>
+                </a:solidFill>
+                <a:highlight>
+                  <a:srgbClr val="EFEFEF"/>
+                </a:highlight>
+                <a:hlinkClick r:id="rId6"/>
+              </a:rPr>
+              <a:t>https://github.com/bcafferky/shared</a:t>
+            </a:r>
+            <a:endParaRPr lang="en-US" dirty="0">
+              <a:solidFill>
+                <a:schemeClr val="bg1"/>
+              </a:solidFill>
+              <a:highlight>
+                <a:srgbClr val="EFEFEF"/>
+              </a:highlight>
+            </a:endParaRPr>
+          </a:p>
+        </p:txBody>
+      </p:sp>
+    </p:spTree>
+    <p:extLst>
+      <p:ext uri="{BB962C8B-B14F-4D97-AF65-F5344CB8AC3E}">
+        <p14:creationId xmlns:p14="http://schemas.microsoft.com/office/powerpoint/2010/main" val="1872706970"/>
+      </p:ext>
+    </p:extLst>
+  </p:cSld>
+  <p:clrMapOvr>
+    <a:masterClrMapping/>
+  </p:clrMapOvr>
+</p:sld>
+</file>
+
+<file path=ppt/slides/slide20.xml><?xml version="1.0" encoding="utf-8"?>
 <p:sld xmlns:a="http://schemas.openxmlformats.org/drawingml/2006/main" xmlns:r="http://schemas.openxmlformats.org/officeDocument/2006/relationships" xmlns:p="http://schemas.openxmlformats.org/presentationml/2006/main">
   <p:cSld>
     <p:spTree>
@@ -7887,7 +8228,1014 @@
 </p:sld>
 </file>
 
-<file path=ppt/slides/slide2.xml><?xml version="1.0" encoding="utf-8"?>
+<file path=ppt/slides/slide21.xml><?xml version="1.0" encoding="utf-8"?>
+<p:sld xmlns:a="http://schemas.openxmlformats.org/drawingml/2006/main" xmlns:r="http://schemas.openxmlformats.org/officeDocument/2006/relationships" xmlns:p="http://schemas.openxmlformats.org/presentationml/2006/main">
+  <p:cSld>
+    <p:spTree>
+      <p:nvGrpSpPr>
+        <p:cNvPr id="1" name=""/>
+        <p:cNvGrpSpPr/>
+        <p:nvPr/>
+      </p:nvGrpSpPr>
+      <p:grpSpPr>
+        <a:xfrm>
+          <a:off x="0" y="0"/>
+          <a:ext cx="0" cy="0"/>
+          <a:chOff x="0" y="0"/>
+          <a:chExt cx="0" cy="0"/>
+        </a:xfrm>
+      </p:grpSpPr>
+      <p:sp>
+        <p:nvSpPr>
+          <p:cNvPr id="2" name="Title 1"/>
+          <p:cNvSpPr>
+            <a:spLocks noGrp="1"/>
+          </p:cNvSpPr>
+          <p:nvPr>
+            <p:ph type="title"/>
+          </p:nvPr>
+        </p:nvSpPr>
+        <p:spPr/>
+        <p:txBody>
+          <a:bodyPr/>
+          <a:lstStyle/>
+          <a:p>
+            <a:r>
+              <a:rPr lang="en-US" dirty="0">
+                <a:solidFill>
+                  <a:srgbClr val="17489E"/>
+                </a:solidFill>
+              </a:rPr>
+              <a:t>Request Access</a:t>
+            </a:r>
+          </a:p>
+        </p:txBody>
+      </p:sp>
+      <p:sp>
+        <p:nvSpPr>
+          <p:cNvPr id="3" name="Content Placeholder 2"/>
+          <p:cNvSpPr>
+            <a:spLocks noGrp="1"/>
+          </p:cNvSpPr>
+          <p:nvPr>
+            <p:ph sz="quarter" idx="10"/>
+          </p:nvPr>
+        </p:nvSpPr>
+        <p:spPr>
+          <a:xfrm>
+            <a:off x="268928" y="1418132"/>
+            <a:ext cx="10556077" cy="4902995"/>
+          </a:xfrm>
+        </p:spPr>
+        <p:txBody>
+          <a:bodyPr>
+            <a:normAutofit/>
+          </a:bodyPr>
+          <a:lstStyle/>
+          <a:p>
+            <a:r>
+              <a:rPr lang="en-US" dirty="0">
+                <a:solidFill>
+                  <a:schemeClr val="tx1"/>
+                </a:solidFill>
+              </a:rPr>
+              <a:t>Unblock users who discover data assets</a:t>
+            </a:r>
+          </a:p>
+          <a:p>
+            <a:r>
+              <a:rPr lang="en-US" dirty="0">
+                <a:solidFill>
+                  <a:schemeClr val="tx1"/>
+                </a:solidFill>
+              </a:rPr>
+              <a:t>Integrate in with existing tools and processes</a:t>
+            </a:r>
+          </a:p>
+          <a:p>
+            <a:r>
+              <a:rPr lang="en-US" dirty="0">
+                <a:solidFill>
+                  <a:schemeClr val="tx1"/>
+                </a:solidFill>
+              </a:rPr>
+              <a:t>Include instructions inline with connection info</a:t>
+            </a:r>
+          </a:p>
+          <a:p>
+            <a:r>
+              <a:rPr lang="en-US" dirty="0">
+                <a:solidFill>
+                  <a:schemeClr val="tx1"/>
+                </a:solidFill>
+              </a:rPr>
+              <a:t>Link to individuals or teams who manage data source access</a:t>
+            </a:r>
+          </a:p>
+          <a:p>
+            <a:r>
+              <a:rPr lang="en-US" dirty="0">
+                <a:solidFill>
+                  <a:schemeClr val="tx1"/>
+                </a:solidFill>
+              </a:rPr>
+              <a:t>Link to existing process documentation</a:t>
+            </a:r>
+          </a:p>
+          <a:p>
+            <a:r>
+              <a:rPr lang="en-US" dirty="0">
+                <a:solidFill>
+                  <a:schemeClr val="tx1"/>
+                </a:solidFill>
+              </a:rPr>
+              <a:t>Link to self-service identity management tools like Forefront Identity Manager</a:t>
+            </a:r>
+          </a:p>
+          <a:p>
+            <a:endParaRPr lang="en-US" dirty="0">
+              <a:solidFill>
+                <a:schemeClr val="tx1"/>
+              </a:solidFill>
+            </a:endParaRPr>
+          </a:p>
+        </p:txBody>
+      </p:sp>
+      <p:pic>
+        <p:nvPicPr>
+          <p:cNvPr id="4" name="Picture 3"/>
+          <p:cNvPicPr>
+            <a:picLocks noChangeAspect="1"/>
+          </p:cNvPicPr>
+          <p:nvPr/>
+        </p:nvPicPr>
+        <p:blipFill>
+          <a:blip r:embed="rId3"/>
+          <a:stretch>
+            <a:fillRect/>
+          </a:stretch>
+        </p:blipFill>
+        <p:spPr>
+          <a:xfrm>
+            <a:off x="6208456" y="4650658"/>
+            <a:ext cx="5393355" cy="1813283"/>
+          </a:xfrm>
+          <a:prstGeom prst="rect">
+            <a:avLst/>
+          </a:prstGeom>
+        </p:spPr>
+      </p:pic>
+    </p:spTree>
+    <p:extLst>
+      <p:ext uri="{BB962C8B-B14F-4D97-AF65-F5344CB8AC3E}">
+        <p14:creationId xmlns:p14="http://schemas.microsoft.com/office/powerpoint/2010/main" val="1645980149"/>
+      </p:ext>
+    </p:extLst>
+  </p:cSld>
+  <p:clrMapOvr>
+    <a:masterClrMapping/>
+  </p:clrMapOvr>
+  <mc:AlternateContent xmlns:mc="http://schemas.openxmlformats.org/markup-compatibility/2006" xmlns:p14="http://schemas.microsoft.com/office/powerpoint/2010/main">
+    <mc:Choice Requires="p14">
+      <p:transition p14:dur="10"/>
+    </mc:Choice>
+    <mc:Fallback xmlns="">
+      <p:transition/>
+    </mc:Fallback>
+  </mc:AlternateContent>
+</p:sld>
+</file>
+
+<file path=ppt/slides/slide22.xml><?xml version="1.0" encoding="utf-8"?>
+<p:sld xmlns:a="http://schemas.openxmlformats.org/drawingml/2006/main" xmlns:r="http://schemas.openxmlformats.org/officeDocument/2006/relationships" xmlns:p="http://schemas.openxmlformats.org/presentationml/2006/main">
+  <p:cSld>
+    <p:spTree>
+      <p:nvGrpSpPr>
+        <p:cNvPr id="1" name=""/>
+        <p:cNvGrpSpPr/>
+        <p:nvPr/>
+      </p:nvGrpSpPr>
+      <p:grpSpPr>
+        <a:xfrm>
+          <a:off x="0" y="0"/>
+          <a:ext cx="0" cy="0"/>
+          <a:chOff x="0" y="0"/>
+          <a:chExt cx="0" cy="0"/>
+        </a:xfrm>
+      </p:grpSpPr>
+      <p:sp>
+        <p:nvSpPr>
+          <p:cNvPr id="2" name="Title 1"/>
+          <p:cNvSpPr>
+            <a:spLocks noGrp="1"/>
+          </p:cNvSpPr>
+          <p:nvPr>
+            <p:ph type="title"/>
+          </p:nvPr>
+        </p:nvSpPr>
+        <p:spPr/>
+        <p:txBody>
+          <a:bodyPr/>
+          <a:lstStyle/>
+          <a:p>
+            <a:r>
+              <a:rPr lang="en-US" dirty="0">
+                <a:solidFill>
+                  <a:srgbClr val="17489E"/>
+                </a:solidFill>
+              </a:rPr>
+              <a:t>Contextual Asset Consumption</a:t>
+            </a:r>
+          </a:p>
+        </p:txBody>
+      </p:sp>
+      <p:sp>
+        <p:nvSpPr>
+          <p:cNvPr id="3" name="Content Placeholder 2"/>
+          <p:cNvSpPr>
+            <a:spLocks noGrp="1"/>
+          </p:cNvSpPr>
+          <p:nvPr>
+            <p:ph sz="quarter" idx="10"/>
+          </p:nvPr>
+        </p:nvSpPr>
+        <p:spPr>
+          <a:xfrm>
+            <a:off x="269239" y="1663938"/>
+            <a:ext cx="5179242" cy="4902995"/>
+          </a:xfrm>
+        </p:spPr>
+        <p:txBody>
+          <a:bodyPr/>
+          <a:lstStyle/>
+          <a:p>
+            <a:r>
+              <a:rPr lang="en-US" dirty="0">
+                <a:solidFill>
+                  <a:schemeClr val="tx1"/>
+                </a:solidFill>
+              </a:rPr>
+              <a:t>Users can open selected data assets in supported client applications</a:t>
+            </a:r>
+          </a:p>
+          <a:p>
+            <a:r>
+              <a:rPr lang="en-US" dirty="0">
+                <a:solidFill>
+                  <a:schemeClr val="tx1"/>
+                </a:solidFill>
+              </a:rPr>
+              <a:t>Data asset properties include complete connection information for use in any client application</a:t>
+            </a:r>
+          </a:p>
+          <a:p>
+            <a:r>
+              <a:rPr lang="en-US" dirty="0">
+                <a:solidFill>
+                  <a:schemeClr val="tx1"/>
+                </a:solidFill>
+              </a:rPr>
+              <a:t>Pre-built connection strings are available for data developers </a:t>
+            </a:r>
+          </a:p>
+        </p:txBody>
+      </p:sp>
+      <p:pic>
+        <p:nvPicPr>
+          <p:cNvPr id="5" name="Picture 4"/>
+          <p:cNvPicPr>
+            <a:picLocks noChangeAspect="1"/>
+          </p:cNvPicPr>
+          <p:nvPr/>
+        </p:nvPicPr>
+        <p:blipFill>
+          <a:blip r:embed="rId3"/>
+          <a:stretch>
+            <a:fillRect/>
+          </a:stretch>
+        </p:blipFill>
+        <p:spPr>
+          <a:xfrm>
+            <a:off x="5448481" y="1187621"/>
+            <a:ext cx="2895238" cy="4171429"/>
+          </a:xfrm>
+          <a:prstGeom prst="rect">
+            <a:avLst/>
+          </a:prstGeom>
+        </p:spPr>
+      </p:pic>
+      <p:sp>
+        <p:nvSpPr>
+          <p:cNvPr id="8" name="Oval 7"/>
+          <p:cNvSpPr/>
+          <p:nvPr/>
+        </p:nvSpPr>
+        <p:spPr>
+          <a:xfrm>
+            <a:off x="7738074" y="1231763"/>
+            <a:ext cx="480060" cy="480060"/>
+          </a:xfrm>
+          <a:prstGeom prst="ellipse">
+            <a:avLst/>
+          </a:prstGeom>
+          <a:solidFill>
+            <a:srgbClr val="FF0000"/>
+          </a:solidFill>
+        </p:spPr>
+        <p:style>
+          <a:lnRef idx="2">
+            <a:schemeClr val="accent1">
+              <a:shade val="50000"/>
+            </a:schemeClr>
+          </a:lnRef>
+          <a:fillRef idx="1">
+            <a:schemeClr val="accent1"/>
+          </a:fillRef>
+          <a:effectRef idx="0">
+            <a:schemeClr val="accent1"/>
+          </a:effectRef>
+          <a:fontRef idx="minor">
+            <a:schemeClr val="lt1"/>
+          </a:fontRef>
+        </p:style>
+        <p:txBody>
+          <a:bodyPr rtlCol="0" anchor="ctr"/>
+          <a:lstStyle/>
+          <a:p>
+            <a:pPr algn="ctr"/>
+            <a:endParaRPr lang="en-US"/>
+          </a:p>
+        </p:txBody>
+      </p:sp>
+      <p:pic>
+        <p:nvPicPr>
+          <p:cNvPr id="6" name="Picture 5"/>
+          <p:cNvPicPr>
+            <a:picLocks noChangeAspect="1"/>
+          </p:cNvPicPr>
+          <p:nvPr/>
+        </p:nvPicPr>
+        <p:blipFill>
+          <a:blip r:embed="rId4"/>
+          <a:stretch>
+            <a:fillRect/>
+          </a:stretch>
+        </p:blipFill>
+        <p:spPr>
+          <a:xfrm>
+            <a:off x="5448481" y="1187621"/>
+            <a:ext cx="6171429" cy="3419048"/>
+          </a:xfrm>
+          <a:prstGeom prst="rect">
+            <a:avLst/>
+          </a:prstGeom>
+        </p:spPr>
+      </p:pic>
+      <p:sp>
+        <p:nvSpPr>
+          <p:cNvPr id="9" name="Oval 8"/>
+          <p:cNvSpPr/>
+          <p:nvPr/>
+        </p:nvSpPr>
+        <p:spPr>
+          <a:xfrm>
+            <a:off x="10254200" y="3815235"/>
+            <a:ext cx="480060" cy="480060"/>
+          </a:xfrm>
+          <a:prstGeom prst="ellipse">
+            <a:avLst/>
+          </a:prstGeom>
+          <a:solidFill>
+            <a:srgbClr val="FF0000"/>
+          </a:solidFill>
+        </p:spPr>
+        <p:style>
+          <a:lnRef idx="2">
+            <a:schemeClr val="accent1">
+              <a:shade val="50000"/>
+            </a:schemeClr>
+          </a:lnRef>
+          <a:fillRef idx="1">
+            <a:schemeClr val="accent1"/>
+          </a:fillRef>
+          <a:effectRef idx="0">
+            <a:schemeClr val="accent1"/>
+          </a:effectRef>
+          <a:fontRef idx="minor">
+            <a:schemeClr val="lt1"/>
+          </a:fontRef>
+        </p:style>
+        <p:txBody>
+          <a:bodyPr rtlCol="0" anchor="ctr"/>
+          <a:lstStyle/>
+          <a:p>
+            <a:pPr algn="ctr"/>
+            <a:endParaRPr lang="en-US"/>
+          </a:p>
+        </p:txBody>
+      </p:sp>
+      <p:pic>
+        <p:nvPicPr>
+          <p:cNvPr id="7" name="Picture 6"/>
+          <p:cNvPicPr>
+            <a:picLocks noChangeAspect="1"/>
+          </p:cNvPicPr>
+          <p:nvPr/>
+        </p:nvPicPr>
+        <p:blipFill>
+          <a:blip r:embed="rId5"/>
+          <a:stretch>
+            <a:fillRect/>
+          </a:stretch>
+        </p:blipFill>
+        <p:spPr>
+          <a:xfrm>
+            <a:off x="6896100" y="2759531"/>
+            <a:ext cx="4228667" cy="3694275"/>
+          </a:xfrm>
+          <a:prstGeom prst="rect">
+            <a:avLst/>
+          </a:prstGeom>
+        </p:spPr>
+      </p:pic>
+    </p:spTree>
+    <p:extLst>
+      <p:ext uri="{BB962C8B-B14F-4D97-AF65-F5344CB8AC3E}">
+        <p14:creationId xmlns:p14="http://schemas.microsoft.com/office/powerpoint/2010/main" val="566861266"/>
+      </p:ext>
+    </p:extLst>
+  </p:cSld>
+  <p:clrMapOvr>
+    <a:masterClrMapping/>
+  </p:clrMapOvr>
+  <mc:AlternateContent xmlns:mc="http://schemas.openxmlformats.org/markup-compatibility/2006" xmlns:p14="http://schemas.microsoft.com/office/powerpoint/2010/main">
+    <mc:Choice Requires="p14">
+      <p:transition p14:dur="10"/>
+    </mc:Choice>
+    <mc:Fallback xmlns="">
+      <p:transition/>
+    </mc:Fallback>
+  </mc:AlternateContent>
+  <p:timing>
+    <p:tnLst>
+      <p:par>
+        <p:cTn id="1" dur="indefinite" restart="never" nodeType="tmRoot">
+          <p:childTnLst>
+            <p:seq concurrent="1" nextAc="seek">
+              <p:cTn id="2" dur="indefinite" nodeType="mainSeq">
+                <p:childTnLst>
+                  <p:par>
+                    <p:cTn id="3" fill="hold">
+                      <p:stCondLst>
+                        <p:cond delay="indefinite"/>
+                        <p:cond evt="onBegin" delay="0">
+                          <p:tn val="2"/>
+                        </p:cond>
+                      </p:stCondLst>
+                      <p:childTnLst>
+                        <p:par>
+                          <p:cTn id="4" fill="hold">
+                            <p:stCondLst>
+                              <p:cond delay="0"/>
+                            </p:stCondLst>
+                            <p:childTnLst>
+                              <p:par>
+                                <p:cTn id="5" presetID="10" presetClass="entr" presetSubtype="0" fill="hold" nodeType="withEffect">
+                                  <p:stCondLst>
+                                    <p:cond delay="0"/>
+                                  </p:stCondLst>
+                                  <p:childTnLst>
+                                    <p:set>
+                                      <p:cBhvr>
+                                        <p:cTn id="6" dur="1" fill="hold">
+                                          <p:stCondLst>
+                                            <p:cond delay="0"/>
+                                          </p:stCondLst>
+                                        </p:cTn>
+                                        <p:tgtEl>
+                                          <p:spTgt spid="5"/>
+                                        </p:tgtEl>
+                                        <p:attrNameLst>
+                                          <p:attrName>style.visibility</p:attrName>
+                                        </p:attrNameLst>
+                                      </p:cBhvr>
+                                      <p:to>
+                                        <p:strVal val="visible"/>
+                                      </p:to>
+                                    </p:set>
+                                    <p:animEffect transition="in" filter="fade">
+                                      <p:cBhvr>
+                                        <p:cTn id="7" dur="500"/>
+                                        <p:tgtEl>
+                                          <p:spTgt spid="5"/>
+                                        </p:tgtEl>
+                                      </p:cBhvr>
+                                    </p:animEffect>
+                                  </p:childTnLst>
+                                </p:cTn>
+                              </p:par>
+                            </p:childTnLst>
+                          </p:cTn>
+                        </p:par>
+                      </p:childTnLst>
+                    </p:cTn>
+                  </p:par>
+                  <p:par>
+                    <p:cTn id="8" fill="hold">
+                      <p:stCondLst>
+                        <p:cond delay="indefinite"/>
+                      </p:stCondLst>
+                      <p:childTnLst>
+                        <p:par>
+                          <p:cTn id="9" fill="hold">
+                            <p:stCondLst>
+                              <p:cond delay="0"/>
+                            </p:stCondLst>
+                            <p:childTnLst>
+                              <p:par>
+                                <p:cTn id="10" presetID="10" presetClass="entr" presetSubtype="0" fill="hold" grpId="0" nodeType="clickEffect">
+                                  <p:stCondLst>
+                                    <p:cond delay="0"/>
+                                  </p:stCondLst>
+                                  <p:childTnLst>
+                                    <p:set>
+                                      <p:cBhvr>
+                                        <p:cTn id="11" dur="1" fill="hold">
+                                          <p:stCondLst>
+                                            <p:cond delay="0"/>
+                                          </p:stCondLst>
+                                        </p:cTn>
+                                        <p:tgtEl>
+                                          <p:spTgt spid="8"/>
+                                        </p:tgtEl>
+                                        <p:attrNameLst>
+                                          <p:attrName>style.visibility</p:attrName>
+                                        </p:attrNameLst>
+                                      </p:cBhvr>
+                                      <p:to>
+                                        <p:strVal val="visible"/>
+                                      </p:to>
+                                    </p:set>
+                                    <p:animEffect transition="in" filter="fade">
+                                      <p:cBhvr>
+                                        <p:cTn id="12" dur="500"/>
+                                        <p:tgtEl>
+                                          <p:spTgt spid="8"/>
+                                        </p:tgtEl>
+                                      </p:cBhvr>
+                                    </p:animEffect>
+                                  </p:childTnLst>
+                                </p:cTn>
+                              </p:par>
+                              <p:par>
+                                <p:cTn id="13" presetID="10" presetClass="entr" presetSubtype="0" fill="hold" nodeType="withEffect">
+                                  <p:stCondLst>
+                                    <p:cond delay="0"/>
+                                  </p:stCondLst>
+                                  <p:childTnLst>
+                                    <p:set>
+                                      <p:cBhvr>
+                                        <p:cTn id="14" dur="1" fill="hold">
+                                          <p:stCondLst>
+                                            <p:cond delay="0"/>
+                                          </p:stCondLst>
+                                        </p:cTn>
+                                        <p:tgtEl>
+                                          <p:spTgt spid="6"/>
+                                        </p:tgtEl>
+                                        <p:attrNameLst>
+                                          <p:attrName>style.visibility</p:attrName>
+                                        </p:attrNameLst>
+                                      </p:cBhvr>
+                                      <p:to>
+                                        <p:strVal val="visible"/>
+                                      </p:to>
+                                    </p:set>
+                                    <p:animEffect transition="in" filter="fade">
+                                      <p:cBhvr>
+                                        <p:cTn id="15" dur="500"/>
+                                        <p:tgtEl>
+                                          <p:spTgt spid="6"/>
+                                        </p:tgtEl>
+                                      </p:cBhvr>
+                                    </p:animEffect>
+                                  </p:childTnLst>
+                                </p:cTn>
+                              </p:par>
+                              <p:par>
+                                <p:cTn id="16" presetID="10" presetClass="exit" presetSubtype="0" fill="hold" nodeType="withEffect">
+                                  <p:stCondLst>
+                                    <p:cond delay="0"/>
+                                  </p:stCondLst>
+                                  <p:childTnLst>
+                                    <p:animEffect transition="out" filter="fade">
+                                      <p:cBhvr>
+                                        <p:cTn id="17" dur="500"/>
+                                        <p:tgtEl>
+                                          <p:spTgt spid="5"/>
+                                        </p:tgtEl>
+                                      </p:cBhvr>
+                                    </p:animEffect>
+                                    <p:set>
+                                      <p:cBhvr>
+                                        <p:cTn id="18" dur="1" fill="hold">
+                                          <p:stCondLst>
+                                            <p:cond delay="499"/>
+                                          </p:stCondLst>
+                                        </p:cTn>
+                                        <p:tgtEl>
+                                          <p:spTgt spid="5"/>
+                                        </p:tgtEl>
+                                        <p:attrNameLst>
+                                          <p:attrName>style.visibility</p:attrName>
+                                        </p:attrNameLst>
+                                      </p:cBhvr>
+                                      <p:to>
+                                        <p:strVal val="hidden"/>
+                                      </p:to>
+                                    </p:set>
+                                  </p:childTnLst>
+                                </p:cTn>
+                              </p:par>
+                            </p:childTnLst>
+                          </p:cTn>
+                        </p:par>
+                        <p:par>
+                          <p:cTn id="19" fill="hold">
+                            <p:stCondLst>
+                              <p:cond delay="500"/>
+                            </p:stCondLst>
+                            <p:childTnLst>
+                              <p:par>
+                                <p:cTn id="20" presetID="10" presetClass="exit" presetSubtype="0" fill="hold" grpId="1" nodeType="afterEffect">
+                                  <p:stCondLst>
+                                    <p:cond delay="0"/>
+                                  </p:stCondLst>
+                                  <p:childTnLst>
+                                    <p:animEffect transition="out" filter="fade">
+                                      <p:cBhvr>
+                                        <p:cTn id="21" dur="500"/>
+                                        <p:tgtEl>
+                                          <p:spTgt spid="8"/>
+                                        </p:tgtEl>
+                                      </p:cBhvr>
+                                    </p:animEffect>
+                                    <p:set>
+                                      <p:cBhvr>
+                                        <p:cTn id="22" dur="1" fill="hold">
+                                          <p:stCondLst>
+                                            <p:cond delay="499"/>
+                                          </p:stCondLst>
+                                        </p:cTn>
+                                        <p:tgtEl>
+                                          <p:spTgt spid="8"/>
+                                        </p:tgtEl>
+                                        <p:attrNameLst>
+                                          <p:attrName>style.visibility</p:attrName>
+                                        </p:attrNameLst>
+                                      </p:cBhvr>
+                                      <p:to>
+                                        <p:strVal val="hidden"/>
+                                      </p:to>
+                                    </p:set>
+                                  </p:childTnLst>
+                                </p:cTn>
+                              </p:par>
+                            </p:childTnLst>
+                          </p:cTn>
+                        </p:par>
+                      </p:childTnLst>
+                    </p:cTn>
+                  </p:par>
+                  <p:par>
+                    <p:cTn id="23" fill="hold">
+                      <p:stCondLst>
+                        <p:cond delay="indefinite"/>
+                      </p:stCondLst>
+                      <p:childTnLst>
+                        <p:par>
+                          <p:cTn id="24" fill="hold">
+                            <p:stCondLst>
+                              <p:cond delay="0"/>
+                            </p:stCondLst>
+                            <p:childTnLst>
+                              <p:par>
+                                <p:cTn id="25" presetID="10" presetClass="entr" presetSubtype="0" fill="hold" nodeType="clickEffect">
+                                  <p:stCondLst>
+                                    <p:cond delay="0"/>
+                                  </p:stCondLst>
+                                  <p:childTnLst>
+                                    <p:set>
+                                      <p:cBhvr>
+                                        <p:cTn id="26" dur="1" fill="hold">
+                                          <p:stCondLst>
+                                            <p:cond delay="0"/>
+                                          </p:stCondLst>
+                                        </p:cTn>
+                                        <p:tgtEl>
+                                          <p:spTgt spid="7"/>
+                                        </p:tgtEl>
+                                        <p:attrNameLst>
+                                          <p:attrName>style.visibility</p:attrName>
+                                        </p:attrNameLst>
+                                      </p:cBhvr>
+                                      <p:to>
+                                        <p:strVal val="visible"/>
+                                      </p:to>
+                                    </p:set>
+                                    <p:animEffect transition="in" filter="fade">
+                                      <p:cBhvr>
+                                        <p:cTn id="27" dur="500"/>
+                                        <p:tgtEl>
+                                          <p:spTgt spid="7"/>
+                                        </p:tgtEl>
+                                      </p:cBhvr>
+                                    </p:animEffect>
+                                  </p:childTnLst>
+                                </p:cTn>
+                              </p:par>
+                              <p:par>
+                                <p:cTn id="28" presetID="10" presetClass="entr" presetSubtype="0" fill="hold" grpId="0" nodeType="withEffect">
+                                  <p:stCondLst>
+                                    <p:cond delay="0"/>
+                                  </p:stCondLst>
+                                  <p:childTnLst>
+                                    <p:set>
+                                      <p:cBhvr>
+                                        <p:cTn id="29" dur="1" fill="hold">
+                                          <p:stCondLst>
+                                            <p:cond delay="0"/>
+                                          </p:stCondLst>
+                                        </p:cTn>
+                                        <p:tgtEl>
+                                          <p:spTgt spid="9"/>
+                                        </p:tgtEl>
+                                        <p:attrNameLst>
+                                          <p:attrName>style.visibility</p:attrName>
+                                        </p:attrNameLst>
+                                      </p:cBhvr>
+                                      <p:to>
+                                        <p:strVal val="visible"/>
+                                      </p:to>
+                                    </p:set>
+                                    <p:animEffect transition="in" filter="fade">
+                                      <p:cBhvr>
+                                        <p:cTn id="30" dur="500"/>
+                                        <p:tgtEl>
+                                          <p:spTgt spid="9"/>
+                                        </p:tgtEl>
+                                      </p:cBhvr>
+                                    </p:animEffect>
+                                  </p:childTnLst>
+                                </p:cTn>
+                              </p:par>
+                            </p:childTnLst>
+                          </p:cTn>
+                        </p:par>
+                        <p:par>
+                          <p:cTn id="31" fill="hold">
+                            <p:stCondLst>
+                              <p:cond delay="500"/>
+                            </p:stCondLst>
+                            <p:childTnLst>
+                              <p:par>
+                                <p:cTn id="32" presetID="10" presetClass="exit" presetSubtype="0" fill="hold" grpId="1" nodeType="afterEffect">
+                                  <p:stCondLst>
+                                    <p:cond delay="0"/>
+                                  </p:stCondLst>
+                                  <p:childTnLst>
+                                    <p:animEffect transition="out" filter="fade">
+                                      <p:cBhvr>
+                                        <p:cTn id="33" dur="500"/>
+                                        <p:tgtEl>
+                                          <p:spTgt spid="9"/>
+                                        </p:tgtEl>
+                                      </p:cBhvr>
+                                    </p:animEffect>
+                                    <p:set>
+                                      <p:cBhvr>
+                                        <p:cTn id="34" dur="1" fill="hold">
+                                          <p:stCondLst>
+                                            <p:cond delay="499"/>
+                                          </p:stCondLst>
+                                        </p:cTn>
+                                        <p:tgtEl>
+                                          <p:spTgt spid="9"/>
+                                        </p:tgtEl>
+                                        <p:attrNameLst>
+                                          <p:attrName>style.visibility</p:attrName>
+                                        </p:attrNameLst>
+                                      </p:cBhvr>
+                                      <p:to>
+                                        <p:strVal val="hidden"/>
+                                      </p:to>
+                                    </p:set>
+                                  </p:childTnLst>
+                                </p:cTn>
+                              </p:par>
+                            </p:childTnLst>
+                          </p:cTn>
+                        </p:par>
+                      </p:childTnLst>
+                    </p:cTn>
+                  </p:par>
+                </p:childTnLst>
+              </p:cTn>
+              <p:prevCondLst>
+                <p:cond evt="onPrev" delay="0">
+                  <p:tgtEl>
+                    <p:sldTgt/>
+                  </p:tgtEl>
+                </p:cond>
+              </p:prevCondLst>
+              <p:nextCondLst>
+                <p:cond evt="onNext" delay="0">
+                  <p:tgtEl>
+                    <p:sldTgt/>
+                  </p:tgtEl>
+                </p:cond>
+              </p:nextCondLst>
+            </p:seq>
+          </p:childTnLst>
+        </p:cTn>
+      </p:par>
+    </p:tnLst>
+    <p:bldLst>
+      <p:bldP spid="8" grpId="0" animBg="1"/>
+      <p:bldP spid="8" grpId="1" animBg="1"/>
+      <p:bldP spid="9" grpId="0" animBg="1"/>
+      <p:bldP spid="9" grpId="1" animBg="1"/>
+    </p:bldLst>
+  </p:timing>
+</p:sld>
+</file>
+
+<file path=ppt/slides/slide23.xml><?xml version="1.0" encoding="utf-8"?>
+<p:sld xmlns:a="http://schemas.openxmlformats.org/drawingml/2006/main" xmlns:r="http://schemas.openxmlformats.org/officeDocument/2006/relationships" xmlns:p="http://schemas.openxmlformats.org/presentationml/2006/main">
+  <p:cSld>
+    <p:bg>
+      <p:bgPr>
+        <a:solidFill>
+          <a:srgbClr val="002060"/>
+        </a:solidFill>
+        <a:effectLst/>
+      </p:bgPr>
+    </p:bg>
+    <p:spTree>
+      <p:nvGrpSpPr>
+        <p:cNvPr id="1" name=""/>
+        <p:cNvGrpSpPr/>
+        <p:nvPr/>
+      </p:nvGrpSpPr>
+      <p:grpSpPr>
+        <a:xfrm>
+          <a:off x="0" y="0"/>
+          <a:ext cx="0" cy="0"/>
+          <a:chOff x="0" y="0"/>
+          <a:chExt cx="0" cy="0"/>
+        </a:xfrm>
+      </p:grpSpPr>
+      <p:pic>
+        <p:nvPicPr>
+          <p:cNvPr id="5" name="Picture 4">
+            <a:extLst>
+              <a:ext uri="{FF2B5EF4-FFF2-40B4-BE49-F238E27FC236}">
+                <a16:creationId xmlns:a16="http://schemas.microsoft.com/office/drawing/2014/main" id="{B8ABAE64-D66B-45F3-A30F-041050CCBD96}"/>
+              </a:ext>
+            </a:extLst>
+          </p:cNvPr>
+          <p:cNvPicPr>
+            <a:picLocks noChangeAspect="1"/>
+          </p:cNvPicPr>
+          <p:nvPr/>
+        </p:nvPicPr>
+        <p:blipFill>
+          <a:blip r:embed="rId3">
+            <a:extLst>
+              <a:ext uri="{28A0092B-C50C-407E-A947-70E740481C1C}">
+                <a14:useLocalDpi xmlns:a14="http://schemas.microsoft.com/office/drawing/2010/main" val="0"/>
+              </a:ext>
+            </a:extLst>
+          </a:blip>
+          <a:stretch>
+            <a:fillRect/>
+          </a:stretch>
+        </p:blipFill>
+        <p:spPr>
+          <a:xfrm>
+            <a:off x="4498830" y="1732972"/>
+            <a:ext cx="2695575" cy="4038600"/>
+          </a:xfrm>
+          <a:prstGeom prst="rect">
+            <a:avLst/>
+          </a:prstGeom>
+        </p:spPr>
+      </p:pic>
+      <p:sp>
+        <p:nvSpPr>
+          <p:cNvPr id="6" name="TextBox 5">
+            <a:extLst>
+              <a:ext uri="{FF2B5EF4-FFF2-40B4-BE49-F238E27FC236}">
+                <a16:creationId xmlns:a16="http://schemas.microsoft.com/office/drawing/2014/main" id="{50022D6A-671C-43EA-9E1D-94E9BD4C1A8A}"/>
+              </a:ext>
+            </a:extLst>
+          </p:cNvPr>
+          <p:cNvSpPr txBox="1"/>
+          <p:nvPr/>
+        </p:nvSpPr>
+        <p:spPr>
+          <a:xfrm>
+            <a:off x="4570644" y="416569"/>
+            <a:ext cx="2202847" cy="830997"/>
+          </a:xfrm>
+          <a:prstGeom prst="rect">
+            <a:avLst/>
+          </a:prstGeom>
+          <a:noFill/>
+        </p:spPr>
+        <p:txBody>
+          <a:bodyPr wrap="none" rtlCol="0">
+            <a:spAutoFit/>
+          </a:bodyPr>
+          <a:lstStyle/>
+          <a:p>
+            <a:r>
+              <a:rPr lang="en-US" sz="4800" dirty="0">
+                <a:solidFill>
+                  <a:schemeClr val="bg1"/>
+                </a:solidFill>
+              </a:rPr>
+              <a:t>The End</a:t>
+            </a:r>
+          </a:p>
+        </p:txBody>
+      </p:sp>
+      <p:sp>
+        <p:nvSpPr>
+          <p:cNvPr id="7" name="Rectangle 6">
+            <a:extLst>
+              <a:ext uri="{FF2B5EF4-FFF2-40B4-BE49-F238E27FC236}">
+                <a16:creationId xmlns:a16="http://schemas.microsoft.com/office/drawing/2014/main" id="{AAAC78E9-AC01-4EE0-B3A9-EA3845DA2F91}"/>
+              </a:ext>
+            </a:extLst>
+          </p:cNvPr>
+          <p:cNvSpPr/>
+          <p:nvPr/>
+        </p:nvSpPr>
+        <p:spPr>
+          <a:xfrm>
+            <a:off x="2309769" y="6009312"/>
+            <a:ext cx="7908022" cy="369332"/>
+          </a:xfrm>
+          <a:prstGeom prst="rect">
+            <a:avLst/>
+          </a:prstGeom>
+        </p:spPr>
+        <p:txBody>
+          <a:bodyPr wrap="square">
+            <a:spAutoFit/>
+          </a:bodyPr>
+          <a:lstStyle/>
+          <a:p>
+            <a:r>
+              <a:rPr lang="en-US" dirty="0">
+                <a:solidFill>
+                  <a:schemeClr val="bg1"/>
+                </a:solidFill>
+                <a:hlinkClick r:id="rId4"/>
+              </a:rPr>
+              <a:t>https://docs.microsoft.com/en-us/azure/data-catalog/data-catalog-get-started</a:t>
+            </a:r>
+            <a:endParaRPr lang="en-US" dirty="0">
+              <a:solidFill>
+                <a:schemeClr val="bg1"/>
+              </a:solidFill>
+            </a:endParaRPr>
+          </a:p>
+        </p:txBody>
+      </p:sp>
+    </p:spTree>
+    <p:extLst>
+      <p:ext uri="{BB962C8B-B14F-4D97-AF65-F5344CB8AC3E}">
+        <p14:creationId xmlns:p14="http://schemas.microsoft.com/office/powerpoint/2010/main" val="440566585"/>
+      </p:ext>
+    </p:extLst>
+  </p:cSld>
+  <p:clrMapOvr>
+    <a:masterClrMapping/>
+  </p:clrMapOvr>
+  <mc:AlternateContent xmlns:mc="http://schemas.openxmlformats.org/markup-compatibility/2006" xmlns:p14="http://schemas.microsoft.com/office/powerpoint/2010/main">
+    <mc:Choice Requires="p14">
+      <p:transition p14:dur="10"/>
+    </mc:Choice>
+    <mc:Fallback xmlns="">
+      <p:transition/>
+    </mc:Fallback>
+  </mc:AlternateContent>
+</p:sld>
+</file>
+
+<file path=ppt/slides/slide3.xml><?xml version="1.0" encoding="utf-8"?>
 <p:sld xmlns:a="http://schemas.openxmlformats.org/drawingml/2006/main" xmlns:r="http://schemas.openxmlformats.org/officeDocument/2006/relationships" xmlns:p="http://schemas.openxmlformats.org/presentationml/2006/main">
   <p:cSld>
     <p:spTree>
@@ -10378,1014 +11726,7 @@
 </p:sld>
 </file>
 
-<file path=ppt/slides/slide20.xml><?xml version="1.0" encoding="utf-8"?>
-<p:sld xmlns:a="http://schemas.openxmlformats.org/drawingml/2006/main" xmlns:r="http://schemas.openxmlformats.org/officeDocument/2006/relationships" xmlns:p="http://schemas.openxmlformats.org/presentationml/2006/main">
-  <p:cSld>
-    <p:spTree>
-      <p:nvGrpSpPr>
-        <p:cNvPr id="1" name=""/>
-        <p:cNvGrpSpPr/>
-        <p:nvPr/>
-      </p:nvGrpSpPr>
-      <p:grpSpPr>
-        <a:xfrm>
-          <a:off x="0" y="0"/>
-          <a:ext cx="0" cy="0"/>
-          <a:chOff x="0" y="0"/>
-          <a:chExt cx="0" cy="0"/>
-        </a:xfrm>
-      </p:grpSpPr>
-      <p:sp>
-        <p:nvSpPr>
-          <p:cNvPr id="2" name="Title 1"/>
-          <p:cNvSpPr>
-            <a:spLocks noGrp="1"/>
-          </p:cNvSpPr>
-          <p:nvPr>
-            <p:ph type="title"/>
-          </p:nvPr>
-        </p:nvSpPr>
-        <p:spPr/>
-        <p:txBody>
-          <a:bodyPr/>
-          <a:lstStyle/>
-          <a:p>
-            <a:r>
-              <a:rPr lang="en-US" dirty="0">
-                <a:solidFill>
-                  <a:srgbClr val="17489E"/>
-                </a:solidFill>
-              </a:rPr>
-              <a:t>Request Access</a:t>
-            </a:r>
-          </a:p>
-        </p:txBody>
-      </p:sp>
-      <p:sp>
-        <p:nvSpPr>
-          <p:cNvPr id="3" name="Content Placeholder 2"/>
-          <p:cNvSpPr>
-            <a:spLocks noGrp="1"/>
-          </p:cNvSpPr>
-          <p:nvPr>
-            <p:ph sz="quarter" idx="10"/>
-          </p:nvPr>
-        </p:nvSpPr>
-        <p:spPr>
-          <a:xfrm>
-            <a:off x="268928" y="1418132"/>
-            <a:ext cx="10556077" cy="4902995"/>
-          </a:xfrm>
-        </p:spPr>
-        <p:txBody>
-          <a:bodyPr>
-            <a:normAutofit/>
-          </a:bodyPr>
-          <a:lstStyle/>
-          <a:p>
-            <a:r>
-              <a:rPr lang="en-US" dirty="0">
-                <a:solidFill>
-                  <a:schemeClr val="tx1"/>
-                </a:solidFill>
-              </a:rPr>
-              <a:t>Unblock users who discover data assets</a:t>
-            </a:r>
-          </a:p>
-          <a:p>
-            <a:r>
-              <a:rPr lang="en-US" dirty="0">
-                <a:solidFill>
-                  <a:schemeClr val="tx1"/>
-                </a:solidFill>
-              </a:rPr>
-              <a:t>Integrate in with existing tools and processes</a:t>
-            </a:r>
-          </a:p>
-          <a:p>
-            <a:r>
-              <a:rPr lang="en-US" dirty="0">
-                <a:solidFill>
-                  <a:schemeClr val="tx1"/>
-                </a:solidFill>
-              </a:rPr>
-              <a:t>Include instructions inline with connection info</a:t>
-            </a:r>
-          </a:p>
-          <a:p>
-            <a:r>
-              <a:rPr lang="en-US" dirty="0">
-                <a:solidFill>
-                  <a:schemeClr val="tx1"/>
-                </a:solidFill>
-              </a:rPr>
-              <a:t>Link to individuals or teams who manage data source access</a:t>
-            </a:r>
-          </a:p>
-          <a:p>
-            <a:r>
-              <a:rPr lang="en-US" dirty="0">
-                <a:solidFill>
-                  <a:schemeClr val="tx1"/>
-                </a:solidFill>
-              </a:rPr>
-              <a:t>Link to existing process documentation</a:t>
-            </a:r>
-          </a:p>
-          <a:p>
-            <a:r>
-              <a:rPr lang="en-US" dirty="0">
-                <a:solidFill>
-                  <a:schemeClr val="tx1"/>
-                </a:solidFill>
-              </a:rPr>
-              <a:t>Link to self-service identity management tools like Forefront Identity Manager</a:t>
-            </a:r>
-          </a:p>
-          <a:p>
-            <a:endParaRPr lang="en-US" dirty="0">
-              <a:solidFill>
-                <a:schemeClr val="tx1"/>
-              </a:solidFill>
-            </a:endParaRPr>
-          </a:p>
-        </p:txBody>
-      </p:sp>
-      <p:pic>
-        <p:nvPicPr>
-          <p:cNvPr id="4" name="Picture 3"/>
-          <p:cNvPicPr>
-            <a:picLocks noChangeAspect="1"/>
-          </p:cNvPicPr>
-          <p:nvPr/>
-        </p:nvPicPr>
-        <p:blipFill>
-          <a:blip r:embed="rId3"/>
-          <a:stretch>
-            <a:fillRect/>
-          </a:stretch>
-        </p:blipFill>
-        <p:spPr>
-          <a:xfrm>
-            <a:off x="6208456" y="4650658"/>
-            <a:ext cx="5393355" cy="1813283"/>
-          </a:xfrm>
-          <a:prstGeom prst="rect">
-            <a:avLst/>
-          </a:prstGeom>
-        </p:spPr>
-      </p:pic>
-    </p:spTree>
-    <p:extLst>
-      <p:ext uri="{BB962C8B-B14F-4D97-AF65-F5344CB8AC3E}">
-        <p14:creationId xmlns:p14="http://schemas.microsoft.com/office/powerpoint/2010/main" val="1645980149"/>
-      </p:ext>
-    </p:extLst>
-  </p:cSld>
-  <p:clrMapOvr>
-    <a:masterClrMapping/>
-  </p:clrMapOvr>
-  <mc:AlternateContent xmlns:mc="http://schemas.openxmlformats.org/markup-compatibility/2006" xmlns:p14="http://schemas.microsoft.com/office/powerpoint/2010/main">
-    <mc:Choice Requires="p14">
-      <p:transition p14:dur="10"/>
-    </mc:Choice>
-    <mc:Fallback xmlns="">
-      <p:transition/>
-    </mc:Fallback>
-  </mc:AlternateContent>
-</p:sld>
-</file>
-
-<file path=ppt/slides/slide21.xml><?xml version="1.0" encoding="utf-8"?>
-<p:sld xmlns:a="http://schemas.openxmlformats.org/drawingml/2006/main" xmlns:r="http://schemas.openxmlformats.org/officeDocument/2006/relationships" xmlns:p="http://schemas.openxmlformats.org/presentationml/2006/main">
-  <p:cSld>
-    <p:spTree>
-      <p:nvGrpSpPr>
-        <p:cNvPr id="1" name=""/>
-        <p:cNvGrpSpPr/>
-        <p:nvPr/>
-      </p:nvGrpSpPr>
-      <p:grpSpPr>
-        <a:xfrm>
-          <a:off x="0" y="0"/>
-          <a:ext cx="0" cy="0"/>
-          <a:chOff x="0" y="0"/>
-          <a:chExt cx="0" cy="0"/>
-        </a:xfrm>
-      </p:grpSpPr>
-      <p:sp>
-        <p:nvSpPr>
-          <p:cNvPr id="2" name="Title 1"/>
-          <p:cNvSpPr>
-            <a:spLocks noGrp="1"/>
-          </p:cNvSpPr>
-          <p:nvPr>
-            <p:ph type="title"/>
-          </p:nvPr>
-        </p:nvSpPr>
-        <p:spPr/>
-        <p:txBody>
-          <a:bodyPr/>
-          <a:lstStyle/>
-          <a:p>
-            <a:r>
-              <a:rPr lang="en-US" dirty="0">
-                <a:solidFill>
-                  <a:srgbClr val="17489E"/>
-                </a:solidFill>
-              </a:rPr>
-              <a:t>Contextual Asset Consumption</a:t>
-            </a:r>
-          </a:p>
-        </p:txBody>
-      </p:sp>
-      <p:sp>
-        <p:nvSpPr>
-          <p:cNvPr id="3" name="Content Placeholder 2"/>
-          <p:cNvSpPr>
-            <a:spLocks noGrp="1"/>
-          </p:cNvSpPr>
-          <p:nvPr>
-            <p:ph sz="quarter" idx="10"/>
-          </p:nvPr>
-        </p:nvSpPr>
-        <p:spPr>
-          <a:xfrm>
-            <a:off x="269239" y="1663938"/>
-            <a:ext cx="5179242" cy="4902995"/>
-          </a:xfrm>
-        </p:spPr>
-        <p:txBody>
-          <a:bodyPr/>
-          <a:lstStyle/>
-          <a:p>
-            <a:r>
-              <a:rPr lang="en-US" dirty="0">
-                <a:solidFill>
-                  <a:schemeClr val="tx1"/>
-                </a:solidFill>
-              </a:rPr>
-              <a:t>Users can open selected data assets in supported client applications</a:t>
-            </a:r>
-          </a:p>
-          <a:p>
-            <a:r>
-              <a:rPr lang="en-US" dirty="0">
-                <a:solidFill>
-                  <a:schemeClr val="tx1"/>
-                </a:solidFill>
-              </a:rPr>
-              <a:t>Data asset properties include complete connection information for use in any client application</a:t>
-            </a:r>
-          </a:p>
-          <a:p>
-            <a:r>
-              <a:rPr lang="en-US" dirty="0">
-                <a:solidFill>
-                  <a:schemeClr val="tx1"/>
-                </a:solidFill>
-              </a:rPr>
-              <a:t>Pre-built connection strings are available for data developers </a:t>
-            </a:r>
-          </a:p>
-        </p:txBody>
-      </p:sp>
-      <p:pic>
-        <p:nvPicPr>
-          <p:cNvPr id="5" name="Picture 4"/>
-          <p:cNvPicPr>
-            <a:picLocks noChangeAspect="1"/>
-          </p:cNvPicPr>
-          <p:nvPr/>
-        </p:nvPicPr>
-        <p:blipFill>
-          <a:blip r:embed="rId3"/>
-          <a:stretch>
-            <a:fillRect/>
-          </a:stretch>
-        </p:blipFill>
-        <p:spPr>
-          <a:xfrm>
-            <a:off x="5448481" y="1187621"/>
-            <a:ext cx="2895238" cy="4171429"/>
-          </a:xfrm>
-          <a:prstGeom prst="rect">
-            <a:avLst/>
-          </a:prstGeom>
-        </p:spPr>
-      </p:pic>
-      <p:sp>
-        <p:nvSpPr>
-          <p:cNvPr id="8" name="Oval 7"/>
-          <p:cNvSpPr/>
-          <p:nvPr/>
-        </p:nvSpPr>
-        <p:spPr>
-          <a:xfrm>
-            <a:off x="7738074" y="1231763"/>
-            <a:ext cx="480060" cy="480060"/>
-          </a:xfrm>
-          <a:prstGeom prst="ellipse">
-            <a:avLst/>
-          </a:prstGeom>
-          <a:solidFill>
-            <a:srgbClr val="FF0000"/>
-          </a:solidFill>
-        </p:spPr>
-        <p:style>
-          <a:lnRef idx="2">
-            <a:schemeClr val="accent1">
-              <a:shade val="50000"/>
-            </a:schemeClr>
-          </a:lnRef>
-          <a:fillRef idx="1">
-            <a:schemeClr val="accent1"/>
-          </a:fillRef>
-          <a:effectRef idx="0">
-            <a:schemeClr val="accent1"/>
-          </a:effectRef>
-          <a:fontRef idx="minor">
-            <a:schemeClr val="lt1"/>
-          </a:fontRef>
-        </p:style>
-        <p:txBody>
-          <a:bodyPr rtlCol="0" anchor="ctr"/>
-          <a:lstStyle/>
-          <a:p>
-            <a:pPr algn="ctr"/>
-            <a:endParaRPr lang="en-US"/>
-          </a:p>
-        </p:txBody>
-      </p:sp>
-      <p:pic>
-        <p:nvPicPr>
-          <p:cNvPr id="6" name="Picture 5"/>
-          <p:cNvPicPr>
-            <a:picLocks noChangeAspect="1"/>
-          </p:cNvPicPr>
-          <p:nvPr/>
-        </p:nvPicPr>
-        <p:blipFill>
-          <a:blip r:embed="rId4"/>
-          <a:stretch>
-            <a:fillRect/>
-          </a:stretch>
-        </p:blipFill>
-        <p:spPr>
-          <a:xfrm>
-            <a:off x="5448481" y="1187621"/>
-            <a:ext cx="6171429" cy="3419048"/>
-          </a:xfrm>
-          <a:prstGeom prst="rect">
-            <a:avLst/>
-          </a:prstGeom>
-        </p:spPr>
-      </p:pic>
-      <p:sp>
-        <p:nvSpPr>
-          <p:cNvPr id="9" name="Oval 8"/>
-          <p:cNvSpPr/>
-          <p:nvPr/>
-        </p:nvSpPr>
-        <p:spPr>
-          <a:xfrm>
-            <a:off x="10254200" y="3815235"/>
-            <a:ext cx="480060" cy="480060"/>
-          </a:xfrm>
-          <a:prstGeom prst="ellipse">
-            <a:avLst/>
-          </a:prstGeom>
-          <a:solidFill>
-            <a:srgbClr val="FF0000"/>
-          </a:solidFill>
-        </p:spPr>
-        <p:style>
-          <a:lnRef idx="2">
-            <a:schemeClr val="accent1">
-              <a:shade val="50000"/>
-            </a:schemeClr>
-          </a:lnRef>
-          <a:fillRef idx="1">
-            <a:schemeClr val="accent1"/>
-          </a:fillRef>
-          <a:effectRef idx="0">
-            <a:schemeClr val="accent1"/>
-          </a:effectRef>
-          <a:fontRef idx="minor">
-            <a:schemeClr val="lt1"/>
-          </a:fontRef>
-        </p:style>
-        <p:txBody>
-          <a:bodyPr rtlCol="0" anchor="ctr"/>
-          <a:lstStyle/>
-          <a:p>
-            <a:pPr algn="ctr"/>
-            <a:endParaRPr lang="en-US"/>
-          </a:p>
-        </p:txBody>
-      </p:sp>
-      <p:pic>
-        <p:nvPicPr>
-          <p:cNvPr id="7" name="Picture 6"/>
-          <p:cNvPicPr>
-            <a:picLocks noChangeAspect="1"/>
-          </p:cNvPicPr>
-          <p:nvPr/>
-        </p:nvPicPr>
-        <p:blipFill>
-          <a:blip r:embed="rId5"/>
-          <a:stretch>
-            <a:fillRect/>
-          </a:stretch>
-        </p:blipFill>
-        <p:spPr>
-          <a:xfrm>
-            <a:off x="6896100" y="2759531"/>
-            <a:ext cx="4228667" cy="3694275"/>
-          </a:xfrm>
-          <a:prstGeom prst="rect">
-            <a:avLst/>
-          </a:prstGeom>
-        </p:spPr>
-      </p:pic>
-    </p:spTree>
-    <p:extLst>
-      <p:ext uri="{BB962C8B-B14F-4D97-AF65-F5344CB8AC3E}">
-        <p14:creationId xmlns:p14="http://schemas.microsoft.com/office/powerpoint/2010/main" val="566861266"/>
-      </p:ext>
-    </p:extLst>
-  </p:cSld>
-  <p:clrMapOvr>
-    <a:masterClrMapping/>
-  </p:clrMapOvr>
-  <mc:AlternateContent xmlns:mc="http://schemas.openxmlformats.org/markup-compatibility/2006" xmlns:p14="http://schemas.microsoft.com/office/powerpoint/2010/main">
-    <mc:Choice Requires="p14">
-      <p:transition p14:dur="10"/>
-    </mc:Choice>
-    <mc:Fallback xmlns="">
-      <p:transition/>
-    </mc:Fallback>
-  </mc:AlternateContent>
-  <p:timing>
-    <p:tnLst>
-      <p:par>
-        <p:cTn id="1" dur="indefinite" restart="never" nodeType="tmRoot">
-          <p:childTnLst>
-            <p:seq concurrent="1" nextAc="seek">
-              <p:cTn id="2" dur="indefinite" nodeType="mainSeq">
-                <p:childTnLst>
-                  <p:par>
-                    <p:cTn id="3" fill="hold">
-                      <p:stCondLst>
-                        <p:cond delay="indefinite"/>
-                        <p:cond evt="onBegin" delay="0">
-                          <p:tn val="2"/>
-                        </p:cond>
-                      </p:stCondLst>
-                      <p:childTnLst>
-                        <p:par>
-                          <p:cTn id="4" fill="hold">
-                            <p:stCondLst>
-                              <p:cond delay="0"/>
-                            </p:stCondLst>
-                            <p:childTnLst>
-                              <p:par>
-                                <p:cTn id="5" presetID="10" presetClass="entr" presetSubtype="0" fill="hold" nodeType="withEffect">
-                                  <p:stCondLst>
-                                    <p:cond delay="0"/>
-                                  </p:stCondLst>
-                                  <p:childTnLst>
-                                    <p:set>
-                                      <p:cBhvr>
-                                        <p:cTn id="6" dur="1" fill="hold">
-                                          <p:stCondLst>
-                                            <p:cond delay="0"/>
-                                          </p:stCondLst>
-                                        </p:cTn>
-                                        <p:tgtEl>
-                                          <p:spTgt spid="5"/>
-                                        </p:tgtEl>
-                                        <p:attrNameLst>
-                                          <p:attrName>style.visibility</p:attrName>
-                                        </p:attrNameLst>
-                                      </p:cBhvr>
-                                      <p:to>
-                                        <p:strVal val="visible"/>
-                                      </p:to>
-                                    </p:set>
-                                    <p:animEffect transition="in" filter="fade">
-                                      <p:cBhvr>
-                                        <p:cTn id="7" dur="500"/>
-                                        <p:tgtEl>
-                                          <p:spTgt spid="5"/>
-                                        </p:tgtEl>
-                                      </p:cBhvr>
-                                    </p:animEffect>
-                                  </p:childTnLst>
-                                </p:cTn>
-                              </p:par>
-                            </p:childTnLst>
-                          </p:cTn>
-                        </p:par>
-                      </p:childTnLst>
-                    </p:cTn>
-                  </p:par>
-                  <p:par>
-                    <p:cTn id="8" fill="hold">
-                      <p:stCondLst>
-                        <p:cond delay="indefinite"/>
-                      </p:stCondLst>
-                      <p:childTnLst>
-                        <p:par>
-                          <p:cTn id="9" fill="hold">
-                            <p:stCondLst>
-                              <p:cond delay="0"/>
-                            </p:stCondLst>
-                            <p:childTnLst>
-                              <p:par>
-                                <p:cTn id="10" presetID="10" presetClass="entr" presetSubtype="0" fill="hold" grpId="0" nodeType="clickEffect">
-                                  <p:stCondLst>
-                                    <p:cond delay="0"/>
-                                  </p:stCondLst>
-                                  <p:childTnLst>
-                                    <p:set>
-                                      <p:cBhvr>
-                                        <p:cTn id="11" dur="1" fill="hold">
-                                          <p:stCondLst>
-                                            <p:cond delay="0"/>
-                                          </p:stCondLst>
-                                        </p:cTn>
-                                        <p:tgtEl>
-                                          <p:spTgt spid="8"/>
-                                        </p:tgtEl>
-                                        <p:attrNameLst>
-                                          <p:attrName>style.visibility</p:attrName>
-                                        </p:attrNameLst>
-                                      </p:cBhvr>
-                                      <p:to>
-                                        <p:strVal val="visible"/>
-                                      </p:to>
-                                    </p:set>
-                                    <p:animEffect transition="in" filter="fade">
-                                      <p:cBhvr>
-                                        <p:cTn id="12" dur="500"/>
-                                        <p:tgtEl>
-                                          <p:spTgt spid="8"/>
-                                        </p:tgtEl>
-                                      </p:cBhvr>
-                                    </p:animEffect>
-                                  </p:childTnLst>
-                                </p:cTn>
-                              </p:par>
-                              <p:par>
-                                <p:cTn id="13" presetID="10" presetClass="entr" presetSubtype="0" fill="hold" nodeType="withEffect">
-                                  <p:stCondLst>
-                                    <p:cond delay="0"/>
-                                  </p:stCondLst>
-                                  <p:childTnLst>
-                                    <p:set>
-                                      <p:cBhvr>
-                                        <p:cTn id="14" dur="1" fill="hold">
-                                          <p:stCondLst>
-                                            <p:cond delay="0"/>
-                                          </p:stCondLst>
-                                        </p:cTn>
-                                        <p:tgtEl>
-                                          <p:spTgt spid="6"/>
-                                        </p:tgtEl>
-                                        <p:attrNameLst>
-                                          <p:attrName>style.visibility</p:attrName>
-                                        </p:attrNameLst>
-                                      </p:cBhvr>
-                                      <p:to>
-                                        <p:strVal val="visible"/>
-                                      </p:to>
-                                    </p:set>
-                                    <p:animEffect transition="in" filter="fade">
-                                      <p:cBhvr>
-                                        <p:cTn id="15" dur="500"/>
-                                        <p:tgtEl>
-                                          <p:spTgt spid="6"/>
-                                        </p:tgtEl>
-                                      </p:cBhvr>
-                                    </p:animEffect>
-                                  </p:childTnLst>
-                                </p:cTn>
-                              </p:par>
-                              <p:par>
-                                <p:cTn id="16" presetID="10" presetClass="exit" presetSubtype="0" fill="hold" nodeType="withEffect">
-                                  <p:stCondLst>
-                                    <p:cond delay="0"/>
-                                  </p:stCondLst>
-                                  <p:childTnLst>
-                                    <p:animEffect transition="out" filter="fade">
-                                      <p:cBhvr>
-                                        <p:cTn id="17" dur="500"/>
-                                        <p:tgtEl>
-                                          <p:spTgt spid="5"/>
-                                        </p:tgtEl>
-                                      </p:cBhvr>
-                                    </p:animEffect>
-                                    <p:set>
-                                      <p:cBhvr>
-                                        <p:cTn id="18" dur="1" fill="hold">
-                                          <p:stCondLst>
-                                            <p:cond delay="499"/>
-                                          </p:stCondLst>
-                                        </p:cTn>
-                                        <p:tgtEl>
-                                          <p:spTgt spid="5"/>
-                                        </p:tgtEl>
-                                        <p:attrNameLst>
-                                          <p:attrName>style.visibility</p:attrName>
-                                        </p:attrNameLst>
-                                      </p:cBhvr>
-                                      <p:to>
-                                        <p:strVal val="hidden"/>
-                                      </p:to>
-                                    </p:set>
-                                  </p:childTnLst>
-                                </p:cTn>
-                              </p:par>
-                            </p:childTnLst>
-                          </p:cTn>
-                        </p:par>
-                        <p:par>
-                          <p:cTn id="19" fill="hold">
-                            <p:stCondLst>
-                              <p:cond delay="500"/>
-                            </p:stCondLst>
-                            <p:childTnLst>
-                              <p:par>
-                                <p:cTn id="20" presetID="10" presetClass="exit" presetSubtype="0" fill="hold" grpId="1" nodeType="afterEffect">
-                                  <p:stCondLst>
-                                    <p:cond delay="0"/>
-                                  </p:stCondLst>
-                                  <p:childTnLst>
-                                    <p:animEffect transition="out" filter="fade">
-                                      <p:cBhvr>
-                                        <p:cTn id="21" dur="500"/>
-                                        <p:tgtEl>
-                                          <p:spTgt spid="8"/>
-                                        </p:tgtEl>
-                                      </p:cBhvr>
-                                    </p:animEffect>
-                                    <p:set>
-                                      <p:cBhvr>
-                                        <p:cTn id="22" dur="1" fill="hold">
-                                          <p:stCondLst>
-                                            <p:cond delay="499"/>
-                                          </p:stCondLst>
-                                        </p:cTn>
-                                        <p:tgtEl>
-                                          <p:spTgt spid="8"/>
-                                        </p:tgtEl>
-                                        <p:attrNameLst>
-                                          <p:attrName>style.visibility</p:attrName>
-                                        </p:attrNameLst>
-                                      </p:cBhvr>
-                                      <p:to>
-                                        <p:strVal val="hidden"/>
-                                      </p:to>
-                                    </p:set>
-                                  </p:childTnLst>
-                                </p:cTn>
-                              </p:par>
-                            </p:childTnLst>
-                          </p:cTn>
-                        </p:par>
-                      </p:childTnLst>
-                    </p:cTn>
-                  </p:par>
-                  <p:par>
-                    <p:cTn id="23" fill="hold">
-                      <p:stCondLst>
-                        <p:cond delay="indefinite"/>
-                      </p:stCondLst>
-                      <p:childTnLst>
-                        <p:par>
-                          <p:cTn id="24" fill="hold">
-                            <p:stCondLst>
-                              <p:cond delay="0"/>
-                            </p:stCondLst>
-                            <p:childTnLst>
-                              <p:par>
-                                <p:cTn id="25" presetID="10" presetClass="entr" presetSubtype="0" fill="hold" nodeType="clickEffect">
-                                  <p:stCondLst>
-                                    <p:cond delay="0"/>
-                                  </p:stCondLst>
-                                  <p:childTnLst>
-                                    <p:set>
-                                      <p:cBhvr>
-                                        <p:cTn id="26" dur="1" fill="hold">
-                                          <p:stCondLst>
-                                            <p:cond delay="0"/>
-                                          </p:stCondLst>
-                                        </p:cTn>
-                                        <p:tgtEl>
-                                          <p:spTgt spid="7"/>
-                                        </p:tgtEl>
-                                        <p:attrNameLst>
-                                          <p:attrName>style.visibility</p:attrName>
-                                        </p:attrNameLst>
-                                      </p:cBhvr>
-                                      <p:to>
-                                        <p:strVal val="visible"/>
-                                      </p:to>
-                                    </p:set>
-                                    <p:animEffect transition="in" filter="fade">
-                                      <p:cBhvr>
-                                        <p:cTn id="27" dur="500"/>
-                                        <p:tgtEl>
-                                          <p:spTgt spid="7"/>
-                                        </p:tgtEl>
-                                      </p:cBhvr>
-                                    </p:animEffect>
-                                  </p:childTnLst>
-                                </p:cTn>
-                              </p:par>
-                              <p:par>
-                                <p:cTn id="28" presetID="10" presetClass="entr" presetSubtype="0" fill="hold" grpId="0" nodeType="withEffect">
-                                  <p:stCondLst>
-                                    <p:cond delay="0"/>
-                                  </p:stCondLst>
-                                  <p:childTnLst>
-                                    <p:set>
-                                      <p:cBhvr>
-                                        <p:cTn id="29" dur="1" fill="hold">
-                                          <p:stCondLst>
-                                            <p:cond delay="0"/>
-                                          </p:stCondLst>
-                                        </p:cTn>
-                                        <p:tgtEl>
-                                          <p:spTgt spid="9"/>
-                                        </p:tgtEl>
-                                        <p:attrNameLst>
-                                          <p:attrName>style.visibility</p:attrName>
-                                        </p:attrNameLst>
-                                      </p:cBhvr>
-                                      <p:to>
-                                        <p:strVal val="visible"/>
-                                      </p:to>
-                                    </p:set>
-                                    <p:animEffect transition="in" filter="fade">
-                                      <p:cBhvr>
-                                        <p:cTn id="30" dur="500"/>
-                                        <p:tgtEl>
-                                          <p:spTgt spid="9"/>
-                                        </p:tgtEl>
-                                      </p:cBhvr>
-                                    </p:animEffect>
-                                  </p:childTnLst>
-                                </p:cTn>
-                              </p:par>
-                            </p:childTnLst>
-                          </p:cTn>
-                        </p:par>
-                        <p:par>
-                          <p:cTn id="31" fill="hold">
-                            <p:stCondLst>
-                              <p:cond delay="500"/>
-                            </p:stCondLst>
-                            <p:childTnLst>
-                              <p:par>
-                                <p:cTn id="32" presetID="10" presetClass="exit" presetSubtype="0" fill="hold" grpId="1" nodeType="afterEffect">
-                                  <p:stCondLst>
-                                    <p:cond delay="0"/>
-                                  </p:stCondLst>
-                                  <p:childTnLst>
-                                    <p:animEffect transition="out" filter="fade">
-                                      <p:cBhvr>
-                                        <p:cTn id="33" dur="500"/>
-                                        <p:tgtEl>
-                                          <p:spTgt spid="9"/>
-                                        </p:tgtEl>
-                                      </p:cBhvr>
-                                    </p:animEffect>
-                                    <p:set>
-                                      <p:cBhvr>
-                                        <p:cTn id="34" dur="1" fill="hold">
-                                          <p:stCondLst>
-                                            <p:cond delay="499"/>
-                                          </p:stCondLst>
-                                        </p:cTn>
-                                        <p:tgtEl>
-                                          <p:spTgt spid="9"/>
-                                        </p:tgtEl>
-                                        <p:attrNameLst>
-                                          <p:attrName>style.visibility</p:attrName>
-                                        </p:attrNameLst>
-                                      </p:cBhvr>
-                                      <p:to>
-                                        <p:strVal val="hidden"/>
-                                      </p:to>
-                                    </p:set>
-                                  </p:childTnLst>
-                                </p:cTn>
-                              </p:par>
-                            </p:childTnLst>
-                          </p:cTn>
-                        </p:par>
-                      </p:childTnLst>
-                    </p:cTn>
-                  </p:par>
-                </p:childTnLst>
-              </p:cTn>
-              <p:prevCondLst>
-                <p:cond evt="onPrev" delay="0">
-                  <p:tgtEl>
-                    <p:sldTgt/>
-                  </p:tgtEl>
-                </p:cond>
-              </p:prevCondLst>
-              <p:nextCondLst>
-                <p:cond evt="onNext" delay="0">
-                  <p:tgtEl>
-                    <p:sldTgt/>
-                  </p:tgtEl>
-                </p:cond>
-              </p:nextCondLst>
-            </p:seq>
-          </p:childTnLst>
-        </p:cTn>
-      </p:par>
-    </p:tnLst>
-    <p:bldLst>
-      <p:bldP spid="8" grpId="0" animBg="1"/>
-      <p:bldP spid="8" grpId="1" animBg="1"/>
-      <p:bldP spid="9" grpId="0" animBg="1"/>
-      <p:bldP spid="9" grpId="1" animBg="1"/>
-    </p:bldLst>
-  </p:timing>
-</p:sld>
-</file>
-
-<file path=ppt/slides/slide22.xml><?xml version="1.0" encoding="utf-8"?>
-<p:sld xmlns:a="http://schemas.openxmlformats.org/drawingml/2006/main" xmlns:r="http://schemas.openxmlformats.org/officeDocument/2006/relationships" xmlns:p="http://schemas.openxmlformats.org/presentationml/2006/main">
-  <p:cSld>
-    <p:bg>
-      <p:bgPr>
-        <a:solidFill>
-          <a:srgbClr val="002060"/>
-        </a:solidFill>
-        <a:effectLst/>
-      </p:bgPr>
-    </p:bg>
-    <p:spTree>
-      <p:nvGrpSpPr>
-        <p:cNvPr id="1" name=""/>
-        <p:cNvGrpSpPr/>
-        <p:nvPr/>
-      </p:nvGrpSpPr>
-      <p:grpSpPr>
-        <a:xfrm>
-          <a:off x="0" y="0"/>
-          <a:ext cx="0" cy="0"/>
-          <a:chOff x="0" y="0"/>
-          <a:chExt cx="0" cy="0"/>
-        </a:xfrm>
-      </p:grpSpPr>
-      <p:pic>
-        <p:nvPicPr>
-          <p:cNvPr id="5" name="Picture 4">
-            <a:extLst>
-              <a:ext uri="{FF2B5EF4-FFF2-40B4-BE49-F238E27FC236}">
-                <a16:creationId xmlns:a16="http://schemas.microsoft.com/office/drawing/2014/main" id="{B8ABAE64-D66B-45F3-A30F-041050CCBD96}"/>
-              </a:ext>
-            </a:extLst>
-          </p:cNvPr>
-          <p:cNvPicPr>
-            <a:picLocks noChangeAspect="1"/>
-          </p:cNvPicPr>
-          <p:nvPr/>
-        </p:nvPicPr>
-        <p:blipFill>
-          <a:blip r:embed="rId3">
-            <a:extLst>
-              <a:ext uri="{28A0092B-C50C-407E-A947-70E740481C1C}">
-                <a14:useLocalDpi xmlns:a14="http://schemas.microsoft.com/office/drawing/2010/main" val="0"/>
-              </a:ext>
-            </a:extLst>
-          </a:blip>
-          <a:stretch>
-            <a:fillRect/>
-          </a:stretch>
-        </p:blipFill>
-        <p:spPr>
-          <a:xfrm>
-            <a:off x="4498830" y="1732972"/>
-            <a:ext cx="2695575" cy="4038600"/>
-          </a:xfrm>
-          <a:prstGeom prst="rect">
-            <a:avLst/>
-          </a:prstGeom>
-        </p:spPr>
-      </p:pic>
-      <p:sp>
-        <p:nvSpPr>
-          <p:cNvPr id="6" name="TextBox 5">
-            <a:extLst>
-              <a:ext uri="{FF2B5EF4-FFF2-40B4-BE49-F238E27FC236}">
-                <a16:creationId xmlns:a16="http://schemas.microsoft.com/office/drawing/2014/main" id="{50022D6A-671C-43EA-9E1D-94E9BD4C1A8A}"/>
-              </a:ext>
-            </a:extLst>
-          </p:cNvPr>
-          <p:cNvSpPr txBox="1"/>
-          <p:nvPr/>
-        </p:nvSpPr>
-        <p:spPr>
-          <a:xfrm>
-            <a:off x="4570644" y="416569"/>
-            <a:ext cx="2202847" cy="830997"/>
-          </a:xfrm>
-          <a:prstGeom prst="rect">
-            <a:avLst/>
-          </a:prstGeom>
-          <a:noFill/>
-        </p:spPr>
-        <p:txBody>
-          <a:bodyPr wrap="none" rtlCol="0">
-            <a:spAutoFit/>
-          </a:bodyPr>
-          <a:lstStyle/>
-          <a:p>
-            <a:r>
-              <a:rPr lang="en-US" sz="4800" dirty="0">
-                <a:solidFill>
-                  <a:schemeClr val="bg1"/>
-                </a:solidFill>
-              </a:rPr>
-              <a:t>The End</a:t>
-            </a:r>
-          </a:p>
-        </p:txBody>
-      </p:sp>
-      <p:sp>
-        <p:nvSpPr>
-          <p:cNvPr id="7" name="Rectangle 6">
-            <a:extLst>
-              <a:ext uri="{FF2B5EF4-FFF2-40B4-BE49-F238E27FC236}">
-                <a16:creationId xmlns:a16="http://schemas.microsoft.com/office/drawing/2014/main" id="{AAAC78E9-AC01-4EE0-B3A9-EA3845DA2F91}"/>
-              </a:ext>
-            </a:extLst>
-          </p:cNvPr>
-          <p:cNvSpPr/>
-          <p:nvPr/>
-        </p:nvSpPr>
-        <p:spPr>
-          <a:xfrm>
-            <a:off x="2309769" y="6009312"/>
-            <a:ext cx="7908022" cy="369332"/>
-          </a:xfrm>
-          <a:prstGeom prst="rect">
-            <a:avLst/>
-          </a:prstGeom>
-        </p:spPr>
-        <p:txBody>
-          <a:bodyPr wrap="square">
-            <a:spAutoFit/>
-          </a:bodyPr>
-          <a:lstStyle/>
-          <a:p>
-            <a:r>
-              <a:rPr lang="en-US" dirty="0">
-                <a:solidFill>
-                  <a:schemeClr val="bg1"/>
-                </a:solidFill>
-                <a:hlinkClick r:id="rId4"/>
-              </a:rPr>
-              <a:t>https://docs.microsoft.com/en-us/azure/data-catalog/data-catalog-get-started</a:t>
-            </a:r>
-            <a:endParaRPr lang="en-US" dirty="0">
-              <a:solidFill>
-                <a:schemeClr val="bg1"/>
-              </a:solidFill>
-            </a:endParaRPr>
-          </a:p>
-        </p:txBody>
-      </p:sp>
-    </p:spTree>
-    <p:extLst>
-      <p:ext uri="{BB962C8B-B14F-4D97-AF65-F5344CB8AC3E}">
-        <p14:creationId xmlns:p14="http://schemas.microsoft.com/office/powerpoint/2010/main" val="440566585"/>
-      </p:ext>
-    </p:extLst>
-  </p:cSld>
-  <p:clrMapOvr>
-    <a:masterClrMapping/>
-  </p:clrMapOvr>
-  <mc:AlternateContent xmlns:mc="http://schemas.openxmlformats.org/markup-compatibility/2006" xmlns:p14="http://schemas.microsoft.com/office/powerpoint/2010/main">
-    <mc:Choice Requires="p14">
-      <p:transition p14:dur="10"/>
-    </mc:Choice>
-    <mc:Fallback xmlns="">
-      <p:transition/>
-    </mc:Fallback>
-  </mc:AlternateContent>
-</p:sld>
-</file>
-
-<file path=ppt/slides/slide3.xml><?xml version="1.0" encoding="utf-8"?>
+<file path=ppt/slides/slide4.xml><?xml version="1.0" encoding="utf-8"?>
 <p:sld xmlns:a="http://schemas.openxmlformats.org/drawingml/2006/main" xmlns:r="http://schemas.openxmlformats.org/officeDocument/2006/relationships" xmlns:p="http://schemas.openxmlformats.org/presentationml/2006/main">
   <p:cSld>
     <p:spTree>
@@ -12181,7 +12522,7 @@
 </p:sld>
 </file>
 
-<file path=ppt/slides/slide4.xml><?xml version="1.0" encoding="utf-8"?>
+<file path=ppt/slides/slide5.xml><?xml version="1.0" encoding="utf-8"?>
 <p:sld xmlns:a="http://schemas.openxmlformats.org/drawingml/2006/main" xmlns:r="http://schemas.openxmlformats.org/officeDocument/2006/relationships" xmlns:p="http://schemas.openxmlformats.org/presentationml/2006/main">
   <p:cSld>
     <p:spTree>
@@ -14777,7 +15118,7 @@
 </p:sld>
 </file>
 
-<file path=ppt/slides/slide5.xml><?xml version="1.0" encoding="utf-8"?>
+<file path=ppt/slides/slide6.xml><?xml version="1.0" encoding="utf-8"?>
 <p:sld xmlns:a="http://schemas.openxmlformats.org/drawingml/2006/main" xmlns:r="http://schemas.openxmlformats.org/officeDocument/2006/relationships" xmlns:p="http://schemas.openxmlformats.org/presentationml/2006/main">
   <p:cSld>
     <p:bg>
@@ -14915,7 +15256,7 @@
 </p:sld>
 </file>
 
-<file path=ppt/slides/slide6.xml><?xml version="1.0" encoding="utf-8"?>
+<file path=ppt/slides/slide7.xml><?xml version="1.0" encoding="utf-8"?>
 <p:sld xmlns:a="http://schemas.openxmlformats.org/drawingml/2006/main" xmlns:r="http://schemas.openxmlformats.org/officeDocument/2006/relationships" xmlns:p="http://schemas.openxmlformats.org/presentationml/2006/main">
   <p:cSld>
     <p:bg>
@@ -15335,7 +15676,7 @@
 </p:sld>
 </file>
 
-<file path=ppt/slides/slide7.xml><?xml version="1.0" encoding="utf-8"?>
+<file path=ppt/slides/slide8.xml><?xml version="1.0" encoding="utf-8"?>
 <p:sld xmlns:a="http://schemas.openxmlformats.org/drawingml/2006/main" xmlns:r="http://schemas.openxmlformats.org/officeDocument/2006/relationships" xmlns:p="http://schemas.openxmlformats.org/presentationml/2006/main">
   <p:cSld>
     <p:spTree>
@@ -15674,7 +16015,7 @@
 </p:sld>
 </file>
 
-<file path=ppt/slides/slide8.xml><?xml version="1.0" encoding="utf-8"?>
+<file path=ppt/slides/slide9.xml><?xml version="1.0" encoding="utf-8"?>
 <p:sld xmlns:a="http://schemas.openxmlformats.org/drawingml/2006/main" xmlns:r="http://schemas.openxmlformats.org/officeDocument/2006/relationships" xmlns:p="http://schemas.openxmlformats.org/presentationml/2006/main">
   <p:cSld>
     <p:spTree>
@@ -15980,158 +16321,6 @@
     <p:extLst>
       <p:ext uri="{BB962C8B-B14F-4D97-AF65-F5344CB8AC3E}">
         <p14:creationId xmlns:p14="http://schemas.microsoft.com/office/powerpoint/2010/main" val="3360171299"/>
-      </p:ext>
-    </p:extLst>
-  </p:cSld>
-  <p:clrMapOvr>
-    <a:masterClrMapping/>
-  </p:clrMapOvr>
-  <mc:AlternateContent xmlns:mc="http://schemas.openxmlformats.org/markup-compatibility/2006" xmlns:p14="http://schemas.microsoft.com/office/powerpoint/2010/main">
-    <mc:Choice Requires="p14">
-      <p:transition p14:dur="10"/>
-    </mc:Choice>
-    <mc:Fallback xmlns="">
-      <p:transition/>
-    </mc:Fallback>
-  </mc:AlternateContent>
-</p:sld>
-</file>
-
-<file path=ppt/slides/slide9.xml><?xml version="1.0" encoding="utf-8"?>
-<p:sld xmlns:a="http://schemas.openxmlformats.org/drawingml/2006/main" xmlns:r="http://schemas.openxmlformats.org/officeDocument/2006/relationships" xmlns:p="http://schemas.openxmlformats.org/presentationml/2006/main">
-  <p:cSld>
-    <p:spTree>
-      <p:nvGrpSpPr>
-        <p:cNvPr id="1" name=""/>
-        <p:cNvGrpSpPr/>
-        <p:nvPr/>
-      </p:nvGrpSpPr>
-      <p:grpSpPr>
-        <a:xfrm>
-          <a:off x="0" y="0"/>
-          <a:ext cx="0" cy="0"/>
-          <a:chOff x="0" y="0"/>
-          <a:chExt cx="0" cy="0"/>
-        </a:xfrm>
-      </p:grpSpPr>
-      <p:sp>
-        <p:nvSpPr>
-          <p:cNvPr id="2" name="Title 1"/>
-          <p:cNvSpPr>
-            <a:spLocks noGrp="1"/>
-          </p:cNvSpPr>
-          <p:nvPr>
-            <p:ph type="title"/>
-          </p:nvPr>
-        </p:nvSpPr>
-        <p:spPr/>
-        <p:txBody>
-          <a:bodyPr/>
-          <a:lstStyle/>
-          <a:p>
-            <a:r>
-              <a:rPr lang="en-US" dirty="0">
-                <a:solidFill>
-                  <a:srgbClr val="17489E"/>
-                </a:solidFill>
-              </a:rPr>
-              <a:t>API</a:t>
-            </a:r>
-          </a:p>
-        </p:txBody>
-      </p:sp>
-      <p:sp>
-        <p:nvSpPr>
-          <p:cNvPr id="3" name="Content Placeholder 2"/>
-          <p:cNvSpPr>
-            <a:spLocks noGrp="1"/>
-          </p:cNvSpPr>
-          <p:nvPr>
-            <p:ph sz="quarter" idx="10"/>
-          </p:nvPr>
-        </p:nvSpPr>
-        <p:spPr/>
-        <p:txBody>
-          <a:bodyPr/>
-          <a:lstStyle/>
-          <a:p>
-            <a:pPr marL="0" indent="0">
-              <a:buNone/>
-            </a:pPr>
-            <a:r>
-              <a:rPr lang="en-US" sz="2550" dirty="0">
-                <a:solidFill>
-                  <a:srgbClr val="17489E"/>
-                </a:solidFill>
-              </a:rPr>
-              <a:t>REST based API using JSON payload</a:t>
-            </a:r>
-          </a:p>
-          <a:p>
-            <a:endParaRPr lang="en-US" sz="2550" dirty="0">
-              <a:solidFill>
-                <a:srgbClr val="17489E"/>
-              </a:solidFill>
-            </a:endParaRPr>
-          </a:p>
-          <a:p>
-            <a:r>
-              <a:rPr lang="en-US" sz="2550" dirty="0">
-                <a:solidFill>
-                  <a:srgbClr val="17489E"/>
-                </a:solidFill>
-              </a:rPr>
-              <a:t>Allows Registration, Update, and Delete of assets</a:t>
-            </a:r>
-          </a:p>
-          <a:p>
-            <a:r>
-              <a:rPr lang="en-US" sz="2550" dirty="0">
-                <a:solidFill>
-                  <a:srgbClr val="17489E"/>
-                </a:solidFill>
-              </a:rPr>
-              <a:t>Allows Create, Update, Delete of annotations</a:t>
-            </a:r>
-          </a:p>
-          <a:p>
-            <a:r>
-              <a:rPr lang="en-US" sz="2550" dirty="0">
-                <a:solidFill>
-                  <a:srgbClr val="17489E"/>
-                </a:solidFill>
-              </a:rPr>
-              <a:t>Allows Rich search syntax</a:t>
-            </a:r>
-          </a:p>
-          <a:p>
-            <a:pPr lvl="1"/>
-            <a:r>
-              <a:rPr lang="en-US" sz="2354" dirty="0">
-                <a:solidFill>
-                  <a:srgbClr val="17489E"/>
-                </a:solidFill>
-              </a:rPr>
-              <a:t>Full-text search and exact match</a:t>
-            </a:r>
-          </a:p>
-          <a:p>
-            <a:pPr lvl="1"/>
-            <a:r>
-              <a:rPr lang="en-US" sz="2354" dirty="0">
-                <a:solidFill>
-                  <a:srgbClr val="17489E"/>
-                </a:solidFill>
-              </a:rPr>
-              <a:t>cross asset or scoped to a property</a:t>
-            </a:r>
-          </a:p>
-        </p:txBody>
-      </p:sp>
-    </p:spTree>
-    <p:extLst>
-      <p:ext uri="{BB962C8B-B14F-4D97-AF65-F5344CB8AC3E}">
-        <p14:creationId xmlns:p14="http://schemas.microsoft.com/office/powerpoint/2010/main" val="3874603457"/>
       </p:ext>
     </p:extLst>
   </p:cSld>
@@ -16673,6 +16862,15 @@
 
 <file path=customXml/item1.xml><?xml version="1.0" encoding="utf-8"?>
 <?mso-contentType ?>
+<FormTemplates xmlns="http://schemas.microsoft.com/sharepoint/v3/contenttype/forms">
+  <Display>DocumentLibraryForm</Display>
+  <Edit>DocumentLibraryForm</Edit>
+  <New>DocumentLibraryForm</New>
+</FormTemplates>
+</file>
+
+<file path=customXml/item2.xml><?xml version="1.0" encoding="utf-8"?>
+<?mso-contentType ?>
 <spe:Receivers xmlns:spe="http://schemas.microsoft.com/sharepoint/events">
   <Receiver>
     <Name>Document ID Generator</Name>
@@ -16721,226 +16919,9 @@
 </spe:Receivers>
 </file>
 
-<file path=customXml/item2.xml><?xml version="1.0" encoding="utf-8"?>
+<file path=customXml/item3.xml><?xml version="1.0" encoding="utf-8"?>
 <?mso-contentType ?>
-<FormTemplates xmlns="http://schemas.microsoft.com/sharepoint/v3/contenttype/forms">
-  <Display>DocumentLibraryForm</Display>
-  <Edit>DocumentLibraryForm</Edit>
-  <New>DocumentLibraryForm</New>
-</FormTemplates>
-</file>
-
-<file path=customXml/item3.xml><?xml version="1.0" encoding="utf-8"?>
-<p:properties xmlns:p="http://schemas.microsoft.com/office/2006/metadata/properties" xmlns:xsi="http://www.w3.org/2001/XMLSchema-instance" xmlns:pc="http://schemas.microsoft.com/office/infopath/2007/PartnerControls">
-  <documentManagement>
-    <_dlc_DocId xmlns="230e9df3-be65-4c73-a93b-d1236ebd677e">G01KC-99682991-10208</_dlc_DocId>
-    <_dlc_DocIdUrl xmlns="230e9df3-be65-4c73-a93b-d1236ebd677e">
-      <Url>https://microsoft.sharepoint.com/sites/Infopedia_G01KC/_layouts/15/DocIdRedir.aspx?ID=G01KC-99682991-10208</Url>
-      <Description>G01KC-99682991-10208</Description>
-    </_dlc_DocIdUrl>
-    <DocumentDescription xmlns="230e9df3-be65-4c73-a93b-d1236ebd677e">200-Level customer facing deck for the MSFT field to help support customer conversations covering the core capabilities, the value and be benefits of the Azure Data Catalog, an enterprise-wide metadata catalog enabling self-service data source discovery</DocumentDescription>
-    <ef109fd36bcf4bcd9dd945731030600b xmlns="230e9df3-be65-4c73-a93b-d1236ebd677e">
-      <Terms xmlns="http://schemas.microsoft.com/office/infopath/2007/PartnerControls"/>
-    </ef109fd36bcf4bcd9dd945731030600b>
-    <i1b478372f814787abd313030b81fcb2 xmlns="230e9df3-be65-4c73-a93b-d1236ebd677e">
-      <Terms xmlns="http://schemas.microsoft.com/office/infopath/2007/PartnerControls"/>
-    </i1b478372f814787abd313030b81fcb2>
-    <ReportOwner xmlns="http://schemas.microsoft.com/sharepoint/v3">
-      <UserInfo>
-        <DisplayName/>
-        <AccountId xsi:nil="true"/>
-        <AccountType/>
-      </UserInfo>
-    </ReportOwner>
-    <hd9637eefc984b85b6097c6374e15725 xmlns="230e9df3-be65-4c73-a93b-d1236ebd677e">
-      <Terms xmlns="http://schemas.microsoft.com/office/infopath/2007/PartnerControls">
-        <TermInfo xmlns="http://schemas.microsoft.com/office/infopath/2007/PartnerControls">
-          <TermName xmlns="http://schemas.microsoft.com/office/infopath/2007/PartnerControls">product information</TermName>
-          <TermId xmlns="http://schemas.microsoft.com/office/infopath/2007/PartnerControls">a62e948d-5e4b-4b97-9627-6d1d79eb3f6c</TermId>
-        </TermInfo>
-        <TermInfo xmlns="http://schemas.microsoft.com/office/infopath/2007/PartnerControls">
-          <TermName xmlns="http://schemas.microsoft.com/office/infopath/2007/PartnerControls">feedback requests</TermName>
-          <TermId xmlns="http://schemas.microsoft.com/office/infopath/2007/PartnerControls">00ce1828-98a3-430e-af54-eda270e1be04</TermId>
-        </TermInfo>
-      </Terms>
-    </hd9637eefc984b85b6097c6374e15725>
-    <k21a64daf20d4502b2796a1c6b8ce6c8 xmlns="230e9df3-be65-4c73-a93b-d1236ebd677e">
-      <Terms xmlns="http://schemas.microsoft.com/office/infopath/2007/PartnerControls">
-        <TermInfo xmlns="http://schemas.microsoft.com/office/infopath/2007/PartnerControls">
-          <TermName xmlns="http://schemas.microsoft.com/office/infopath/2007/PartnerControls">telecommunications industry</TermName>
-          <TermId xmlns="http://schemas.microsoft.com/office/infopath/2007/PartnerControls">a3c8e82b-7663-445f-a09f-a59105ac1d80</TermId>
-        </TermInfo>
-        <TermInfo xmlns="http://schemas.microsoft.com/office/infopath/2007/PartnerControls">
-          <TermName xmlns="http://schemas.microsoft.com/office/infopath/2007/PartnerControls">industries</TermName>
-          <TermId xmlns="http://schemas.microsoft.com/office/infopath/2007/PartnerControls">3e19349d-0f97-4bdd-98f7-34f9b5ced943</TermId>
-        </TermInfo>
-      </Terms>
-    </k21a64daf20d4502b2796a1c6b8ce6c8>
-    <Coowner xmlns="230e9df3-be65-4c73-a93b-d1236ebd677e">
-      <UserInfo>
-        <DisplayName>i:0#.f|membership|v-anmarv@microsoft.com</DisplayName>
-        <AccountId>45</AccountId>
-        <AccountType/>
-      </UserInfo>
-      <UserInfo>
-        <DisplayName>i:0#.f|membership|v-danaja@microsoft.com</DisplayName>
-        <AccountId>176</AccountId>
-        <AccountType/>
-      </UserInfo>
-      <UserInfo>
-        <DisplayName>i:0#.f|membership|jstrauss@microsoft.com</DisplayName>
-        <AccountId>11717</AccountId>
-        <AccountType/>
-      </UserInfo>
-    </Coowner>
-    <Thumbnail1 xmlns="230e9df3-be65-4c73-a93b-d1236ebd677e">
-      <Url>https://microsoft.sharepoint.com/sites/Infopedia_G01KC/Media/Thumbnails/KC02-23-68682/AAProductIntro.JPG</Url>
-      <Description>https://microsoft.sharepoint.com/sites/Infopedia_G01KC/Media/Thumbnails/KC02-23-68682/AAProductIntro.JPG</Description>
-    </Thumbnail1>
-    <TaxKeywordTaxHTField xmlns="230e9df3-be65-4c73-a93b-d1236ebd677e">
-      <Terms xmlns="http://schemas.microsoft.com/office/infopath/2007/PartnerControls"/>
-    </TaxKeywordTaxHTField>
-    <ContentID xmlns="230e9df3-be65-4c73-a93b-d1236ebd677e">KC02-23-75332</ContentID>
-    <PublishDate xmlns="230E9DF3-BE65-4C73-A93B-D1236EBD677E" xsi:nil="true"/>
-    <b4224c12c78d42ea9b214de0badf8358 xmlns="230e9df3-be65-4c73-a93b-d1236ebd677e">
-      <Terms xmlns="http://schemas.microsoft.com/office/infopath/2007/PartnerControls"/>
-    </b4224c12c78d42ea9b214de0badf8358>
-    <GenericText2 xmlns="230e9df3-be65-4c73-a93b-d1236ebd677e">G01KC-1-5843</GenericText2>
-    <Owner xmlns="230e9df3-be65-4c73-a93b-d1236ebd677e">
-      <UserInfo>
-        <DisplayName>Ann Bachrach</DisplayName>
-        <AccountId>125</AccountId>
-        <AccountType/>
-      </UserInfo>
-    </Owner>
-    <k20e0dfa74bf4e44818db03027b0ccd8 xmlns="230e9df3-be65-4c73-a93b-d1236ebd677e">
-      <Terms xmlns="http://schemas.microsoft.com/office/infopath/2007/PartnerControls"/>
-    </k20e0dfa74bf4e44818db03027b0ccd8>
-    <eb54ac91059940029a3cc8a4ff5af673 xmlns="230e9df3-be65-4c73-a93b-d1236ebd677e">
-      <Terms xmlns="http://schemas.microsoft.com/office/infopath/2007/PartnerControls">
-        <TermInfo xmlns="http://schemas.microsoft.com/office/infopath/2007/PartnerControls">
-          <TermName xmlns="http://schemas.microsoft.com/office/infopath/2007/PartnerControls">Cloud and Enterprise</TermName>
-          <TermId xmlns="http://schemas.microsoft.com/office/infopath/2007/PartnerControls">adc2fe87-c79a-4ded-a449-3f86b954069d</TermId>
-        </TermInfo>
-        <TermInfo xmlns="http://schemas.microsoft.com/office/infopath/2007/PartnerControls">
-          <TermName xmlns="http://schemas.microsoft.com/office/infopath/2007/PartnerControls">Microsoft Azure Domain</TermName>
-          <TermId xmlns="http://schemas.microsoft.com/office/infopath/2007/PartnerControls">d600a391-d529-4311-892b-2c05c1ab2538</TermId>
-        </TermInfo>
-        <TermInfo xmlns="http://schemas.microsoft.com/office/infopath/2007/PartnerControls">
-          <TermName xmlns="http://schemas.microsoft.com/office/infopath/2007/PartnerControls">Enterprise and Partner Group</TermName>
-          <TermId xmlns="http://schemas.microsoft.com/office/infopath/2007/PartnerControls">b6e10940-8c6c-40cf-9dc4-c224c7da837a</TermId>
-        </TermInfo>
-        <TermInfo xmlns="http://schemas.microsoft.com/office/infopath/2007/PartnerControls">
-          <TermName xmlns="http://schemas.microsoft.com/office/infopath/2007/PartnerControls">Demonstrations Domain</TermName>
-          <TermId xmlns="http://schemas.microsoft.com/office/infopath/2007/PartnerControls">ace27c3b-cb70-4e97-b22d-11bf78e968cd</TermId>
-        </TermInfo>
-        <TermInfo xmlns="http://schemas.microsoft.com/office/infopath/2007/PartnerControls">
-          <TermName xmlns="http://schemas.microsoft.com/office/infopath/2007/PartnerControls">Worldwide Readiness</TermName>
-          <TermId xmlns="http://schemas.microsoft.com/office/infopath/2007/PartnerControls">c6595b84-b463-470a-bb46-2a47364645be</TermId>
-        </TermInfo>
-      </Terms>
-    </eb54ac91059940029a3cc8a4ff5af673>
-    <PublishingPageContent xmlns="http://schemas.microsoft.com/sharepoint/v3" xsi:nil="true"/>
-    <l3c3ea61849e4288a8acc49bb5388e8c xmlns="230e9df3-be65-4c73-a93b-d1236ebd677e">
-      <Terms xmlns="http://schemas.microsoft.com/office/infopath/2007/PartnerControls">
-        <TermInfo xmlns="http://schemas.microsoft.com/office/infopath/2007/PartnerControls">
-          <TermName xmlns="http://schemas.microsoft.com/office/infopath/2007/PartnerControls">Microsoft Azure Marketing</TermName>
-          <TermId xmlns="http://schemas.microsoft.com/office/infopath/2007/PartnerControls">0958c357-5252-473f-8b4e-42f27525a99d</TermId>
-        </TermInfo>
-      </Terms>
-    </l3c3ea61849e4288a8acc49bb5388e8c>
-    <GenericHTML1 xmlns="230e9df3-be65-4c73-a93b-d1236ebd677e" xsi:nil="true"/>
-    <mb88723863e1404388ba3733387d48df xmlns="230e9df3-be65-4c73-a93b-d1236ebd677e">
-      <Terms xmlns="http://schemas.microsoft.com/office/infopath/2007/PartnerControls"/>
-    </mb88723863e1404388ba3733387d48df>
-    <od9986d31974458fb3007746ec0bce5f xmlns="230e9df3-be65-4c73-a93b-d1236ebd677e">
-      <Terms xmlns="http://schemas.microsoft.com/office/infopath/2007/PartnerControls"/>
-    </od9986d31974458fb3007746ec0bce5f>
-    <ApplyWorkflowRules xmlns="230E9DF3-BE65-4C73-A93B-D1236EBD677E">Yes</ApplyWorkflowRules>
-    <bf80e81150e248c48aa8cffdf0021a1f xmlns="230e9df3-be65-4c73-a93b-d1236ebd677e">
-      <Terms xmlns="http://schemas.microsoft.com/office/infopath/2007/PartnerControls">
-        <TermInfo xmlns="http://schemas.microsoft.com/office/infopath/2007/PartnerControls">
-          <TermName xmlns="http://schemas.microsoft.com/office/infopath/2007/PartnerControls">Microsoft Azure</TermName>
-          <TermId xmlns="http://schemas.microsoft.com/office/infopath/2007/PartnerControls">669a3112-5edf-444b-a003-630063601f07</TermId>
-        </TermInfo>
-      </Terms>
-    </bf80e81150e248c48aa8cffdf0021a1f>
-    <kf34bcdc8fc34e479d3f94c6210e8e27 xmlns="230e9df3-be65-4c73-a93b-d1236ebd677e">
-      <Terms xmlns="http://schemas.microsoft.com/office/infopath/2007/PartnerControls"/>
-    </kf34bcdc8fc34e479d3f94c6210e8e27>
-    <TaxCatchAll xmlns="230e9df3-be65-4c73-a93b-d1236ebd677e">
-      <Value>36</Value>
-      <Value>216</Value>
-      <Value>31</Value>
-      <Value>29</Value>
-      <Value>324</Value>
-      <Value>26</Value>
-      <Value>14</Value>
-      <Value>61</Value>
-      <Value>21</Value>
-      <Value>20</Value>
-      <Value>351</Value>
-      <Value>128</Value>
-      <Value>88</Value>
-      <Value>231</Value>
-      <Value>747</Value>
-      <Value>374</Value>
-    </TaxCatchAll>
-    <m6c7b4717b6346e6a075a59dd47eac69 xmlns="230e9df3-be65-4c73-a93b-d1236ebd677e">
-      <Terms xmlns="http://schemas.microsoft.com/office/infopath/2007/PartnerControls">
-        <TermInfo xmlns="http://schemas.microsoft.com/office/infopath/2007/PartnerControls">
-          <TermName xmlns="http://schemas.microsoft.com/office/infopath/2007/PartnerControls">features</TermName>
-          <TermId xmlns="http://schemas.microsoft.com/office/infopath/2007/PartnerControls">94b87768-f145-4764-adbd-fec700e47348</TermId>
-        </TermInfo>
-      </Terms>
-    </m6c7b4717b6346e6a075a59dd47eac69>
-    <m6d26e40ac264097a006193f92232ece xmlns="230e9df3-be65-4c73-a93b-d1236ebd677e">
-      <Terms xmlns="http://schemas.microsoft.com/office/infopath/2007/PartnerControls">
-        <TermInfo xmlns="http://schemas.microsoft.com/office/infopath/2007/PartnerControls">
-          <TermName xmlns="http://schemas.microsoft.com/office/infopath/2007/PartnerControls">200</TermName>
-          <TermId xmlns="http://schemas.microsoft.com/office/infopath/2007/PartnerControls">855c9113-a119-44e7-b3de-bccffe25ed46</TermId>
-        </TermInfo>
-      </Terms>
-    </m6d26e40ac264097a006193f92232ece>
-    <Blog_x0020_Name xmlns="230e9df3-be65-4c73-a93b-d1236ebd677e" xsi:nil="true"/>
-    <i0d941ee1e744ffea7aeee9924c91cbb xmlns="230e9df3-be65-4c73-a93b-d1236ebd677e">
-      <Terms xmlns="http://schemas.microsoft.com/office/infopath/2007/PartnerControls">
-        <TermInfo xmlns="http://schemas.microsoft.com/office/infopath/2007/PartnerControls">
-          <TermName xmlns="http://schemas.microsoft.com/office/infopath/2007/PartnerControls">machine learning</TermName>
-          <TermId xmlns="http://schemas.microsoft.com/office/infopath/2007/PartnerControls">912b89bd-3197-4d37-838b-dea3c299099a</TermId>
-        </TermInfo>
-        <TermInfo xmlns="http://schemas.microsoft.com/office/infopath/2007/PartnerControls">
-          <TermName xmlns="http://schemas.microsoft.com/office/infopath/2007/PartnerControls">business intelligence</TermName>
-          <TermId xmlns="http://schemas.microsoft.com/office/infopath/2007/PartnerControls">e1f9659f-bde9-4479-81f9-2bc6e8ec0057</TermId>
-        </TermInfo>
-      </Terms>
-    </i0d941ee1e744ffea7aeee9924c91cbb>
-    <ec5b2ad5c27b45fb8a00a1f27c7ce1ae xmlns="230e9df3-be65-4c73-a93b-d1236ebd677e">
-      <Terms xmlns="http://schemas.microsoft.com/office/infopath/2007/PartnerControls"/>
-    </ec5b2ad5c27b45fb8a00a1f27c7ce1ae>
-    <PublishingExpirationDate xmlns="http://schemas.microsoft.com/sharepoint/v3" xsi:nil="true"/>
-    <ConfidentialityTaxHTField0 xmlns="230e9df3-be65-4c73-a93b-d1236ebd677e">
-      <Terms xmlns="http://schemas.microsoft.com/office/infopath/2007/PartnerControls">
-        <TermInfo xmlns="http://schemas.microsoft.com/office/infopath/2007/PartnerControls">
-          <TermName xmlns="http://schemas.microsoft.com/office/infopath/2007/PartnerControls">customer ready</TermName>
-          <TermId xmlns="http://schemas.microsoft.com/office/infopath/2007/PartnerControls">8986c41d-21c5-4f8f-8a12-ea4625b46858</TermId>
-        </TermInfo>
-      </Terms>
-    </ConfidentialityTaxHTField0>
-    <b60f8d2dbb984f349d80d8196897f4d3 xmlns="230e9df3-be65-4c73-a93b-d1236ebd677e">
-      <Terms xmlns="http://schemas.microsoft.com/office/infopath/2007/PartnerControls"/>
-    </b60f8d2dbb984f349d80d8196897f4d3>
-    <RatingCount xmlns="http://schemas.microsoft.com/sharepoint/v3" xsi:nil="true"/>
-    <RoutingRuleDescription xmlns="http://schemas.microsoft.com/sharepoint/v3" xsi:nil="true"/>
-    <AverageRating xmlns="http://schemas.microsoft.com/sharepoint/v3" xsi:nil="true"/>
-    <Update_x0020_Parent_x0020_Child_x0020_Relation_x0028_1_x0029_0 xmlns="b3bc04a5-d503-43b1-b98c-a8cf663329d9">
-      <Url xsi:nil="true"/>
-      <Description xsi:nil="true"/>
-    </Update_x0020_Parent_x0020_Child_x0020_Relation_x0028_1_x0029_0>
-    <_ip_UnifiedCompliancePolicyUIAction xmlns="http://schemas.microsoft.com/sharepoint/v3" xsi:nil="true"/>
-    <_ip_UnifiedCompliancePolicyProperties xmlns="http://schemas.microsoft.com/sharepoint/v3" xsi:nil="true"/>
-  </documentManagement>
-</p:properties>
+<SharedContentType xmlns="Microsoft.SharePoint.Taxonomy.ContentTypeSync" SourceId="e385fb40-52d4-4fae-9c5b-3e8ff8a5878e" ContentTypeId="0x0101000E4CB7077FEE4FF7AE86D4A500EEC7800300F96E2758736AEF45AFCE0C190C2A9DEC" PreviousValue="false"/>
 </file>
 
 <file path=customXml/item4.xml><?xml version="1.0" encoding="utf-8"?>
@@ -17482,11 +17463,227 @@
 </file>
 
 <file path=customXml/item5.xml><?xml version="1.0" encoding="utf-8"?>
-<?mso-contentType ?>
-<SharedContentType xmlns="Microsoft.SharePoint.Taxonomy.ContentTypeSync" SourceId="e385fb40-52d4-4fae-9c5b-3e8ff8a5878e" ContentTypeId="0x0101000E4CB7077FEE4FF7AE86D4A500EEC7800300F96E2758736AEF45AFCE0C190C2A9DEC" PreviousValue="false"/>
+<p:properties xmlns:p="http://schemas.microsoft.com/office/2006/metadata/properties" xmlns:xsi="http://www.w3.org/2001/XMLSchema-instance" xmlns:pc="http://schemas.microsoft.com/office/infopath/2007/PartnerControls">
+  <documentManagement>
+    <_dlc_DocId xmlns="230e9df3-be65-4c73-a93b-d1236ebd677e">G01KC-99682991-10208</_dlc_DocId>
+    <_dlc_DocIdUrl xmlns="230e9df3-be65-4c73-a93b-d1236ebd677e">
+      <Url>https://microsoft.sharepoint.com/sites/Infopedia_G01KC/_layouts/15/DocIdRedir.aspx?ID=G01KC-99682991-10208</Url>
+      <Description>G01KC-99682991-10208</Description>
+    </_dlc_DocIdUrl>
+    <DocumentDescription xmlns="230e9df3-be65-4c73-a93b-d1236ebd677e">200-Level customer facing deck for the MSFT field to help support customer conversations covering the core capabilities, the value and be benefits of the Azure Data Catalog, an enterprise-wide metadata catalog enabling self-service data source discovery</DocumentDescription>
+    <ef109fd36bcf4bcd9dd945731030600b xmlns="230e9df3-be65-4c73-a93b-d1236ebd677e">
+      <Terms xmlns="http://schemas.microsoft.com/office/infopath/2007/PartnerControls"/>
+    </ef109fd36bcf4bcd9dd945731030600b>
+    <i1b478372f814787abd313030b81fcb2 xmlns="230e9df3-be65-4c73-a93b-d1236ebd677e">
+      <Terms xmlns="http://schemas.microsoft.com/office/infopath/2007/PartnerControls"/>
+    </i1b478372f814787abd313030b81fcb2>
+    <ReportOwner xmlns="http://schemas.microsoft.com/sharepoint/v3">
+      <UserInfo>
+        <DisplayName/>
+        <AccountId xsi:nil="true"/>
+        <AccountType/>
+      </UserInfo>
+    </ReportOwner>
+    <hd9637eefc984b85b6097c6374e15725 xmlns="230e9df3-be65-4c73-a93b-d1236ebd677e">
+      <Terms xmlns="http://schemas.microsoft.com/office/infopath/2007/PartnerControls">
+        <TermInfo xmlns="http://schemas.microsoft.com/office/infopath/2007/PartnerControls">
+          <TermName xmlns="http://schemas.microsoft.com/office/infopath/2007/PartnerControls">product information</TermName>
+          <TermId xmlns="http://schemas.microsoft.com/office/infopath/2007/PartnerControls">a62e948d-5e4b-4b97-9627-6d1d79eb3f6c</TermId>
+        </TermInfo>
+        <TermInfo xmlns="http://schemas.microsoft.com/office/infopath/2007/PartnerControls">
+          <TermName xmlns="http://schemas.microsoft.com/office/infopath/2007/PartnerControls">feedback requests</TermName>
+          <TermId xmlns="http://schemas.microsoft.com/office/infopath/2007/PartnerControls">00ce1828-98a3-430e-af54-eda270e1be04</TermId>
+        </TermInfo>
+      </Terms>
+    </hd9637eefc984b85b6097c6374e15725>
+    <k21a64daf20d4502b2796a1c6b8ce6c8 xmlns="230e9df3-be65-4c73-a93b-d1236ebd677e">
+      <Terms xmlns="http://schemas.microsoft.com/office/infopath/2007/PartnerControls">
+        <TermInfo xmlns="http://schemas.microsoft.com/office/infopath/2007/PartnerControls">
+          <TermName xmlns="http://schemas.microsoft.com/office/infopath/2007/PartnerControls">telecommunications industry</TermName>
+          <TermId xmlns="http://schemas.microsoft.com/office/infopath/2007/PartnerControls">a3c8e82b-7663-445f-a09f-a59105ac1d80</TermId>
+        </TermInfo>
+        <TermInfo xmlns="http://schemas.microsoft.com/office/infopath/2007/PartnerControls">
+          <TermName xmlns="http://schemas.microsoft.com/office/infopath/2007/PartnerControls">industries</TermName>
+          <TermId xmlns="http://schemas.microsoft.com/office/infopath/2007/PartnerControls">3e19349d-0f97-4bdd-98f7-34f9b5ced943</TermId>
+        </TermInfo>
+      </Terms>
+    </k21a64daf20d4502b2796a1c6b8ce6c8>
+    <Coowner xmlns="230e9df3-be65-4c73-a93b-d1236ebd677e">
+      <UserInfo>
+        <DisplayName>i:0#.f|membership|v-anmarv@microsoft.com</DisplayName>
+        <AccountId>45</AccountId>
+        <AccountType/>
+      </UserInfo>
+      <UserInfo>
+        <DisplayName>i:0#.f|membership|v-danaja@microsoft.com</DisplayName>
+        <AccountId>176</AccountId>
+        <AccountType/>
+      </UserInfo>
+      <UserInfo>
+        <DisplayName>i:0#.f|membership|jstrauss@microsoft.com</DisplayName>
+        <AccountId>11717</AccountId>
+        <AccountType/>
+      </UserInfo>
+    </Coowner>
+    <Thumbnail1 xmlns="230e9df3-be65-4c73-a93b-d1236ebd677e">
+      <Url>https://microsoft.sharepoint.com/sites/Infopedia_G01KC/Media/Thumbnails/KC02-23-68682/AAProductIntro.JPG</Url>
+      <Description>https://microsoft.sharepoint.com/sites/Infopedia_G01KC/Media/Thumbnails/KC02-23-68682/AAProductIntro.JPG</Description>
+    </Thumbnail1>
+    <TaxKeywordTaxHTField xmlns="230e9df3-be65-4c73-a93b-d1236ebd677e">
+      <Terms xmlns="http://schemas.microsoft.com/office/infopath/2007/PartnerControls"/>
+    </TaxKeywordTaxHTField>
+    <ContentID xmlns="230e9df3-be65-4c73-a93b-d1236ebd677e">KC02-23-75332</ContentID>
+    <PublishDate xmlns="230E9DF3-BE65-4C73-A93B-D1236EBD677E" xsi:nil="true"/>
+    <b4224c12c78d42ea9b214de0badf8358 xmlns="230e9df3-be65-4c73-a93b-d1236ebd677e">
+      <Terms xmlns="http://schemas.microsoft.com/office/infopath/2007/PartnerControls"/>
+    </b4224c12c78d42ea9b214de0badf8358>
+    <GenericText2 xmlns="230e9df3-be65-4c73-a93b-d1236ebd677e">G01KC-1-5843</GenericText2>
+    <Owner xmlns="230e9df3-be65-4c73-a93b-d1236ebd677e">
+      <UserInfo>
+        <DisplayName>Ann Bachrach</DisplayName>
+        <AccountId>125</AccountId>
+        <AccountType/>
+      </UserInfo>
+    </Owner>
+    <k20e0dfa74bf4e44818db03027b0ccd8 xmlns="230e9df3-be65-4c73-a93b-d1236ebd677e">
+      <Terms xmlns="http://schemas.microsoft.com/office/infopath/2007/PartnerControls"/>
+    </k20e0dfa74bf4e44818db03027b0ccd8>
+    <eb54ac91059940029a3cc8a4ff5af673 xmlns="230e9df3-be65-4c73-a93b-d1236ebd677e">
+      <Terms xmlns="http://schemas.microsoft.com/office/infopath/2007/PartnerControls">
+        <TermInfo xmlns="http://schemas.microsoft.com/office/infopath/2007/PartnerControls">
+          <TermName xmlns="http://schemas.microsoft.com/office/infopath/2007/PartnerControls">Cloud and Enterprise</TermName>
+          <TermId xmlns="http://schemas.microsoft.com/office/infopath/2007/PartnerControls">adc2fe87-c79a-4ded-a449-3f86b954069d</TermId>
+        </TermInfo>
+        <TermInfo xmlns="http://schemas.microsoft.com/office/infopath/2007/PartnerControls">
+          <TermName xmlns="http://schemas.microsoft.com/office/infopath/2007/PartnerControls">Microsoft Azure Domain</TermName>
+          <TermId xmlns="http://schemas.microsoft.com/office/infopath/2007/PartnerControls">d600a391-d529-4311-892b-2c05c1ab2538</TermId>
+        </TermInfo>
+        <TermInfo xmlns="http://schemas.microsoft.com/office/infopath/2007/PartnerControls">
+          <TermName xmlns="http://schemas.microsoft.com/office/infopath/2007/PartnerControls">Enterprise and Partner Group</TermName>
+          <TermId xmlns="http://schemas.microsoft.com/office/infopath/2007/PartnerControls">b6e10940-8c6c-40cf-9dc4-c224c7da837a</TermId>
+        </TermInfo>
+        <TermInfo xmlns="http://schemas.microsoft.com/office/infopath/2007/PartnerControls">
+          <TermName xmlns="http://schemas.microsoft.com/office/infopath/2007/PartnerControls">Demonstrations Domain</TermName>
+          <TermId xmlns="http://schemas.microsoft.com/office/infopath/2007/PartnerControls">ace27c3b-cb70-4e97-b22d-11bf78e968cd</TermId>
+        </TermInfo>
+        <TermInfo xmlns="http://schemas.microsoft.com/office/infopath/2007/PartnerControls">
+          <TermName xmlns="http://schemas.microsoft.com/office/infopath/2007/PartnerControls">Worldwide Readiness</TermName>
+          <TermId xmlns="http://schemas.microsoft.com/office/infopath/2007/PartnerControls">c6595b84-b463-470a-bb46-2a47364645be</TermId>
+        </TermInfo>
+      </Terms>
+    </eb54ac91059940029a3cc8a4ff5af673>
+    <PublishingPageContent xmlns="http://schemas.microsoft.com/sharepoint/v3" xsi:nil="true"/>
+    <l3c3ea61849e4288a8acc49bb5388e8c xmlns="230e9df3-be65-4c73-a93b-d1236ebd677e">
+      <Terms xmlns="http://schemas.microsoft.com/office/infopath/2007/PartnerControls">
+        <TermInfo xmlns="http://schemas.microsoft.com/office/infopath/2007/PartnerControls">
+          <TermName xmlns="http://schemas.microsoft.com/office/infopath/2007/PartnerControls">Microsoft Azure Marketing</TermName>
+          <TermId xmlns="http://schemas.microsoft.com/office/infopath/2007/PartnerControls">0958c357-5252-473f-8b4e-42f27525a99d</TermId>
+        </TermInfo>
+      </Terms>
+    </l3c3ea61849e4288a8acc49bb5388e8c>
+    <GenericHTML1 xmlns="230e9df3-be65-4c73-a93b-d1236ebd677e" xsi:nil="true"/>
+    <mb88723863e1404388ba3733387d48df xmlns="230e9df3-be65-4c73-a93b-d1236ebd677e">
+      <Terms xmlns="http://schemas.microsoft.com/office/infopath/2007/PartnerControls"/>
+    </mb88723863e1404388ba3733387d48df>
+    <od9986d31974458fb3007746ec0bce5f xmlns="230e9df3-be65-4c73-a93b-d1236ebd677e">
+      <Terms xmlns="http://schemas.microsoft.com/office/infopath/2007/PartnerControls"/>
+    </od9986d31974458fb3007746ec0bce5f>
+    <ApplyWorkflowRules xmlns="230E9DF3-BE65-4C73-A93B-D1236EBD677E">Yes</ApplyWorkflowRules>
+    <bf80e81150e248c48aa8cffdf0021a1f xmlns="230e9df3-be65-4c73-a93b-d1236ebd677e">
+      <Terms xmlns="http://schemas.microsoft.com/office/infopath/2007/PartnerControls">
+        <TermInfo xmlns="http://schemas.microsoft.com/office/infopath/2007/PartnerControls">
+          <TermName xmlns="http://schemas.microsoft.com/office/infopath/2007/PartnerControls">Microsoft Azure</TermName>
+          <TermId xmlns="http://schemas.microsoft.com/office/infopath/2007/PartnerControls">669a3112-5edf-444b-a003-630063601f07</TermId>
+        </TermInfo>
+      </Terms>
+    </bf80e81150e248c48aa8cffdf0021a1f>
+    <kf34bcdc8fc34e479d3f94c6210e8e27 xmlns="230e9df3-be65-4c73-a93b-d1236ebd677e">
+      <Terms xmlns="http://schemas.microsoft.com/office/infopath/2007/PartnerControls"/>
+    </kf34bcdc8fc34e479d3f94c6210e8e27>
+    <TaxCatchAll xmlns="230e9df3-be65-4c73-a93b-d1236ebd677e">
+      <Value>36</Value>
+      <Value>216</Value>
+      <Value>31</Value>
+      <Value>29</Value>
+      <Value>324</Value>
+      <Value>26</Value>
+      <Value>14</Value>
+      <Value>61</Value>
+      <Value>21</Value>
+      <Value>20</Value>
+      <Value>351</Value>
+      <Value>128</Value>
+      <Value>88</Value>
+      <Value>231</Value>
+      <Value>747</Value>
+      <Value>374</Value>
+    </TaxCatchAll>
+    <m6c7b4717b6346e6a075a59dd47eac69 xmlns="230e9df3-be65-4c73-a93b-d1236ebd677e">
+      <Terms xmlns="http://schemas.microsoft.com/office/infopath/2007/PartnerControls">
+        <TermInfo xmlns="http://schemas.microsoft.com/office/infopath/2007/PartnerControls">
+          <TermName xmlns="http://schemas.microsoft.com/office/infopath/2007/PartnerControls">features</TermName>
+          <TermId xmlns="http://schemas.microsoft.com/office/infopath/2007/PartnerControls">94b87768-f145-4764-adbd-fec700e47348</TermId>
+        </TermInfo>
+      </Terms>
+    </m6c7b4717b6346e6a075a59dd47eac69>
+    <m6d26e40ac264097a006193f92232ece xmlns="230e9df3-be65-4c73-a93b-d1236ebd677e">
+      <Terms xmlns="http://schemas.microsoft.com/office/infopath/2007/PartnerControls">
+        <TermInfo xmlns="http://schemas.microsoft.com/office/infopath/2007/PartnerControls">
+          <TermName xmlns="http://schemas.microsoft.com/office/infopath/2007/PartnerControls">200</TermName>
+          <TermId xmlns="http://schemas.microsoft.com/office/infopath/2007/PartnerControls">855c9113-a119-44e7-b3de-bccffe25ed46</TermId>
+        </TermInfo>
+      </Terms>
+    </m6d26e40ac264097a006193f92232ece>
+    <Blog_x0020_Name xmlns="230e9df3-be65-4c73-a93b-d1236ebd677e" xsi:nil="true"/>
+    <i0d941ee1e744ffea7aeee9924c91cbb xmlns="230e9df3-be65-4c73-a93b-d1236ebd677e">
+      <Terms xmlns="http://schemas.microsoft.com/office/infopath/2007/PartnerControls">
+        <TermInfo xmlns="http://schemas.microsoft.com/office/infopath/2007/PartnerControls">
+          <TermName xmlns="http://schemas.microsoft.com/office/infopath/2007/PartnerControls">machine learning</TermName>
+          <TermId xmlns="http://schemas.microsoft.com/office/infopath/2007/PartnerControls">912b89bd-3197-4d37-838b-dea3c299099a</TermId>
+        </TermInfo>
+        <TermInfo xmlns="http://schemas.microsoft.com/office/infopath/2007/PartnerControls">
+          <TermName xmlns="http://schemas.microsoft.com/office/infopath/2007/PartnerControls">business intelligence</TermName>
+          <TermId xmlns="http://schemas.microsoft.com/office/infopath/2007/PartnerControls">e1f9659f-bde9-4479-81f9-2bc6e8ec0057</TermId>
+        </TermInfo>
+      </Terms>
+    </i0d941ee1e744ffea7aeee9924c91cbb>
+    <ec5b2ad5c27b45fb8a00a1f27c7ce1ae xmlns="230e9df3-be65-4c73-a93b-d1236ebd677e">
+      <Terms xmlns="http://schemas.microsoft.com/office/infopath/2007/PartnerControls"/>
+    </ec5b2ad5c27b45fb8a00a1f27c7ce1ae>
+    <PublishingExpirationDate xmlns="http://schemas.microsoft.com/sharepoint/v3" xsi:nil="true"/>
+    <ConfidentialityTaxHTField0 xmlns="230e9df3-be65-4c73-a93b-d1236ebd677e">
+      <Terms xmlns="http://schemas.microsoft.com/office/infopath/2007/PartnerControls">
+        <TermInfo xmlns="http://schemas.microsoft.com/office/infopath/2007/PartnerControls">
+          <TermName xmlns="http://schemas.microsoft.com/office/infopath/2007/PartnerControls">customer ready</TermName>
+          <TermId xmlns="http://schemas.microsoft.com/office/infopath/2007/PartnerControls">8986c41d-21c5-4f8f-8a12-ea4625b46858</TermId>
+        </TermInfo>
+      </Terms>
+    </ConfidentialityTaxHTField0>
+    <b60f8d2dbb984f349d80d8196897f4d3 xmlns="230e9df3-be65-4c73-a93b-d1236ebd677e">
+      <Terms xmlns="http://schemas.microsoft.com/office/infopath/2007/PartnerControls"/>
+    </b60f8d2dbb984f349d80d8196897f4d3>
+    <RatingCount xmlns="http://schemas.microsoft.com/sharepoint/v3" xsi:nil="true"/>
+    <RoutingRuleDescription xmlns="http://schemas.microsoft.com/sharepoint/v3" xsi:nil="true"/>
+    <AverageRating xmlns="http://schemas.microsoft.com/sharepoint/v3" xsi:nil="true"/>
+    <Update_x0020_Parent_x0020_Child_x0020_Relation_x0028_1_x0029_0 xmlns="b3bc04a5-d503-43b1-b98c-a8cf663329d9">
+      <Url xsi:nil="true"/>
+      <Description xsi:nil="true"/>
+    </Update_x0020_Parent_x0020_Child_x0020_Relation_x0028_1_x0029_0>
+    <_ip_UnifiedCompliancePolicyUIAction xmlns="http://schemas.microsoft.com/sharepoint/v3" xsi:nil="true"/>
+    <_ip_UnifiedCompliancePolicyProperties xmlns="http://schemas.microsoft.com/sharepoint/v3" xsi:nil="true"/>
+  </documentManagement>
+</p:properties>
 </file>
 
 <file path=customXml/itemProps1.xml><?xml version="1.0" encoding="utf-8"?>
+<ds:datastoreItem xmlns:ds="http://schemas.openxmlformats.org/officeDocument/2006/customXml" ds:itemID="{9BBAABFE-C010-4D26-AF7C-4B797E4E37A6}">
+  <ds:schemaRefs>
+    <ds:schemaRef ds:uri="http://schemas.microsoft.com/sharepoint/v3/contenttype/forms"/>
+  </ds:schemaRefs>
+</ds:datastoreItem>
+</file>
+
+<file path=customXml/itemProps2.xml><?xml version="1.0" encoding="utf-8"?>
 <ds:datastoreItem xmlns:ds="http://schemas.openxmlformats.org/officeDocument/2006/customXml" ds:itemID="{BC556691-3246-4178-B49E-6AED78309FE5}">
   <ds:schemaRefs>
     <ds:schemaRef ds:uri="http://schemas.microsoft.com/sharepoint/events"/>
@@ -17494,30 +17691,10 @@
 </ds:datastoreItem>
 </file>
 
-<file path=customXml/itemProps2.xml><?xml version="1.0" encoding="utf-8"?>
-<ds:datastoreItem xmlns:ds="http://schemas.openxmlformats.org/officeDocument/2006/customXml" ds:itemID="{9BBAABFE-C010-4D26-AF7C-4B797E4E37A6}">
+<file path=customXml/itemProps3.xml><?xml version="1.0" encoding="utf-8"?>
+<ds:datastoreItem xmlns:ds="http://schemas.openxmlformats.org/officeDocument/2006/customXml" ds:itemID="{5EFA9455-7754-48C0-AFB4-05F6947FC70C}">
   <ds:schemaRefs>
-    <ds:schemaRef ds:uri="http://schemas.microsoft.com/sharepoint/v3/contenttype/forms"/>
-  </ds:schemaRefs>
-</ds:datastoreItem>
-</file>
-
-<file path=customXml/itemProps3.xml><?xml version="1.0" encoding="utf-8"?>
-<ds:datastoreItem xmlns:ds="http://schemas.openxmlformats.org/officeDocument/2006/customXml" ds:itemID="{84A66DE7-A69D-432C-BB29-032CCB19F769}">
-  <ds:schemaRefs>
-    <ds:schemaRef ds:uri="http://schemas.microsoft.com/office/infopath/2007/PartnerControls"/>
-    <ds:schemaRef ds:uri="http://schemas.microsoft.com/sharepoint/v3"/>
-    <ds:schemaRef ds:uri="http://purl.org/dc/terms/"/>
-    <ds:schemaRef ds:uri="http://schemas.microsoft.com/office/2006/documentManagement/types"/>
-    <ds:schemaRef ds:uri="http://schemas.openxmlformats.org/package/2006/metadata/core-properties"/>
-    <ds:schemaRef ds:uri="230e9df3-be65-4c73-a93b-d1236ebd677e"/>
-    <ds:schemaRef ds:uri="2478d1b8-79bf-461f-b8e8-704d21601f1a"/>
-    <ds:schemaRef ds:uri="http://purl.org/dc/elements/1.1/"/>
-    <ds:schemaRef ds:uri="http://schemas.microsoft.com/office/2006/metadata/properties"/>
-    <ds:schemaRef ds:uri="b3bc04a5-d503-43b1-b98c-a8cf663329d9"/>
-    <ds:schemaRef ds:uri="230E9DF3-BE65-4C73-A93B-D1236EBD677E"/>
-    <ds:schemaRef ds:uri="http://www.w3.org/XML/1998/namespace"/>
-    <ds:schemaRef ds:uri="http://purl.org/dc/dcmitype/"/>
+    <ds:schemaRef ds:uri="Microsoft.SharePoint.Taxonomy.ContentTypeSync"/>
   </ds:schemaRefs>
 </ds:datastoreItem>
 </file>
@@ -17545,9 +17722,21 @@
 </file>
 
 <file path=customXml/itemProps5.xml><?xml version="1.0" encoding="utf-8"?>
-<ds:datastoreItem xmlns:ds="http://schemas.openxmlformats.org/officeDocument/2006/customXml" ds:itemID="{5EFA9455-7754-48C0-AFB4-05F6947FC70C}">
+<ds:datastoreItem xmlns:ds="http://schemas.openxmlformats.org/officeDocument/2006/customXml" ds:itemID="{84A66DE7-A69D-432C-BB29-032CCB19F769}">
   <ds:schemaRefs>
-    <ds:schemaRef ds:uri="Microsoft.SharePoint.Taxonomy.ContentTypeSync"/>
+    <ds:schemaRef ds:uri="http://schemas.microsoft.com/office/infopath/2007/PartnerControls"/>
+    <ds:schemaRef ds:uri="http://schemas.microsoft.com/sharepoint/v3"/>
+    <ds:schemaRef ds:uri="http://purl.org/dc/terms/"/>
+    <ds:schemaRef ds:uri="http://schemas.microsoft.com/office/2006/documentManagement/types"/>
+    <ds:schemaRef ds:uri="http://schemas.openxmlformats.org/package/2006/metadata/core-properties"/>
+    <ds:schemaRef ds:uri="230e9df3-be65-4c73-a93b-d1236ebd677e"/>
+    <ds:schemaRef ds:uri="2478d1b8-79bf-461f-b8e8-704d21601f1a"/>
+    <ds:schemaRef ds:uri="http://purl.org/dc/elements/1.1/"/>
+    <ds:schemaRef ds:uri="http://schemas.microsoft.com/office/2006/metadata/properties"/>
+    <ds:schemaRef ds:uri="b3bc04a5-d503-43b1-b98c-a8cf663329d9"/>
+    <ds:schemaRef ds:uri="230E9DF3-BE65-4C73-A93B-D1236EBD677E"/>
+    <ds:schemaRef ds:uri="http://www.w3.org/XML/1998/namespace"/>
+    <ds:schemaRef ds:uri="http://purl.org/dc/dcmitype/"/>
   </ds:schemaRefs>
 </ds:datastoreItem>
 </file>